--- a/sesion02/S02- HTML y JS.pptx
+++ b/sesion02/S02- HTML y JS.pptx
@@ -5,7 +5,7 @@
     <p:sldMasterId id="2147483648" r:id="rId1"/>
   </p:sldMasterIdLst>
   <p:notesMasterIdLst>
-    <p:notesMasterId r:id="rId50"/>
+    <p:notesMasterId r:id="rId31"/>
   </p:notesMasterIdLst>
   <p:sldIdLst>
     <p:sldId id="256" r:id="rId2"/>
@@ -36,26 +36,7 @@
     <p:sldId id="324" r:id="rId27"/>
     <p:sldId id="325" r:id="rId28"/>
     <p:sldId id="326" r:id="rId29"/>
-    <p:sldId id="347" r:id="rId30"/>
-    <p:sldId id="328" r:id="rId31"/>
-    <p:sldId id="329" r:id="rId32"/>
-    <p:sldId id="330" r:id="rId33"/>
-    <p:sldId id="331" r:id="rId34"/>
-    <p:sldId id="332" r:id="rId35"/>
-    <p:sldId id="333" r:id="rId36"/>
-    <p:sldId id="334" r:id="rId37"/>
-    <p:sldId id="335" r:id="rId38"/>
-    <p:sldId id="336" r:id="rId39"/>
-    <p:sldId id="337" r:id="rId40"/>
-    <p:sldId id="338" r:id="rId41"/>
-    <p:sldId id="339" r:id="rId42"/>
-    <p:sldId id="340" r:id="rId43"/>
-    <p:sldId id="341" r:id="rId44"/>
-    <p:sldId id="342" r:id="rId45"/>
-    <p:sldId id="343" r:id="rId46"/>
-    <p:sldId id="344" r:id="rId47"/>
-    <p:sldId id="345" r:id="rId48"/>
-    <p:sldId id="259" r:id="rId49"/>
+    <p:sldId id="259" r:id="rId30"/>
   </p:sldIdLst>
   <p:sldSz cx="24384000" cy="13716000"/>
   <p:notesSz cx="6858000" cy="9144000"/>
@@ -1310,641 +1291,6 @@
 </p:notes>
 </file>
 
-<file path=ppt/notesSlides/notesSlide15.xml><?xml version="1.0" encoding="utf-8"?>
-<p:notes xmlns:a="http://schemas.openxmlformats.org/drawingml/2006/main" xmlns:r="http://schemas.openxmlformats.org/officeDocument/2006/relationships" xmlns:p="http://schemas.openxmlformats.org/presentationml/2006/main" showMasterSp="0" showMasterPhAnim="0">
-  <p:cSld>
-    <p:spTree>
-      <p:nvGrpSpPr>
-        <p:cNvPr id="1" name="Shape 75"/>
-        <p:cNvGrpSpPr/>
-        <p:nvPr/>
-      </p:nvGrpSpPr>
-      <p:grpSpPr>
-        <a:xfrm>
-          <a:off x="0" y="0"/>
-          <a:ext cx="0" cy="0"/>
-          <a:chOff x="0" y="0"/>
-          <a:chExt cx="0" cy="0"/>
-        </a:xfrm>
-      </p:grpSpPr>
-      <p:sp>
-        <p:nvSpPr>
-          <p:cNvPr id="76" name="Google Shape;76;g1372d453eb4_1_1:notes"/>
-          <p:cNvSpPr txBox="1">
-            <a:spLocks noGrp="1"/>
-          </p:cNvSpPr>
-          <p:nvPr>
-            <p:ph type="body" idx="1"/>
-          </p:nvPr>
-        </p:nvSpPr>
-        <p:spPr>
-          <a:xfrm>
-            <a:off x="685800" y="4343400"/>
-            <a:ext cx="5486400" cy="4114800"/>
-          </a:xfrm>
-          <a:prstGeom prst="rect">
-            <a:avLst/>
-          </a:prstGeom>
-          <a:noFill/>
-          <a:ln>
-            <a:noFill/>
-          </a:ln>
-        </p:spPr>
-        <p:txBody>
-          <a:bodyPr spcFirstLastPara="1" wrap="square" lIns="91425" tIns="91425" rIns="91425" bIns="91425" anchor="t" anchorCtr="0">
-            <a:noAutofit/>
-          </a:bodyPr>
-          <a:lstStyle/>
-          <a:p>
-            <a:pPr marL="0" lvl="0" indent="0" algn="l" rtl="0">
-              <a:lnSpc>
-                <a:spcPct val="100000"/>
-              </a:lnSpc>
-              <a:spcBef>
-                <a:spcPts val="0"/>
-              </a:spcBef>
-              <a:spcAft>
-                <a:spcPts val="0"/>
-              </a:spcAft>
-              <a:buSzPts val="1100"/>
-              <a:buNone/>
-            </a:pPr>
-            <a:endParaRPr/>
-          </a:p>
-        </p:txBody>
-      </p:sp>
-      <p:sp>
-        <p:nvSpPr>
-          <p:cNvPr id="77" name="Google Shape;77;g1372d453eb4_1_1:notes"/>
-          <p:cNvSpPr>
-            <a:spLocks noGrp="1" noRot="1" noChangeAspect="1"/>
-          </p:cNvSpPr>
-          <p:nvPr>
-            <p:ph type="sldImg" idx="2"/>
-          </p:nvPr>
-        </p:nvSpPr>
-        <p:spPr>
-          <a:xfrm>
-            <a:off x="381000" y="685800"/>
-            <a:ext cx="6096000" cy="3429000"/>
-          </a:xfrm>
-          <a:custGeom>
-            <a:avLst/>
-            <a:gdLst/>
-            <a:ahLst/>
-            <a:cxnLst/>
-            <a:rect l="l" t="t" r="r" b="b"/>
-            <a:pathLst>
-              <a:path w="120000" h="120000" extrusionOk="0">
-                <a:moveTo>
-                  <a:pt x="0" y="0"/>
-                </a:moveTo>
-                <a:lnTo>
-                  <a:pt x="120000" y="0"/>
-                </a:lnTo>
-                <a:lnTo>
-                  <a:pt x="120000" y="120000"/>
-                </a:lnTo>
-                <a:lnTo>
-                  <a:pt x="0" y="120000"/>
-                </a:lnTo>
-                <a:close/>
-              </a:path>
-            </a:pathLst>
-          </a:custGeom>
-          <a:noFill/>
-          <a:ln w="9525" cap="flat" cmpd="sng">
-            <a:solidFill>
-              <a:srgbClr val="000000"/>
-            </a:solidFill>
-            <a:prstDash val="solid"/>
-            <a:round/>
-            <a:headEnd type="none" w="sm" len="sm"/>
-            <a:tailEnd type="none" w="sm" len="sm"/>
-          </a:ln>
-        </p:spPr>
-      </p:sp>
-    </p:spTree>
-    <p:extLst>
-      <p:ext uri="{BB962C8B-B14F-4D97-AF65-F5344CB8AC3E}">
-        <p14:creationId xmlns:p14="http://schemas.microsoft.com/office/powerpoint/2010/main" val="1246437058"/>
-      </p:ext>
-    </p:extLst>
-  </p:cSld>
-  <p:clrMapOvr>
-    <a:masterClrMapping/>
-  </p:clrMapOvr>
-</p:notes>
-</file>
-
-<file path=ppt/notesSlides/notesSlide16.xml><?xml version="1.0" encoding="utf-8"?>
-<p:notes xmlns:a="http://schemas.openxmlformats.org/drawingml/2006/main" xmlns:r="http://schemas.openxmlformats.org/officeDocument/2006/relationships" xmlns:p="http://schemas.openxmlformats.org/presentationml/2006/main" showMasterSp="0" showMasterPhAnim="0">
-  <p:cSld>
-    <p:spTree>
-      <p:nvGrpSpPr>
-        <p:cNvPr id="1" name="Shape 85"/>
-        <p:cNvGrpSpPr/>
-        <p:nvPr/>
-      </p:nvGrpSpPr>
-      <p:grpSpPr>
-        <a:xfrm>
-          <a:off x="0" y="0"/>
-          <a:ext cx="0" cy="0"/>
-          <a:chOff x="0" y="0"/>
-          <a:chExt cx="0" cy="0"/>
-        </a:xfrm>
-      </p:grpSpPr>
-      <p:sp>
-        <p:nvSpPr>
-          <p:cNvPr id="86" name="Google Shape;86;p3:notes"/>
-          <p:cNvSpPr txBox="1">
-            <a:spLocks noGrp="1"/>
-          </p:cNvSpPr>
-          <p:nvPr>
-            <p:ph type="body" idx="1"/>
-          </p:nvPr>
-        </p:nvSpPr>
-        <p:spPr>
-          <a:xfrm>
-            <a:off x="685800" y="4343400"/>
-            <a:ext cx="5486400" cy="4114800"/>
-          </a:xfrm>
-          <a:prstGeom prst="rect">
-            <a:avLst/>
-          </a:prstGeom>
-          <a:noFill/>
-          <a:ln>
-            <a:noFill/>
-          </a:ln>
-        </p:spPr>
-        <p:txBody>
-          <a:bodyPr spcFirstLastPara="1" wrap="square" lIns="91425" tIns="91425" rIns="91425" bIns="91425" anchor="t" anchorCtr="0">
-            <a:noAutofit/>
-          </a:bodyPr>
-          <a:lstStyle/>
-          <a:p>
-            <a:pPr marL="0" lvl="0" indent="0" algn="l" rtl="0">
-              <a:lnSpc>
-                <a:spcPct val="100000"/>
-              </a:lnSpc>
-              <a:spcBef>
-                <a:spcPts val="0"/>
-              </a:spcBef>
-              <a:spcAft>
-                <a:spcPts val="0"/>
-              </a:spcAft>
-              <a:buSzPts val="1100"/>
-              <a:buNone/>
-            </a:pPr>
-            <a:endParaRPr/>
-          </a:p>
-        </p:txBody>
-      </p:sp>
-      <p:sp>
-        <p:nvSpPr>
-          <p:cNvPr id="87" name="Google Shape;87;p3:notes"/>
-          <p:cNvSpPr>
-            <a:spLocks noGrp="1" noRot="1" noChangeAspect="1"/>
-          </p:cNvSpPr>
-          <p:nvPr>
-            <p:ph type="sldImg" idx="2"/>
-          </p:nvPr>
-        </p:nvSpPr>
-        <p:spPr>
-          <a:xfrm>
-            <a:off x="381000" y="685800"/>
-            <a:ext cx="6096000" cy="3429000"/>
-          </a:xfrm>
-          <a:custGeom>
-            <a:avLst/>
-            <a:gdLst/>
-            <a:ahLst/>
-            <a:cxnLst/>
-            <a:rect l="l" t="t" r="r" b="b"/>
-            <a:pathLst>
-              <a:path w="120000" h="120000" extrusionOk="0">
-                <a:moveTo>
-                  <a:pt x="0" y="0"/>
-                </a:moveTo>
-                <a:lnTo>
-                  <a:pt x="120000" y="0"/>
-                </a:lnTo>
-                <a:lnTo>
-                  <a:pt x="120000" y="120000"/>
-                </a:lnTo>
-                <a:lnTo>
-                  <a:pt x="0" y="120000"/>
-                </a:lnTo>
-                <a:close/>
-              </a:path>
-            </a:pathLst>
-          </a:custGeom>
-          <a:noFill/>
-          <a:ln w="9525" cap="flat" cmpd="sng">
-            <a:solidFill>
-              <a:srgbClr val="000000"/>
-            </a:solidFill>
-            <a:prstDash val="solid"/>
-            <a:round/>
-            <a:headEnd type="none" w="sm" len="sm"/>
-            <a:tailEnd type="none" w="sm" len="sm"/>
-          </a:ln>
-        </p:spPr>
-      </p:sp>
-    </p:spTree>
-    <p:extLst>
-      <p:ext uri="{BB962C8B-B14F-4D97-AF65-F5344CB8AC3E}">
-        <p14:creationId xmlns:p14="http://schemas.microsoft.com/office/powerpoint/2010/main" val="4133408856"/>
-      </p:ext>
-    </p:extLst>
-  </p:cSld>
-  <p:clrMapOvr>
-    <a:masterClrMapping/>
-  </p:clrMapOvr>
-</p:notes>
-</file>
-
-<file path=ppt/notesSlides/notesSlide17.xml><?xml version="1.0" encoding="utf-8"?>
-<p:notes xmlns:a="http://schemas.openxmlformats.org/drawingml/2006/main" xmlns:r="http://schemas.openxmlformats.org/officeDocument/2006/relationships" xmlns:p="http://schemas.openxmlformats.org/presentationml/2006/main" showMasterSp="0" showMasterPhAnim="0">
-  <p:cSld>
-    <p:spTree>
-      <p:nvGrpSpPr>
-        <p:cNvPr id="1" name="Shape 85"/>
-        <p:cNvGrpSpPr/>
-        <p:nvPr/>
-      </p:nvGrpSpPr>
-      <p:grpSpPr>
-        <a:xfrm>
-          <a:off x="0" y="0"/>
-          <a:ext cx="0" cy="0"/>
-          <a:chOff x="0" y="0"/>
-          <a:chExt cx="0" cy="0"/>
-        </a:xfrm>
-      </p:grpSpPr>
-      <p:sp>
-        <p:nvSpPr>
-          <p:cNvPr id="86" name="Google Shape;86;p3:notes"/>
-          <p:cNvSpPr txBox="1">
-            <a:spLocks noGrp="1"/>
-          </p:cNvSpPr>
-          <p:nvPr>
-            <p:ph type="body" idx="1"/>
-          </p:nvPr>
-        </p:nvSpPr>
-        <p:spPr>
-          <a:xfrm>
-            <a:off x="685800" y="4343400"/>
-            <a:ext cx="5486400" cy="4114800"/>
-          </a:xfrm>
-          <a:prstGeom prst="rect">
-            <a:avLst/>
-          </a:prstGeom>
-          <a:noFill/>
-          <a:ln>
-            <a:noFill/>
-          </a:ln>
-        </p:spPr>
-        <p:txBody>
-          <a:bodyPr spcFirstLastPara="1" wrap="square" lIns="91425" tIns="91425" rIns="91425" bIns="91425" anchor="t" anchorCtr="0">
-            <a:noAutofit/>
-          </a:bodyPr>
-          <a:lstStyle/>
-          <a:p>
-            <a:pPr marL="0" lvl="0" indent="0" algn="l" rtl="0">
-              <a:lnSpc>
-                <a:spcPct val="100000"/>
-              </a:lnSpc>
-              <a:spcBef>
-                <a:spcPts val="0"/>
-              </a:spcBef>
-              <a:spcAft>
-                <a:spcPts val="0"/>
-              </a:spcAft>
-              <a:buSzPts val="1100"/>
-              <a:buNone/>
-            </a:pPr>
-            <a:endParaRPr/>
-          </a:p>
-        </p:txBody>
-      </p:sp>
-      <p:sp>
-        <p:nvSpPr>
-          <p:cNvPr id="87" name="Google Shape;87;p3:notes"/>
-          <p:cNvSpPr>
-            <a:spLocks noGrp="1" noRot="1" noChangeAspect="1"/>
-          </p:cNvSpPr>
-          <p:nvPr>
-            <p:ph type="sldImg" idx="2"/>
-          </p:nvPr>
-        </p:nvSpPr>
-        <p:spPr>
-          <a:xfrm>
-            <a:off x="381000" y="685800"/>
-            <a:ext cx="6096000" cy="3429000"/>
-          </a:xfrm>
-          <a:custGeom>
-            <a:avLst/>
-            <a:gdLst/>
-            <a:ahLst/>
-            <a:cxnLst/>
-            <a:rect l="l" t="t" r="r" b="b"/>
-            <a:pathLst>
-              <a:path w="120000" h="120000" extrusionOk="0">
-                <a:moveTo>
-                  <a:pt x="0" y="0"/>
-                </a:moveTo>
-                <a:lnTo>
-                  <a:pt x="120000" y="0"/>
-                </a:lnTo>
-                <a:lnTo>
-                  <a:pt x="120000" y="120000"/>
-                </a:lnTo>
-                <a:lnTo>
-                  <a:pt x="0" y="120000"/>
-                </a:lnTo>
-                <a:close/>
-              </a:path>
-            </a:pathLst>
-          </a:custGeom>
-          <a:noFill/>
-          <a:ln w="9525" cap="flat" cmpd="sng">
-            <a:solidFill>
-              <a:srgbClr val="000000"/>
-            </a:solidFill>
-            <a:prstDash val="solid"/>
-            <a:round/>
-            <a:headEnd type="none" w="sm" len="sm"/>
-            <a:tailEnd type="none" w="sm" len="sm"/>
-          </a:ln>
-        </p:spPr>
-      </p:sp>
-    </p:spTree>
-    <p:extLst>
-      <p:ext uri="{BB962C8B-B14F-4D97-AF65-F5344CB8AC3E}">
-        <p14:creationId xmlns:p14="http://schemas.microsoft.com/office/powerpoint/2010/main" val="481726430"/>
-      </p:ext>
-    </p:extLst>
-  </p:cSld>
-  <p:clrMapOvr>
-    <a:masterClrMapping/>
-  </p:clrMapOvr>
-</p:notes>
-</file>
-
-<file path=ppt/notesSlides/notesSlide18.xml><?xml version="1.0" encoding="utf-8"?>
-<p:notes xmlns:a="http://schemas.openxmlformats.org/drawingml/2006/main" xmlns:r="http://schemas.openxmlformats.org/officeDocument/2006/relationships" xmlns:p="http://schemas.openxmlformats.org/presentationml/2006/main" showMasterSp="0" showMasterPhAnim="0">
-  <p:cSld>
-    <p:spTree>
-      <p:nvGrpSpPr>
-        <p:cNvPr id="1" name="Shape 85"/>
-        <p:cNvGrpSpPr/>
-        <p:nvPr/>
-      </p:nvGrpSpPr>
-      <p:grpSpPr>
-        <a:xfrm>
-          <a:off x="0" y="0"/>
-          <a:ext cx="0" cy="0"/>
-          <a:chOff x="0" y="0"/>
-          <a:chExt cx="0" cy="0"/>
-        </a:xfrm>
-      </p:grpSpPr>
-      <p:sp>
-        <p:nvSpPr>
-          <p:cNvPr id="86" name="Google Shape;86;p3:notes"/>
-          <p:cNvSpPr txBox="1">
-            <a:spLocks noGrp="1"/>
-          </p:cNvSpPr>
-          <p:nvPr>
-            <p:ph type="body" idx="1"/>
-          </p:nvPr>
-        </p:nvSpPr>
-        <p:spPr>
-          <a:xfrm>
-            <a:off x="685800" y="4343400"/>
-            <a:ext cx="5486400" cy="4114800"/>
-          </a:xfrm>
-          <a:prstGeom prst="rect">
-            <a:avLst/>
-          </a:prstGeom>
-          <a:noFill/>
-          <a:ln>
-            <a:noFill/>
-          </a:ln>
-        </p:spPr>
-        <p:txBody>
-          <a:bodyPr spcFirstLastPara="1" wrap="square" lIns="91425" tIns="91425" rIns="91425" bIns="91425" anchor="t" anchorCtr="0">
-            <a:noAutofit/>
-          </a:bodyPr>
-          <a:lstStyle/>
-          <a:p>
-            <a:pPr marL="0" lvl="0" indent="0" algn="l" rtl="0">
-              <a:lnSpc>
-                <a:spcPct val="100000"/>
-              </a:lnSpc>
-              <a:spcBef>
-                <a:spcPts val="0"/>
-              </a:spcBef>
-              <a:spcAft>
-                <a:spcPts val="0"/>
-              </a:spcAft>
-              <a:buSzPts val="1100"/>
-              <a:buNone/>
-            </a:pPr>
-            <a:endParaRPr/>
-          </a:p>
-        </p:txBody>
-      </p:sp>
-      <p:sp>
-        <p:nvSpPr>
-          <p:cNvPr id="87" name="Google Shape;87;p3:notes"/>
-          <p:cNvSpPr>
-            <a:spLocks noGrp="1" noRot="1" noChangeAspect="1"/>
-          </p:cNvSpPr>
-          <p:nvPr>
-            <p:ph type="sldImg" idx="2"/>
-          </p:nvPr>
-        </p:nvSpPr>
-        <p:spPr>
-          <a:xfrm>
-            <a:off x="381000" y="685800"/>
-            <a:ext cx="6096000" cy="3429000"/>
-          </a:xfrm>
-          <a:custGeom>
-            <a:avLst/>
-            <a:gdLst/>
-            <a:ahLst/>
-            <a:cxnLst/>
-            <a:rect l="l" t="t" r="r" b="b"/>
-            <a:pathLst>
-              <a:path w="120000" h="120000" extrusionOk="0">
-                <a:moveTo>
-                  <a:pt x="0" y="0"/>
-                </a:moveTo>
-                <a:lnTo>
-                  <a:pt x="120000" y="0"/>
-                </a:lnTo>
-                <a:lnTo>
-                  <a:pt x="120000" y="120000"/>
-                </a:lnTo>
-                <a:lnTo>
-                  <a:pt x="0" y="120000"/>
-                </a:lnTo>
-                <a:close/>
-              </a:path>
-            </a:pathLst>
-          </a:custGeom>
-          <a:noFill/>
-          <a:ln w="9525" cap="flat" cmpd="sng">
-            <a:solidFill>
-              <a:srgbClr val="000000"/>
-            </a:solidFill>
-            <a:prstDash val="solid"/>
-            <a:round/>
-            <a:headEnd type="none" w="sm" len="sm"/>
-            <a:tailEnd type="none" w="sm" len="sm"/>
-          </a:ln>
-        </p:spPr>
-      </p:sp>
-    </p:spTree>
-    <p:extLst>
-      <p:ext uri="{BB962C8B-B14F-4D97-AF65-F5344CB8AC3E}">
-        <p14:creationId xmlns:p14="http://schemas.microsoft.com/office/powerpoint/2010/main" val="15199619"/>
-      </p:ext>
-    </p:extLst>
-  </p:cSld>
-  <p:clrMapOvr>
-    <a:masterClrMapping/>
-  </p:clrMapOvr>
-</p:notes>
-</file>
-
-<file path=ppt/notesSlides/notesSlide19.xml><?xml version="1.0" encoding="utf-8"?>
-<p:notes xmlns:a="http://schemas.openxmlformats.org/drawingml/2006/main" xmlns:r="http://schemas.openxmlformats.org/officeDocument/2006/relationships" xmlns:p="http://schemas.openxmlformats.org/presentationml/2006/main" showMasterSp="0" showMasterPhAnim="0">
-  <p:cSld>
-    <p:spTree>
-      <p:nvGrpSpPr>
-        <p:cNvPr id="1" name="Shape 85"/>
-        <p:cNvGrpSpPr/>
-        <p:nvPr/>
-      </p:nvGrpSpPr>
-      <p:grpSpPr>
-        <a:xfrm>
-          <a:off x="0" y="0"/>
-          <a:ext cx="0" cy="0"/>
-          <a:chOff x="0" y="0"/>
-          <a:chExt cx="0" cy="0"/>
-        </a:xfrm>
-      </p:grpSpPr>
-      <p:sp>
-        <p:nvSpPr>
-          <p:cNvPr id="86" name="Google Shape;86;p3:notes"/>
-          <p:cNvSpPr txBox="1">
-            <a:spLocks noGrp="1"/>
-          </p:cNvSpPr>
-          <p:nvPr>
-            <p:ph type="body" idx="1"/>
-          </p:nvPr>
-        </p:nvSpPr>
-        <p:spPr>
-          <a:xfrm>
-            <a:off x="685800" y="4343400"/>
-            <a:ext cx="5486400" cy="4114800"/>
-          </a:xfrm>
-          <a:prstGeom prst="rect">
-            <a:avLst/>
-          </a:prstGeom>
-          <a:noFill/>
-          <a:ln>
-            <a:noFill/>
-          </a:ln>
-        </p:spPr>
-        <p:txBody>
-          <a:bodyPr spcFirstLastPara="1" wrap="square" lIns="91425" tIns="91425" rIns="91425" bIns="91425" anchor="t" anchorCtr="0">
-            <a:noAutofit/>
-          </a:bodyPr>
-          <a:lstStyle/>
-          <a:p>
-            <a:pPr marL="0" lvl="0" indent="0" algn="l" rtl="0">
-              <a:lnSpc>
-                <a:spcPct val="100000"/>
-              </a:lnSpc>
-              <a:spcBef>
-                <a:spcPts val="0"/>
-              </a:spcBef>
-              <a:spcAft>
-                <a:spcPts val="0"/>
-              </a:spcAft>
-              <a:buSzPts val="1100"/>
-              <a:buNone/>
-            </a:pPr>
-            <a:endParaRPr/>
-          </a:p>
-        </p:txBody>
-      </p:sp>
-      <p:sp>
-        <p:nvSpPr>
-          <p:cNvPr id="87" name="Google Shape;87;p3:notes"/>
-          <p:cNvSpPr>
-            <a:spLocks noGrp="1" noRot="1" noChangeAspect="1"/>
-          </p:cNvSpPr>
-          <p:nvPr>
-            <p:ph type="sldImg" idx="2"/>
-          </p:nvPr>
-        </p:nvSpPr>
-        <p:spPr>
-          <a:xfrm>
-            <a:off x="381000" y="685800"/>
-            <a:ext cx="6096000" cy="3429000"/>
-          </a:xfrm>
-          <a:custGeom>
-            <a:avLst/>
-            <a:gdLst/>
-            <a:ahLst/>
-            <a:cxnLst/>
-            <a:rect l="l" t="t" r="r" b="b"/>
-            <a:pathLst>
-              <a:path w="120000" h="120000" extrusionOk="0">
-                <a:moveTo>
-                  <a:pt x="0" y="0"/>
-                </a:moveTo>
-                <a:lnTo>
-                  <a:pt x="120000" y="0"/>
-                </a:lnTo>
-                <a:lnTo>
-                  <a:pt x="120000" y="120000"/>
-                </a:lnTo>
-                <a:lnTo>
-                  <a:pt x="0" y="120000"/>
-                </a:lnTo>
-                <a:close/>
-              </a:path>
-            </a:pathLst>
-          </a:custGeom>
-          <a:noFill/>
-          <a:ln w="9525" cap="flat" cmpd="sng">
-            <a:solidFill>
-              <a:srgbClr val="000000"/>
-            </a:solidFill>
-            <a:prstDash val="solid"/>
-            <a:round/>
-            <a:headEnd type="none" w="sm" len="sm"/>
-            <a:tailEnd type="none" w="sm" len="sm"/>
-          </a:ln>
-        </p:spPr>
-      </p:sp>
-    </p:spTree>
-    <p:extLst>
-      <p:ext uri="{BB962C8B-B14F-4D97-AF65-F5344CB8AC3E}">
-        <p14:creationId xmlns:p14="http://schemas.microsoft.com/office/powerpoint/2010/main" val="2268583538"/>
-      </p:ext>
-    </p:extLst>
-  </p:cSld>
-  <p:clrMapOvr>
-    <a:masterClrMapping/>
-  </p:clrMapOvr>
-</p:notes>
-</file>
-
 <file path=ppt/notesSlides/notesSlide2.xml><?xml version="1.0" encoding="utf-8"?>
 <p:notes xmlns:a="http://schemas.openxmlformats.org/drawingml/2006/main" xmlns:r="http://schemas.openxmlformats.org/officeDocument/2006/relationships" xmlns:p="http://schemas.openxmlformats.org/presentationml/2006/main" showMasterSp="0" showMasterPhAnim="0">
   <p:cSld>
@@ -2072,1276 +1418,6 @@
 </p:notes>
 </file>
 
-<file path=ppt/notesSlides/notesSlide20.xml><?xml version="1.0" encoding="utf-8"?>
-<p:notes xmlns:a="http://schemas.openxmlformats.org/drawingml/2006/main" xmlns:r="http://schemas.openxmlformats.org/officeDocument/2006/relationships" xmlns:p="http://schemas.openxmlformats.org/presentationml/2006/main" showMasterSp="0" showMasterPhAnim="0">
-  <p:cSld>
-    <p:spTree>
-      <p:nvGrpSpPr>
-        <p:cNvPr id="1" name="Shape 85"/>
-        <p:cNvGrpSpPr/>
-        <p:nvPr/>
-      </p:nvGrpSpPr>
-      <p:grpSpPr>
-        <a:xfrm>
-          <a:off x="0" y="0"/>
-          <a:ext cx="0" cy="0"/>
-          <a:chOff x="0" y="0"/>
-          <a:chExt cx="0" cy="0"/>
-        </a:xfrm>
-      </p:grpSpPr>
-      <p:sp>
-        <p:nvSpPr>
-          <p:cNvPr id="86" name="Google Shape;86;p3:notes"/>
-          <p:cNvSpPr txBox="1">
-            <a:spLocks noGrp="1"/>
-          </p:cNvSpPr>
-          <p:nvPr>
-            <p:ph type="body" idx="1"/>
-          </p:nvPr>
-        </p:nvSpPr>
-        <p:spPr>
-          <a:xfrm>
-            <a:off x="685800" y="4343400"/>
-            <a:ext cx="5486400" cy="4114800"/>
-          </a:xfrm>
-          <a:prstGeom prst="rect">
-            <a:avLst/>
-          </a:prstGeom>
-          <a:noFill/>
-          <a:ln>
-            <a:noFill/>
-          </a:ln>
-        </p:spPr>
-        <p:txBody>
-          <a:bodyPr spcFirstLastPara="1" wrap="square" lIns="91425" tIns="91425" rIns="91425" bIns="91425" anchor="t" anchorCtr="0">
-            <a:noAutofit/>
-          </a:bodyPr>
-          <a:lstStyle/>
-          <a:p>
-            <a:pPr marL="0" lvl="0" indent="0" algn="l" rtl="0">
-              <a:lnSpc>
-                <a:spcPct val="100000"/>
-              </a:lnSpc>
-              <a:spcBef>
-                <a:spcPts val="0"/>
-              </a:spcBef>
-              <a:spcAft>
-                <a:spcPts val="0"/>
-              </a:spcAft>
-              <a:buSzPts val="1100"/>
-              <a:buNone/>
-            </a:pPr>
-            <a:endParaRPr/>
-          </a:p>
-        </p:txBody>
-      </p:sp>
-      <p:sp>
-        <p:nvSpPr>
-          <p:cNvPr id="87" name="Google Shape;87;p3:notes"/>
-          <p:cNvSpPr>
-            <a:spLocks noGrp="1" noRot="1" noChangeAspect="1"/>
-          </p:cNvSpPr>
-          <p:nvPr>
-            <p:ph type="sldImg" idx="2"/>
-          </p:nvPr>
-        </p:nvSpPr>
-        <p:spPr>
-          <a:xfrm>
-            <a:off x="381000" y="685800"/>
-            <a:ext cx="6096000" cy="3429000"/>
-          </a:xfrm>
-          <a:custGeom>
-            <a:avLst/>
-            <a:gdLst/>
-            <a:ahLst/>
-            <a:cxnLst/>
-            <a:rect l="l" t="t" r="r" b="b"/>
-            <a:pathLst>
-              <a:path w="120000" h="120000" extrusionOk="0">
-                <a:moveTo>
-                  <a:pt x="0" y="0"/>
-                </a:moveTo>
-                <a:lnTo>
-                  <a:pt x="120000" y="0"/>
-                </a:lnTo>
-                <a:lnTo>
-                  <a:pt x="120000" y="120000"/>
-                </a:lnTo>
-                <a:lnTo>
-                  <a:pt x="0" y="120000"/>
-                </a:lnTo>
-                <a:close/>
-              </a:path>
-            </a:pathLst>
-          </a:custGeom>
-          <a:noFill/>
-          <a:ln w="9525" cap="flat" cmpd="sng">
-            <a:solidFill>
-              <a:srgbClr val="000000"/>
-            </a:solidFill>
-            <a:prstDash val="solid"/>
-            <a:round/>
-            <a:headEnd type="none" w="sm" len="sm"/>
-            <a:tailEnd type="none" w="sm" len="sm"/>
-          </a:ln>
-        </p:spPr>
-      </p:sp>
-    </p:spTree>
-    <p:extLst>
-      <p:ext uri="{BB962C8B-B14F-4D97-AF65-F5344CB8AC3E}">
-        <p14:creationId xmlns:p14="http://schemas.microsoft.com/office/powerpoint/2010/main" val="367747972"/>
-      </p:ext>
-    </p:extLst>
-  </p:cSld>
-  <p:clrMapOvr>
-    <a:masterClrMapping/>
-  </p:clrMapOvr>
-</p:notes>
-</file>
-
-<file path=ppt/notesSlides/notesSlide21.xml><?xml version="1.0" encoding="utf-8"?>
-<p:notes xmlns:a="http://schemas.openxmlformats.org/drawingml/2006/main" xmlns:r="http://schemas.openxmlformats.org/officeDocument/2006/relationships" xmlns:p="http://schemas.openxmlformats.org/presentationml/2006/main" showMasterSp="0" showMasterPhAnim="0">
-  <p:cSld>
-    <p:spTree>
-      <p:nvGrpSpPr>
-        <p:cNvPr id="1" name="Shape 85"/>
-        <p:cNvGrpSpPr/>
-        <p:nvPr/>
-      </p:nvGrpSpPr>
-      <p:grpSpPr>
-        <a:xfrm>
-          <a:off x="0" y="0"/>
-          <a:ext cx="0" cy="0"/>
-          <a:chOff x="0" y="0"/>
-          <a:chExt cx="0" cy="0"/>
-        </a:xfrm>
-      </p:grpSpPr>
-      <p:sp>
-        <p:nvSpPr>
-          <p:cNvPr id="86" name="Google Shape;86;p3:notes"/>
-          <p:cNvSpPr txBox="1">
-            <a:spLocks noGrp="1"/>
-          </p:cNvSpPr>
-          <p:nvPr>
-            <p:ph type="body" idx="1"/>
-          </p:nvPr>
-        </p:nvSpPr>
-        <p:spPr>
-          <a:xfrm>
-            <a:off x="685800" y="4343400"/>
-            <a:ext cx="5486400" cy="4114800"/>
-          </a:xfrm>
-          <a:prstGeom prst="rect">
-            <a:avLst/>
-          </a:prstGeom>
-          <a:noFill/>
-          <a:ln>
-            <a:noFill/>
-          </a:ln>
-        </p:spPr>
-        <p:txBody>
-          <a:bodyPr spcFirstLastPara="1" wrap="square" lIns="91425" tIns="91425" rIns="91425" bIns="91425" anchor="t" anchorCtr="0">
-            <a:noAutofit/>
-          </a:bodyPr>
-          <a:lstStyle/>
-          <a:p>
-            <a:pPr marL="0" lvl="0" indent="0" algn="l" rtl="0">
-              <a:lnSpc>
-                <a:spcPct val="100000"/>
-              </a:lnSpc>
-              <a:spcBef>
-                <a:spcPts val="0"/>
-              </a:spcBef>
-              <a:spcAft>
-                <a:spcPts val="0"/>
-              </a:spcAft>
-              <a:buSzPts val="1100"/>
-              <a:buNone/>
-            </a:pPr>
-            <a:endParaRPr/>
-          </a:p>
-        </p:txBody>
-      </p:sp>
-      <p:sp>
-        <p:nvSpPr>
-          <p:cNvPr id="87" name="Google Shape;87;p3:notes"/>
-          <p:cNvSpPr>
-            <a:spLocks noGrp="1" noRot="1" noChangeAspect="1"/>
-          </p:cNvSpPr>
-          <p:nvPr>
-            <p:ph type="sldImg" idx="2"/>
-          </p:nvPr>
-        </p:nvSpPr>
-        <p:spPr>
-          <a:xfrm>
-            <a:off x="381000" y="685800"/>
-            <a:ext cx="6096000" cy="3429000"/>
-          </a:xfrm>
-          <a:custGeom>
-            <a:avLst/>
-            <a:gdLst/>
-            <a:ahLst/>
-            <a:cxnLst/>
-            <a:rect l="l" t="t" r="r" b="b"/>
-            <a:pathLst>
-              <a:path w="120000" h="120000" extrusionOk="0">
-                <a:moveTo>
-                  <a:pt x="0" y="0"/>
-                </a:moveTo>
-                <a:lnTo>
-                  <a:pt x="120000" y="0"/>
-                </a:lnTo>
-                <a:lnTo>
-                  <a:pt x="120000" y="120000"/>
-                </a:lnTo>
-                <a:lnTo>
-                  <a:pt x="0" y="120000"/>
-                </a:lnTo>
-                <a:close/>
-              </a:path>
-            </a:pathLst>
-          </a:custGeom>
-          <a:noFill/>
-          <a:ln w="9525" cap="flat" cmpd="sng">
-            <a:solidFill>
-              <a:srgbClr val="000000"/>
-            </a:solidFill>
-            <a:prstDash val="solid"/>
-            <a:round/>
-            <a:headEnd type="none" w="sm" len="sm"/>
-            <a:tailEnd type="none" w="sm" len="sm"/>
-          </a:ln>
-        </p:spPr>
-      </p:sp>
-    </p:spTree>
-    <p:extLst>
-      <p:ext uri="{BB962C8B-B14F-4D97-AF65-F5344CB8AC3E}">
-        <p14:creationId xmlns:p14="http://schemas.microsoft.com/office/powerpoint/2010/main" val="3070699243"/>
-      </p:ext>
-    </p:extLst>
-  </p:cSld>
-  <p:clrMapOvr>
-    <a:masterClrMapping/>
-  </p:clrMapOvr>
-</p:notes>
-</file>
-
-<file path=ppt/notesSlides/notesSlide22.xml><?xml version="1.0" encoding="utf-8"?>
-<p:notes xmlns:a="http://schemas.openxmlformats.org/drawingml/2006/main" xmlns:r="http://schemas.openxmlformats.org/officeDocument/2006/relationships" xmlns:p="http://schemas.openxmlformats.org/presentationml/2006/main" showMasterSp="0" showMasterPhAnim="0">
-  <p:cSld>
-    <p:spTree>
-      <p:nvGrpSpPr>
-        <p:cNvPr id="1" name="Shape 85"/>
-        <p:cNvGrpSpPr/>
-        <p:nvPr/>
-      </p:nvGrpSpPr>
-      <p:grpSpPr>
-        <a:xfrm>
-          <a:off x="0" y="0"/>
-          <a:ext cx="0" cy="0"/>
-          <a:chOff x="0" y="0"/>
-          <a:chExt cx="0" cy="0"/>
-        </a:xfrm>
-      </p:grpSpPr>
-      <p:sp>
-        <p:nvSpPr>
-          <p:cNvPr id="86" name="Google Shape;86;p3:notes"/>
-          <p:cNvSpPr txBox="1">
-            <a:spLocks noGrp="1"/>
-          </p:cNvSpPr>
-          <p:nvPr>
-            <p:ph type="body" idx="1"/>
-          </p:nvPr>
-        </p:nvSpPr>
-        <p:spPr>
-          <a:xfrm>
-            <a:off x="685800" y="4343400"/>
-            <a:ext cx="5486400" cy="4114800"/>
-          </a:xfrm>
-          <a:prstGeom prst="rect">
-            <a:avLst/>
-          </a:prstGeom>
-          <a:noFill/>
-          <a:ln>
-            <a:noFill/>
-          </a:ln>
-        </p:spPr>
-        <p:txBody>
-          <a:bodyPr spcFirstLastPara="1" wrap="square" lIns="91425" tIns="91425" rIns="91425" bIns="91425" anchor="t" anchorCtr="0">
-            <a:noAutofit/>
-          </a:bodyPr>
-          <a:lstStyle/>
-          <a:p>
-            <a:pPr marL="0" lvl="0" indent="0" algn="l" rtl="0">
-              <a:lnSpc>
-                <a:spcPct val="100000"/>
-              </a:lnSpc>
-              <a:spcBef>
-                <a:spcPts val="0"/>
-              </a:spcBef>
-              <a:spcAft>
-                <a:spcPts val="0"/>
-              </a:spcAft>
-              <a:buSzPts val="1100"/>
-              <a:buNone/>
-            </a:pPr>
-            <a:endParaRPr/>
-          </a:p>
-        </p:txBody>
-      </p:sp>
-      <p:sp>
-        <p:nvSpPr>
-          <p:cNvPr id="87" name="Google Shape;87;p3:notes"/>
-          <p:cNvSpPr>
-            <a:spLocks noGrp="1" noRot="1" noChangeAspect="1"/>
-          </p:cNvSpPr>
-          <p:nvPr>
-            <p:ph type="sldImg" idx="2"/>
-          </p:nvPr>
-        </p:nvSpPr>
-        <p:spPr>
-          <a:xfrm>
-            <a:off x="381000" y="685800"/>
-            <a:ext cx="6096000" cy="3429000"/>
-          </a:xfrm>
-          <a:custGeom>
-            <a:avLst/>
-            <a:gdLst/>
-            <a:ahLst/>
-            <a:cxnLst/>
-            <a:rect l="l" t="t" r="r" b="b"/>
-            <a:pathLst>
-              <a:path w="120000" h="120000" extrusionOk="0">
-                <a:moveTo>
-                  <a:pt x="0" y="0"/>
-                </a:moveTo>
-                <a:lnTo>
-                  <a:pt x="120000" y="0"/>
-                </a:lnTo>
-                <a:lnTo>
-                  <a:pt x="120000" y="120000"/>
-                </a:lnTo>
-                <a:lnTo>
-                  <a:pt x="0" y="120000"/>
-                </a:lnTo>
-                <a:close/>
-              </a:path>
-            </a:pathLst>
-          </a:custGeom>
-          <a:noFill/>
-          <a:ln w="9525" cap="flat" cmpd="sng">
-            <a:solidFill>
-              <a:srgbClr val="000000"/>
-            </a:solidFill>
-            <a:prstDash val="solid"/>
-            <a:round/>
-            <a:headEnd type="none" w="sm" len="sm"/>
-            <a:tailEnd type="none" w="sm" len="sm"/>
-          </a:ln>
-        </p:spPr>
-      </p:sp>
-    </p:spTree>
-    <p:extLst>
-      <p:ext uri="{BB962C8B-B14F-4D97-AF65-F5344CB8AC3E}">
-        <p14:creationId xmlns:p14="http://schemas.microsoft.com/office/powerpoint/2010/main" val="1056220551"/>
-      </p:ext>
-    </p:extLst>
-  </p:cSld>
-  <p:clrMapOvr>
-    <a:masterClrMapping/>
-  </p:clrMapOvr>
-</p:notes>
-</file>
-
-<file path=ppt/notesSlides/notesSlide23.xml><?xml version="1.0" encoding="utf-8"?>
-<p:notes xmlns:a="http://schemas.openxmlformats.org/drawingml/2006/main" xmlns:r="http://schemas.openxmlformats.org/officeDocument/2006/relationships" xmlns:p="http://schemas.openxmlformats.org/presentationml/2006/main" showMasterSp="0" showMasterPhAnim="0">
-  <p:cSld>
-    <p:spTree>
-      <p:nvGrpSpPr>
-        <p:cNvPr id="1" name="Shape 85"/>
-        <p:cNvGrpSpPr/>
-        <p:nvPr/>
-      </p:nvGrpSpPr>
-      <p:grpSpPr>
-        <a:xfrm>
-          <a:off x="0" y="0"/>
-          <a:ext cx="0" cy="0"/>
-          <a:chOff x="0" y="0"/>
-          <a:chExt cx="0" cy="0"/>
-        </a:xfrm>
-      </p:grpSpPr>
-      <p:sp>
-        <p:nvSpPr>
-          <p:cNvPr id="86" name="Google Shape;86;p3:notes"/>
-          <p:cNvSpPr txBox="1">
-            <a:spLocks noGrp="1"/>
-          </p:cNvSpPr>
-          <p:nvPr>
-            <p:ph type="body" idx="1"/>
-          </p:nvPr>
-        </p:nvSpPr>
-        <p:spPr>
-          <a:xfrm>
-            <a:off x="685800" y="4343400"/>
-            <a:ext cx="5486400" cy="4114800"/>
-          </a:xfrm>
-          <a:prstGeom prst="rect">
-            <a:avLst/>
-          </a:prstGeom>
-          <a:noFill/>
-          <a:ln>
-            <a:noFill/>
-          </a:ln>
-        </p:spPr>
-        <p:txBody>
-          <a:bodyPr spcFirstLastPara="1" wrap="square" lIns="91425" tIns="91425" rIns="91425" bIns="91425" anchor="t" anchorCtr="0">
-            <a:noAutofit/>
-          </a:bodyPr>
-          <a:lstStyle/>
-          <a:p>
-            <a:pPr marL="0" lvl="0" indent="0" algn="l" rtl="0">
-              <a:lnSpc>
-                <a:spcPct val="100000"/>
-              </a:lnSpc>
-              <a:spcBef>
-                <a:spcPts val="0"/>
-              </a:spcBef>
-              <a:spcAft>
-                <a:spcPts val="0"/>
-              </a:spcAft>
-              <a:buSzPts val="1100"/>
-              <a:buNone/>
-            </a:pPr>
-            <a:endParaRPr/>
-          </a:p>
-        </p:txBody>
-      </p:sp>
-      <p:sp>
-        <p:nvSpPr>
-          <p:cNvPr id="87" name="Google Shape;87;p3:notes"/>
-          <p:cNvSpPr>
-            <a:spLocks noGrp="1" noRot="1" noChangeAspect="1"/>
-          </p:cNvSpPr>
-          <p:nvPr>
-            <p:ph type="sldImg" idx="2"/>
-          </p:nvPr>
-        </p:nvSpPr>
-        <p:spPr>
-          <a:xfrm>
-            <a:off x="381000" y="685800"/>
-            <a:ext cx="6096000" cy="3429000"/>
-          </a:xfrm>
-          <a:custGeom>
-            <a:avLst/>
-            <a:gdLst/>
-            <a:ahLst/>
-            <a:cxnLst/>
-            <a:rect l="l" t="t" r="r" b="b"/>
-            <a:pathLst>
-              <a:path w="120000" h="120000" extrusionOk="0">
-                <a:moveTo>
-                  <a:pt x="0" y="0"/>
-                </a:moveTo>
-                <a:lnTo>
-                  <a:pt x="120000" y="0"/>
-                </a:lnTo>
-                <a:lnTo>
-                  <a:pt x="120000" y="120000"/>
-                </a:lnTo>
-                <a:lnTo>
-                  <a:pt x="0" y="120000"/>
-                </a:lnTo>
-                <a:close/>
-              </a:path>
-            </a:pathLst>
-          </a:custGeom>
-          <a:noFill/>
-          <a:ln w="9525" cap="flat" cmpd="sng">
-            <a:solidFill>
-              <a:srgbClr val="000000"/>
-            </a:solidFill>
-            <a:prstDash val="solid"/>
-            <a:round/>
-            <a:headEnd type="none" w="sm" len="sm"/>
-            <a:tailEnd type="none" w="sm" len="sm"/>
-          </a:ln>
-        </p:spPr>
-      </p:sp>
-    </p:spTree>
-    <p:extLst>
-      <p:ext uri="{BB962C8B-B14F-4D97-AF65-F5344CB8AC3E}">
-        <p14:creationId xmlns:p14="http://schemas.microsoft.com/office/powerpoint/2010/main" val="1114683495"/>
-      </p:ext>
-    </p:extLst>
-  </p:cSld>
-  <p:clrMapOvr>
-    <a:masterClrMapping/>
-  </p:clrMapOvr>
-</p:notes>
-</file>
-
-<file path=ppt/notesSlides/notesSlide24.xml><?xml version="1.0" encoding="utf-8"?>
-<p:notes xmlns:a="http://schemas.openxmlformats.org/drawingml/2006/main" xmlns:r="http://schemas.openxmlformats.org/officeDocument/2006/relationships" xmlns:p="http://schemas.openxmlformats.org/presentationml/2006/main" showMasterSp="0" showMasterPhAnim="0">
-  <p:cSld>
-    <p:spTree>
-      <p:nvGrpSpPr>
-        <p:cNvPr id="1" name="Shape 85"/>
-        <p:cNvGrpSpPr/>
-        <p:nvPr/>
-      </p:nvGrpSpPr>
-      <p:grpSpPr>
-        <a:xfrm>
-          <a:off x="0" y="0"/>
-          <a:ext cx="0" cy="0"/>
-          <a:chOff x="0" y="0"/>
-          <a:chExt cx="0" cy="0"/>
-        </a:xfrm>
-      </p:grpSpPr>
-      <p:sp>
-        <p:nvSpPr>
-          <p:cNvPr id="86" name="Google Shape;86;p3:notes"/>
-          <p:cNvSpPr txBox="1">
-            <a:spLocks noGrp="1"/>
-          </p:cNvSpPr>
-          <p:nvPr>
-            <p:ph type="body" idx="1"/>
-          </p:nvPr>
-        </p:nvSpPr>
-        <p:spPr>
-          <a:xfrm>
-            <a:off x="685800" y="4343400"/>
-            <a:ext cx="5486400" cy="4114800"/>
-          </a:xfrm>
-          <a:prstGeom prst="rect">
-            <a:avLst/>
-          </a:prstGeom>
-          <a:noFill/>
-          <a:ln>
-            <a:noFill/>
-          </a:ln>
-        </p:spPr>
-        <p:txBody>
-          <a:bodyPr spcFirstLastPara="1" wrap="square" lIns="91425" tIns="91425" rIns="91425" bIns="91425" anchor="t" anchorCtr="0">
-            <a:noAutofit/>
-          </a:bodyPr>
-          <a:lstStyle/>
-          <a:p>
-            <a:pPr marL="0" lvl="0" indent="0" algn="l" rtl="0">
-              <a:lnSpc>
-                <a:spcPct val="100000"/>
-              </a:lnSpc>
-              <a:spcBef>
-                <a:spcPts val="0"/>
-              </a:spcBef>
-              <a:spcAft>
-                <a:spcPts val="0"/>
-              </a:spcAft>
-              <a:buSzPts val="1100"/>
-              <a:buNone/>
-            </a:pPr>
-            <a:endParaRPr/>
-          </a:p>
-        </p:txBody>
-      </p:sp>
-      <p:sp>
-        <p:nvSpPr>
-          <p:cNvPr id="87" name="Google Shape;87;p3:notes"/>
-          <p:cNvSpPr>
-            <a:spLocks noGrp="1" noRot="1" noChangeAspect="1"/>
-          </p:cNvSpPr>
-          <p:nvPr>
-            <p:ph type="sldImg" idx="2"/>
-          </p:nvPr>
-        </p:nvSpPr>
-        <p:spPr>
-          <a:xfrm>
-            <a:off x="381000" y="685800"/>
-            <a:ext cx="6096000" cy="3429000"/>
-          </a:xfrm>
-          <a:custGeom>
-            <a:avLst/>
-            <a:gdLst/>
-            <a:ahLst/>
-            <a:cxnLst/>
-            <a:rect l="l" t="t" r="r" b="b"/>
-            <a:pathLst>
-              <a:path w="120000" h="120000" extrusionOk="0">
-                <a:moveTo>
-                  <a:pt x="0" y="0"/>
-                </a:moveTo>
-                <a:lnTo>
-                  <a:pt x="120000" y="0"/>
-                </a:lnTo>
-                <a:lnTo>
-                  <a:pt x="120000" y="120000"/>
-                </a:lnTo>
-                <a:lnTo>
-                  <a:pt x="0" y="120000"/>
-                </a:lnTo>
-                <a:close/>
-              </a:path>
-            </a:pathLst>
-          </a:custGeom>
-          <a:noFill/>
-          <a:ln w="9525" cap="flat" cmpd="sng">
-            <a:solidFill>
-              <a:srgbClr val="000000"/>
-            </a:solidFill>
-            <a:prstDash val="solid"/>
-            <a:round/>
-            <a:headEnd type="none" w="sm" len="sm"/>
-            <a:tailEnd type="none" w="sm" len="sm"/>
-          </a:ln>
-        </p:spPr>
-      </p:sp>
-    </p:spTree>
-    <p:extLst>
-      <p:ext uri="{BB962C8B-B14F-4D97-AF65-F5344CB8AC3E}">
-        <p14:creationId xmlns:p14="http://schemas.microsoft.com/office/powerpoint/2010/main" val="3657377189"/>
-      </p:ext>
-    </p:extLst>
-  </p:cSld>
-  <p:clrMapOvr>
-    <a:masterClrMapping/>
-  </p:clrMapOvr>
-</p:notes>
-</file>
-
-<file path=ppt/notesSlides/notesSlide25.xml><?xml version="1.0" encoding="utf-8"?>
-<p:notes xmlns:a="http://schemas.openxmlformats.org/drawingml/2006/main" xmlns:r="http://schemas.openxmlformats.org/officeDocument/2006/relationships" xmlns:p="http://schemas.openxmlformats.org/presentationml/2006/main" showMasterSp="0" showMasterPhAnim="0">
-  <p:cSld>
-    <p:spTree>
-      <p:nvGrpSpPr>
-        <p:cNvPr id="1" name="Shape 85"/>
-        <p:cNvGrpSpPr/>
-        <p:nvPr/>
-      </p:nvGrpSpPr>
-      <p:grpSpPr>
-        <a:xfrm>
-          <a:off x="0" y="0"/>
-          <a:ext cx="0" cy="0"/>
-          <a:chOff x="0" y="0"/>
-          <a:chExt cx="0" cy="0"/>
-        </a:xfrm>
-      </p:grpSpPr>
-      <p:sp>
-        <p:nvSpPr>
-          <p:cNvPr id="86" name="Google Shape;86;p3:notes"/>
-          <p:cNvSpPr txBox="1">
-            <a:spLocks noGrp="1"/>
-          </p:cNvSpPr>
-          <p:nvPr>
-            <p:ph type="body" idx="1"/>
-          </p:nvPr>
-        </p:nvSpPr>
-        <p:spPr>
-          <a:xfrm>
-            <a:off x="685800" y="4343400"/>
-            <a:ext cx="5486400" cy="4114800"/>
-          </a:xfrm>
-          <a:prstGeom prst="rect">
-            <a:avLst/>
-          </a:prstGeom>
-          <a:noFill/>
-          <a:ln>
-            <a:noFill/>
-          </a:ln>
-        </p:spPr>
-        <p:txBody>
-          <a:bodyPr spcFirstLastPara="1" wrap="square" lIns="91425" tIns="91425" rIns="91425" bIns="91425" anchor="t" anchorCtr="0">
-            <a:noAutofit/>
-          </a:bodyPr>
-          <a:lstStyle/>
-          <a:p>
-            <a:pPr marL="0" lvl="0" indent="0" algn="l" rtl="0">
-              <a:lnSpc>
-                <a:spcPct val="100000"/>
-              </a:lnSpc>
-              <a:spcBef>
-                <a:spcPts val="0"/>
-              </a:spcBef>
-              <a:spcAft>
-                <a:spcPts val="0"/>
-              </a:spcAft>
-              <a:buSzPts val="1100"/>
-              <a:buNone/>
-            </a:pPr>
-            <a:endParaRPr/>
-          </a:p>
-        </p:txBody>
-      </p:sp>
-      <p:sp>
-        <p:nvSpPr>
-          <p:cNvPr id="87" name="Google Shape;87;p3:notes"/>
-          <p:cNvSpPr>
-            <a:spLocks noGrp="1" noRot="1" noChangeAspect="1"/>
-          </p:cNvSpPr>
-          <p:nvPr>
-            <p:ph type="sldImg" idx="2"/>
-          </p:nvPr>
-        </p:nvSpPr>
-        <p:spPr>
-          <a:xfrm>
-            <a:off x="381000" y="685800"/>
-            <a:ext cx="6096000" cy="3429000"/>
-          </a:xfrm>
-          <a:custGeom>
-            <a:avLst/>
-            <a:gdLst/>
-            <a:ahLst/>
-            <a:cxnLst/>
-            <a:rect l="l" t="t" r="r" b="b"/>
-            <a:pathLst>
-              <a:path w="120000" h="120000" extrusionOk="0">
-                <a:moveTo>
-                  <a:pt x="0" y="0"/>
-                </a:moveTo>
-                <a:lnTo>
-                  <a:pt x="120000" y="0"/>
-                </a:lnTo>
-                <a:lnTo>
-                  <a:pt x="120000" y="120000"/>
-                </a:lnTo>
-                <a:lnTo>
-                  <a:pt x="0" y="120000"/>
-                </a:lnTo>
-                <a:close/>
-              </a:path>
-            </a:pathLst>
-          </a:custGeom>
-          <a:noFill/>
-          <a:ln w="9525" cap="flat" cmpd="sng">
-            <a:solidFill>
-              <a:srgbClr val="000000"/>
-            </a:solidFill>
-            <a:prstDash val="solid"/>
-            <a:round/>
-            <a:headEnd type="none" w="sm" len="sm"/>
-            <a:tailEnd type="none" w="sm" len="sm"/>
-          </a:ln>
-        </p:spPr>
-      </p:sp>
-    </p:spTree>
-    <p:extLst>
-      <p:ext uri="{BB962C8B-B14F-4D97-AF65-F5344CB8AC3E}">
-        <p14:creationId xmlns:p14="http://schemas.microsoft.com/office/powerpoint/2010/main" val="1568471327"/>
-      </p:ext>
-    </p:extLst>
-  </p:cSld>
-  <p:clrMapOvr>
-    <a:masterClrMapping/>
-  </p:clrMapOvr>
-</p:notes>
-</file>
-
-<file path=ppt/notesSlides/notesSlide26.xml><?xml version="1.0" encoding="utf-8"?>
-<p:notes xmlns:a="http://schemas.openxmlformats.org/drawingml/2006/main" xmlns:r="http://schemas.openxmlformats.org/officeDocument/2006/relationships" xmlns:p="http://schemas.openxmlformats.org/presentationml/2006/main" showMasterSp="0" showMasterPhAnim="0">
-  <p:cSld>
-    <p:spTree>
-      <p:nvGrpSpPr>
-        <p:cNvPr id="1" name="Shape 85"/>
-        <p:cNvGrpSpPr/>
-        <p:nvPr/>
-      </p:nvGrpSpPr>
-      <p:grpSpPr>
-        <a:xfrm>
-          <a:off x="0" y="0"/>
-          <a:ext cx="0" cy="0"/>
-          <a:chOff x="0" y="0"/>
-          <a:chExt cx="0" cy="0"/>
-        </a:xfrm>
-      </p:grpSpPr>
-      <p:sp>
-        <p:nvSpPr>
-          <p:cNvPr id="86" name="Google Shape;86;p3:notes"/>
-          <p:cNvSpPr txBox="1">
-            <a:spLocks noGrp="1"/>
-          </p:cNvSpPr>
-          <p:nvPr>
-            <p:ph type="body" idx="1"/>
-          </p:nvPr>
-        </p:nvSpPr>
-        <p:spPr>
-          <a:xfrm>
-            <a:off x="685800" y="4343400"/>
-            <a:ext cx="5486400" cy="4114800"/>
-          </a:xfrm>
-          <a:prstGeom prst="rect">
-            <a:avLst/>
-          </a:prstGeom>
-          <a:noFill/>
-          <a:ln>
-            <a:noFill/>
-          </a:ln>
-        </p:spPr>
-        <p:txBody>
-          <a:bodyPr spcFirstLastPara="1" wrap="square" lIns="91425" tIns="91425" rIns="91425" bIns="91425" anchor="t" anchorCtr="0">
-            <a:noAutofit/>
-          </a:bodyPr>
-          <a:lstStyle/>
-          <a:p>
-            <a:pPr marL="0" lvl="0" indent="0" algn="l" rtl="0">
-              <a:lnSpc>
-                <a:spcPct val="100000"/>
-              </a:lnSpc>
-              <a:spcBef>
-                <a:spcPts val="0"/>
-              </a:spcBef>
-              <a:spcAft>
-                <a:spcPts val="0"/>
-              </a:spcAft>
-              <a:buSzPts val="1100"/>
-              <a:buNone/>
-            </a:pPr>
-            <a:endParaRPr/>
-          </a:p>
-        </p:txBody>
-      </p:sp>
-      <p:sp>
-        <p:nvSpPr>
-          <p:cNvPr id="87" name="Google Shape;87;p3:notes"/>
-          <p:cNvSpPr>
-            <a:spLocks noGrp="1" noRot="1" noChangeAspect="1"/>
-          </p:cNvSpPr>
-          <p:nvPr>
-            <p:ph type="sldImg" idx="2"/>
-          </p:nvPr>
-        </p:nvSpPr>
-        <p:spPr>
-          <a:xfrm>
-            <a:off x="381000" y="685800"/>
-            <a:ext cx="6096000" cy="3429000"/>
-          </a:xfrm>
-          <a:custGeom>
-            <a:avLst/>
-            <a:gdLst/>
-            <a:ahLst/>
-            <a:cxnLst/>
-            <a:rect l="l" t="t" r="r" b="b"/>
-            <a:pathLst>
-              <a:path w="120000" h="120000" extrusionOk="0">
-                <a:moveTo>
-                  <a:pt x="0" y="0"/>
-                </a:moveTo>
-                <a:lnTo>
-                  <a:pt x="120000" y="0"/>
-                </a:lnTo>
-                <a:lnTo>
-                  <a:pt x="120000" y="120000"/>
-                </a:lnTo>
-                <a:lnTo>
-                  <a:pt x="0" y="120000"/>
-                </a:lnTo>
-                <a:close/>
-              </a:path>
-            </a:pathLst>
-          </a:custGeom>
-          <a:noFill/>
-          <a:ln w="9525" cap="flat" cmpd="sng">
-            <a:solidFill>
-              <a:srgbClr val="000000"/>
-            </a:solidFill>
-            <a:prstDash val="solid"/>
-            <a:round/>
-            <a:headEnd type="none" w="sm" len="sm"/>
-            <a:tailEnd type="none" w="sm" len="sm"/>
-          </a:ln>
-        </p:spPr>
-      </p:sp>
-    </p:spTree>
-    <p:extLst>
-      <p:ext uri="{BB962C8B-B14F-4D97-AF65-F5344CB8AC3E}">
-        <p14:creationId xmlns:p14="http://schemas.microsoft.com/office/powerpoint/2010/main" val="440255139"/>
-      </p:ext>
-    </p:extLst>
-  </p:cSld>
-  <p:clrMapOvr>
-    <a:masterClrMapping/>
-  </p:clrMapOvr>
-</p:notes>
-</file>
-
-<file path=ppt/notesSlides/notesSlide27.xml><?xml version="1.0" encoding="utf-8"?>
-<p:notes xmlns:a="http://schemas.openxmlformats.org/drawingml/2006/main" xmlns:r="http://schemas.openxmlformats.org/officeDocument/2006/relationships" xmlns:p="http://schemas.openxmlformats.org/presentationml/2006/main" showMasterSp="0" showMasterPhAnim="0">
-  <p:cSld>
-    <p:spTree>
-      <p:nvGrpSpPr>
-        <p:cNvPr id="1" name="Shape 85"/>
-        <p:cNvGrpSpPr/>
-        <p:nvPr/>
-      </p:nvGrpSpPr>
-      <p:grpSpPr>
-        <a:xfrm>
-          <a:off x="0" y="0"/>
-          <a:ext cx="0" cy="0"/>
-          <a:chOff x="0" y="0"/>
-          <a:chExt cx="0" cy="0"/>
-        </a:xfrm>
-      </p:grpSpPr>
-      <p:sp>
-        <p:nvSpPr>
-          <p:cNvPr id="86" name="Google Shape;86;p3:notes"/>
-          <p:cNvSpPr txBox="1">
-            <a:spLocks noGrp="1"/>
-          </p:cNvSpPr>
-          <p:nvPr>
-            <p:ph type="body" idx="1"/>
-          </p:nvPr>
-        </p:nvSpPr>
-        <p:spPr>
-          <a:xfrm>
-            <a:off x="685800" y="4343400"/>
-            <a:ext cx="5486400" cy="4114800"/>
-          </a:xfrm>
-          <a:prstGeom prst="rect">
-            <a:avLst/>
-          </a:prstGeom>
-          <a:noFill/>
-          <a:ln>
-            <a:noFill/>
-          </a:ln>
-        </p:spPr>
-        <p:txBody>
-          <a:bodyPr spcFirstLastPara="1" wrap="square" lIns="91425" tIns="91425" rIns="91425" bIns="91425" anchor="t" anchorCtr="0">
-            <a:noAutofit/>
-          </a:bodyPr>
-          <a:lstStyle/>
-          <a:p>
-            <a:pPr marL="0" lvl="0" indent="0" algn="l" rtl="0">
-              <a:lnSpc>
-                <a:spcPct val="100000"/>
-              </a:lnSpc>
-              <a:spcBef>
-                <a:spcPts val="0"/>
-              </a:spcBef>
-              <a:spcAft>
-                <a:spcPts val="0"/>
-              </a:spcAft>
-              <a:buSzPts val="1100"/>
-              <a:buNone/>
-            </a:pPr>
-            <a:endParaRPr/>
-          </a:p>
-        </p:txBody>
-      </p:sp>
-      <p:sp>
-        <p:nvSpPr>
-          <p:cNvPr id="87" name="Google Shape;87;p3:notes"/>
-          <p:cNvSpPr>
-            <a:spLocks noGrp="1" noRot="1" noChangeAspect="1"/>
-          </p:cNvSpPr>
-          <p:nvPr>
-            <p:ph type="sldImg" idx="2"/>
-          </p:nvPr>
-        </p:nvSpPr>
-        <p:spPr>
-          <a:xfrm>
-            <a:off x="381000" y="685800"/>
-            <a:ext cx="6096000" cy="3429000"/>
-          </a:xfrm>
-          <a:custGeom>
-            <a:avLst/>
-            <a:gdLst/>
-            <a:ahLst/>
-            <a:cxnLst/>
-            <a:rect l="l" t="t" r="r" b="b"/>
-            <a:pathLst>
-              <a:path w="120000" h="120000" extrusionOk="0">
-                <a:moveTo>
-                  <a:pt x="0" y="0"/>
-                </a:moveTo>
-                <a:lnTo>
-                  <a:pt x="120000" y="0"/>
-                </a:lnTo>
-                <a:lnTo>
-                  <a:pt x="120000" y="120000"/>
-                </a:lnTo>
-                <a:lnTo>
-                  <a:pt x="0" y="120000"/>
-                </a:lnTo>
-                <a:close/>
-              </a:path>
-            </a:pathLst>
-          </a:custGeom>
-          <a:noFill/>
-          <a:ln w="9525" cap="flat" cmpd="sng">
-            <a:solidFill>
-              <a:srgbClr val="000000"/>
-            </a:solidFill>
-            <a:prstDash val="solid"/>
-            <a:round/>
-            <a:headEnd type="none" w="sm" len="sm"/>
-            <a:tailEnd type="none" w="sm" len="sm"/>
-          </a:ln>
-        </p:spPr>
-      </p:sp>
-    </p:spTree>
-    <p:extLst>
-      <p:ext uri="{BB962C8B-B14F-4D97-AF65-F5344CB8AC3E}">
-        <p14:creationId xmlns:p14="http://schemas.microsoft.com/office/powerpoint/2010/main" val="1469481332"/>
-      </p:ext>
-    </p:extLst>
-  </p:cSld>
-  <p:clrMapOvr>
-    <a:masterClrMapping/>
-  </p:clrMapOvr>
-</p:notes>
-</file>
-
-<file path=ppt/notesSlides/notesSlide28.xml><?xml version="1.0" encoding="utf-8"?>
-<p:notes xmlns:a="http://schemas.openxmlformats.org/drawingml/2006/main" xmlns:r="http://schemas.openxmlformats.org/officeDocument/2006/relationships" xmlns:p="http://schemas.openxmlformats.org/presentationml/2006/main" showMasterSp="0" showMasterPhAnim="0">
-  <p:cSld>
-    <p:spTree>
-      <p:nvGrpSpPr>
-        <p:cNvPr id="1" name="Shape 85"/>
-        <p:cNvGrpSpPr/>
-        <p:nvPr/>
-      </p:nvGrpSpPr>
-      <p:grpSpPr>
-        <a:xfrm>
-          <a:off x="0" y="0"/>
-          <a:ext cx="0" cy="0"/>
-          <a:chOff x="0" y="0"/>
-          <a:chExt cx="0" cy="0"/>
-        </a:xfrm>
-      </p:grpSpPr>
-      <p:sp>
-        <p:nvSpPr>
-          <p:cNvPr id="86" name="Google Shape;86;p3:notes"/>
-          <p:cNvSpPr txBox="1">
-            <a:spLocks noGrp="1"/>
-          </p:cNvSpPr>
-          <p:nvPr>
-            <p:ph type="body" idx="1"/>
-          </p:nvPr>
-        </p:nvSpPr>
-        <p:spPr>
-          <a:xfrm>
-            <a:off x="685800" y="4343400"/>
-            <a:ext cx="5486400" cy="4114800"/>
-          </a:xfrm>
-          <a:prstGeom prst="rect">
-            <a:avLst/>
-          </a:prstGeom>
-          <a:noFill/>
-          <a:ln>
-            <a:noFill/>
-          </a:ln>
-        </p:spPr>
-        <p:txBody>
-          <a:bodyPr spcFirstLastPara="1" wrap="square" lIns="91425" tIns="91425" rIns="91425" bIns="91425" anchor="t" anchorCtr="0">
-            <a:noAutofit/>
-          </a:bodyPr>
-          <a:lstStyle/>
-          <a:p>
-            <a:pPr marL="0" lvl="0" indent="0" algn="l" rtl="0">
-              <a:lnSpc>
-                <a:spcPct val="100000"/>
-              </a:lnSpc>
-              <a:spcBef>
-                <a:spcPts val="0"/>
-              </a:spcBef>
-              <a:spcAft>
-                <a:spcPts val="0"/>
-              </a:spcAft>
-              <a:buSzPts val="1100"/>
-              <a:buNone/>
-            </a:pPr>
-            <a:endParaRPr/>
-          </a:p>
-        </p:txBody>
-      </p:sp>
-      <p:sp>
-        <p:nvSpPr>
-          <p:cNvPr id="87" name="Google Shape;87;p3:notes"/>
-          <p:cNvSpPr>
-            <a:spLocks noGrp="1" noRot="1" noChangeAspect="1"/>
-          </p:cNvSpPr>
-          <p:nvPr>
-            <p:ph type="sldImg" idx="2"/>
-          </p:nvPr>
-        </p:nvSpPr>
-        <p:spPr>
-          <a:xfrm>
-            <a:off x="381000" y="685800"/>
-            <a:ext cx="6096000" cy="3429000"/>
-          </a:xfrm>
-          <a:custGeom>
-            <a:avLst/>
-            <a:gdLst/>
-            <a:ahLst/>
-            <a:cxnLst/>
-            <a:rect l="l" t="t" r="r" b="b"/>
-            <a:pathLst>
-              <a:path w="120000" h="120000" extrusionOk="0">
-                <a:moveTo>
-                  <a:pt x="0" y="0"/>
-                </a:moveTo>
-                <a:lnTo>
-                  <a:pt x="120000" y="0"/>
-                </a:lnTo>
-                <a:lnTo>
-                  <a:pt x="120000" y="120000"/>
-                </a:lnTo>
-                <a:lnTo>
-                  <a:pt x="0" y="120000"/>
-                </a:lnTo>
-                <a:close/>
-              </a:path>
-            </a:pathLst>
-          </a:custGeom>
-          <a:noFill/>
-          <a:ln w="9525" cap="flat" cmpd="sng">
-            <a:solidFill>
-              <a:srgbClr val="000000"/>
-            </a:solidFill>
-            <a:prstDash val="solid"/>
-            <a:round/>
-            <a:headEnd type="none" w="sm" len="sm"/>
-            <a:tailEnd type="none" w="sm" len="sm"/>
-          </a:ln>
-        </p:spPr>
-      </p:sp>
-    </p:spTree>
-    <p:extLst>
-      <p:ext uri="{BB962C8B-B14F-4D97-AF65-F5344CB8AC3E}">
-        <p14:creationId xmlns:p14="http://schemas.microsoft.com/office/powerpoint/2010/main" val="951837295"/>
-      </p:ext>
-    </p:extLst>
-  </p:cSld>
-  <p:clrMapOvr>
-    <a:masterClrMapping/>
-  </p:clrMapOvr>
-</p:notes>
-</file>
-
-<file path=ppt/notesSlides/notesSlide29.xml><?xml version="1.0" encoding="utf-8"?>
-<p:notes xmlns:a="http://schemas.openxmlformats.org/drawingml/2006/main" xmlns:r="http://schemas.openxmlformats.org/officeDocument/2006/relationships" xmlns:p="http://schemas.openxmlformats.org/presentationml/2006/main" showMasterSp="0" showMasterPhAnim="0">
-  <p:cSld>
-    <p:spTree>
-      <p:nvGrpSpPr>
-        <p:cNvPr id="1" name="Shape 85"/>
-        <p:cNvGrpSpPr/>
-        <p:nvPr/>
-      </p:nvGrpSpPr>
-      <p:grpSpPr>
-        <a:xfrm>
-          <a:off x="0" y="0"/>
-          <a:ext cx="0" cy="0"/>
-          <a:chOff x="0" y="0"/>
-          <a:chExt cx="0" cy="0"/>
-        </a:xfrm>
-      </p:grpSpPr>
-      <p:sp>
-        <p:nvSpPr>
-          <p:cNvPr id="86" name="Google Shape;86;p3:notes"/>
-          <p:cNvSpPr txBox="1">
-            <a:spLocks noGrp="1"/>
-          </p:cNvSpPr>
-          <p:nvPr>
-            <p:ph type="body" idx="1"/>
-          </p:nvPr>
-        </p:nvSpPr>
-        <p:spPr>
-          <a:xfrm>
-            <a:off x="685800" y="4343400"/>
-            <a:ext cx="5486400" cy="4114800"/>
-          </a:xfrm>
-          <a:prstGeom prst="rect">
-            <a:avLst/>
-          </a:prstGeom>
-          <a:noFill/>
-          <a:ln>
-            <a:noFill/>
-          </a:ln>
-        </p:spPr>
-        <p:txBody>
-          <a:bodyPr spcFirstLastPara="1" wrap="square" lIns="91425" tIns="91425" rIns="91425" bIns="91425" anchor="t" anchorCtr="0">
-            <a:noAutofit/>
-          </a:bodyPr>
-          <a:lstStyle/>
-          <a:p>
-            <a:pPr marL="0" lvl="0" indent="0" algn="l" rtl="0">
-              <a:lnSpc>
-                <a:spcPct val="100000"/>
-              </a:lnSpc>
-              <a:spcBef>
-                <a:spcPts val="0"/>
-              </a:spcBef>
-              <a:spcAft>
-                <a:spcPts val="0"/>
-              </a:spcAft>
-              <a:buSzPts val="1100"/>
-              <a:buNone/>
-            </a:pPr>
-            <a:endParaRPr/>
-          </a:p>
-        </p:txBody>
-      </p:sp>
-      <p:sp>
-        <p:nvSpPr>
-          <p:cNvPr id="87" name="Google Shape;87;p3:notes"/>
-          <p:cNvSpPr>
-            <a:spLocks noGrp="1" noRot="1" noChangeAspect="1"/>
-          </p:cNvSpPr>
-          <p:nvPr>
-            <p:ph type="sldImg" idx="2"/>
-          </p:nvPr>
-        </p:nvSpPr>
-        <p:spPr>
-          <a:xfrm>
-            <a:off x="381000" y="685800"/>
-            <a:ext cx="6096000" cy="3429000"/>
-          </a:xfrm>
-          <a:custGeom>
-            <a:avLst/>
-            <a:gdLst/>
-            <a:ahLst/>
-            <a:cxnLst/>
-            <a:rect l="l" t="t" r="r" b="b"/>
-            <a:pathLst>
-              <a:path w="120000" h="120000" extrusionOk="0">
-                <a:moveTo>
-                  <a:pt x="0" y="0"/>
-                </a:moveTo>
-                <a:lnTo>
-                  <a:pt x="120000" y="0"/>
-                </a:lnTo>
-                <a:lnTo>
-                  <a:pt x="120000" y="120000"/>
-                </a:lnTo>
-                <a:lnTo>
-                  <a:pt x="0" y="120000"/>
-                </a:lnTo>
-                <a:close/>
-              </a:path>
-            </a:pathLst>
-          </a:custGeom>
-          <a:noFill/>
-          <a:ln w="9525" cap="flat" cmpd="sng">
-            <a:solidFill>
-              <a:srgbClr val="000000"/>
-            </a:solidFill>
-            <a:prstDash val="solid"/>
-            <a:round/>
-            <a:headEnd type="none" w="sm" len="sm"/>
-            <a:tailEnd type="none" w="sm" len="sm"/>
-          </a:ln>
-        </p:spPr>
-      </p:sp>
-    </p:spTree>
-    <p:extLst>
-      <p:ext uri="{BB962C8B-B14F-4D97-AF65-F5344CB8AC3E}">
-        <p14:creationId xmlns:p14="http://schemas.microsoft.com/office/powerpoint/2010/main" val="3535437841"/>
-      </p:ext>
-    </p:extLst>
-  </p:cSld>
-  <p:clrMapOvr>
-    <a:masterClrMapping/>
-  </p:clrMapOvr>
-</p:notes>
-</file>
-
 <file path=ppt/notesSlides/notesSlide3.xml><?xml version="1.0" encoding="utf-8"?>
 <p:notes xmlns:a="http://schemas.openxmlformats.org/drawingml/2006/main" xmlns:r="http://schemas.openxmlformats.org/officeDocument/2006/relationships" xmlns:p="http://schemas.openxmlformats.org/presentationml/2006/main" showMasterSp="0" showMasterPhAnim="0">
   <p:cSld>
@@ -3460,387 +1536,6 @@
     <p:extLst>
       <p:ext uri="{BB962C8B-B14F-4D97-AF65-F5344CB8AC3E}">
         <p14:creationId xmlns:p14="http://schemas.microsoft.com/office/powerpoint/2010/main" val="4230610056"/>
-      </p:ext>
-    </p:extLst>
-  </p:cSld>
-  <p:clrMapOvr>
-    <a:masterClrMapping/>
-  </p:clrMapOvr>
-</p:notes>
-</file>
-
-<file path=ppt/notesSlides/notesSlide30.xml><?xml version="1.0" encoding="utf-8"?>
-<p:notes xmlns:a="http://schemas.openxmlformats.org/drawingml/2006/main" xmlns:r="http://schemas.openxmlformats.org/officeDocument/2006/relationships" xmlns:p="http://schemas.openxmlformats.org/presentationml/2006/main" showMasterSp="0" showMasterPhAnim="0">
-  <p:cSld>
-    <p:spTree>
-      <p:nvGrpSpPr>
-        <p:cNvPr id="1" name="Shape 85"/>
-        <p:cNvGrpSpPr/>
-        <p:nvPr/>
-      </p:nvGrpSpPr>
-      <p:grpSpPr>
-        <a:xfrm>
-          <a:off x="0" y="0"/>
-          <a:ext cx="0" cy="0"/>
-          <a:chOff x="0" y="0"/>
-          <a:chExt cx="0" cy="0"/>
-        </a:xfrm>
-      </p:grpSpPr>
-      <p:sp>
-        <p:nvSpPr>
-          <p:cNvPr id="86" name="Google Shape;86;p3:notes"/>
-          <p:cNvSpPr txBox="1">
-            <a:spLocks noGrp="1"/>
-          </p:cNvSpPr>
-          <p:nvPr>
-            <p:ph type="body" idx="1"/>
-          </p:nvPr>
-        </p:nvSpPr>
-        <p:spPr>
-          <a:xfrm>
-            <a:off x="685800" y="4343400"/>
-            <a:ext cx="5486400" cy="4114800"/>
-          </a:xfrm>
-          <a:prstGeom prst="rect">
-            <a:avLst/>
-          </a:prstGeom>
-          <a:noFill/>
-          <a:ln>
-            <a:noFill/>
-          </a:ln>
-        </p:spPr>
-        <p:txBody>
-          <a:bodyPr spcFirstLastPara="1" wrap="square" lIns="91425" tIns="91425" rIns="91425" bIns="91425" anchor="t" anchorCtr="0">
-            <a:noAutofit/>
-          </a:bodyPr>
-          <a:lstStyle/>
-          <a:p>
-            <a:pPr marL="0" lvl="0" indent="0" algn="l" rtl="0">
-              <a:lnSpc>
-                <a:spcPct val="100000"/>
-              </a:lnSpc>
-              <a:spcBef>
-                <a:spcPts val="0"/>
-              </a:spcBef>
-              <a:spcAft>
-                <a:spcPts val="0"/>
-              </a:spcAft>
-              <a:buSzPts val="1100"/>
-              <a:buNone/>
-            </a:pPr>
-            <a:endParaRPr/>
-          </a:p>
-        </p:txBody>
-      </p:sp>
-      <p:sp>
-        <p:nvSpPr>
-          <p:cNvPr id="87" name="Google Shape;87;p3:notes"/>
-          <p:cNvSpPr>
-            <a:spLocks noGrp="1" noRot="1" noChangeAspect="1"/>
-          </p:cNvSpPr>
-          <p:nvPr>
-            <p:ph type="sldImg" idx="2"/>
-          </p:nvPr>
-        </p:nvSpPr>
-        <p:spPr>
-          <a:xfrm>
-            <a:off x="381000" y="685800"/>
-            <a:ext cx="6096000" cy="3429000"/>
-          </a:xfrm>
-          <a:custGeom>
-            <a:avLst/>
-            <a:gdLst/>
-            <a:ahLst/>
-            <a:cxnLst/>
-            <a:rect l="l" t="t" r="r" b="b"/>
-            <a:pathLst>
-              <a:path w="120000" h="120000" extrusionOk="0">
-                <a:moveTo>
-                  <a:pt x="0" y="0"/>
-                </a:moveTo>
-                <a:lnTo>
-                  <a:pt x="120000" y="0"/>
-                </a:lnTo>
-                <a:lnTo>
-                  <a:pt x="120000" y="120000"/>
-                </a:lnTo>
-                <a:lnTo>
-                  <a:pt x="0" y="120000"/>
-                </a:lnTo>
-                <a:close/>
-              </a:path>
-            </a:pathLst>
-          </a:custGeom>
-          <a:noFill/>
-          <a:ln w="9525" cap="flat" cmpd="sng">
-            <a:solidFill>
-              <a:srgbClr val="000000"/>
-            </a:solidFill>
-            <a:prstDash val="solid"/>
-            <a:round/>
-            <a:headEnd type="none" w="sm" len="sm"/>
-            <a:tailEnd type="none" w="sm" len="sm"/>
-          </a:ln>
-        </p:spPr>
-      </p:sp>
-    </p:spTree>
-    <p:extLst>
-      <p:ext uri="{BB962C8B-B14F-4D97-AF65-F5344CB8AC3E}">
-        <p14:creationId xmlns:p14="http://schemas.microsoft.com/office/powerpoint/2010/main" val="3562375960"/>
-      </p:ext>
-    </p:extLst>
-  </p:cSld>
-  <p:clrMapOvr>
-    <a:masterClrMapping/>
-  </p:clrMapOvr>
-</p:notes>
-</file>
-
-<file path=ppt/notesSlides/notesSlide31.xml><?xml version="1.0" encoding="utf-8"?>
-<p:notes xmlns:a="http://schemas.openxmlformats.org/drawingml/2006/main" xmlns:r="http://schemas.openxmlformats.org/officeDocument/2006/relationships" xmlns:p="http://schemas.openxmlformats.org/presentationml/2006/main" showMasterSp="0" showMasterPhAnim="0">
-  <p:cSld>
-    <p:spTree>
-      <p:nvGrpSpPr>
-        <p:cNvPr id="1" name="Shape 85"/>
-        <p:cNvGrpSpPr/>
-        <p:nvPr/>
-      </p:nvGrpSpPr>
-      <p:grpSpPr>
-        <a:xfrm>
-          <a:off x="0" y="0"/>
-          <a:ext cx="0" cy="0"/>
-          <a:chOff x="0" y="0"/>
-          <a:chExt cx="0" cy="0"/>
-        </a:xfrm>
-      </p:grpSpPr>
-      <p:sp>
-        <p:nvSpPr>
-          <p:cNvPr id="86" name="Google Shape;86;p3:notes"/>
-          <p:cNvSpPr txBox="1">
-            <a:spLocks noGrp="1"/>
-          </p:cNvSpPr>
-          <p:nvPr>
-            <p:ph type="body" idx="1"/>
-          </p:nvPr>
-        </p:nvSpPr>
-        <p:spPr>
-          <a:xfrm>
-            <a:off x="685800" y="4343400"/>
-            <a:ext cx="5486400" cy="4114800"/>
-          </a:xfrm>
-          <a:prstGeom prst="rect">
-            <a:avLst/>
-          </a:prstGeom>
-          <a:noFill/>
-          <a:ln>
-            <a:noFill/>
-          </a:ln>
-        </p:spPr>
-        <p:txBody>
-          <a:bodyPr spcFirstLastPara="1" wrap="square" lIns="91425" tIns="91425" rIns="91425" bIns="91425" anchor="t" anchorCtr="0">
-            <a:noAutofit/>
-          </a:bodyPr>
-          <a:lstStyle/>
-          <a:p>
-            <a:pPr marL="0" lvl="0" indent="0" algn="l" rtl="0">
-              <a:lnSpc>
-                <a:spcPct val="100000"/>
-              </a:lnSpc>
-              <a:spcBef>
-                <a:spcPts val="0"/>
-              </a:spcBef>
-              <a:spcAft>
-                <a:spcPts val="0"/>
-              </a:spcAft>
-              <a:buSzPts val="1100"/>
-              <a:buNone/>
-            </a:pPr>
-            <a:endParaRPr/>
-          </a:p>
-        </p:txBody>
-      </p:sp>
-      <p:sp>
-        <p:nvSpPr>
-          <p:cNvPr id="87" name="Google Shape;87;p3:notes"/>
-          <p:cNvSpPr>
-            <a:spLocks noGrp="1" noRot="1" noChangeAspect="1"/>
-          </p:cNvSpPr>
-          <p:nvPr>
-            <p:ph type="sldImg" idx="2"/>
-          </p:nvPr>
-        </p:nvSpPr>
-        <p:spPr>
-          <a:xfrm>
-            <a:off x="381000" y="685800"/>
-            <a:ext cx="6096000" cy="3429000"/>
-          </a:xfrm>
-          <a:custGeom>
-            <a:avLst/>
-            <a:gdLst/>
-            <a:ahLst/>
-            <a:cxnLst/>
-            <a:rect l="l" t="t" r="r" b="b"/>
-            <a:pathLst>
-              <a:path w="120000" h="120000" extrusionOk="0">
-                <a:moveTo>
-                  <a:pt x="0" y="0"/>
-                </a:moveTo>
-                <a:lnTo>
-                  <a:pt x="120000" y="0"/>
-                </a:lnTo>
-                <a:lnTo>
-                  <a:pt x="120000" y="120000"/>
-                </a:lnTo>
-                <a:lnTo>
-                  <a:pt x="0" y="120000"/>
-                </a:lnTo>
-                <a:close/>
-              </a:path>
-            </a:pathLst>
-          </a:custGeom>
-          <a:noFill/>
-          <a:ln w="9525" cap="flat" cmpd="sng">
-            <a:solidFill>
-              <a:srgbClr val="000000"/>
-            </a:solidFill>
-            <a:prstDash val="solid"/>
-            <a:round/>
-            <a:headEnd type="none" w="sm" len="sm"/>
-            <a:tailEnd type="none" w="sm" len="sm"/>
-          </a:ln>
-        </p:spPr>
-      </p:sp>
-    </p:spTree>
-    <p:extLst>
-      <p:ext uri="{BB962C8B-B14F-4D97-AF65-F5344CB8AC3E}">
-        <p14:creationId xmlns:p14="http://schemas.microsoft.com/office/powerpoint/2010/main" val="2213829157"/>
-      </p:ext>
-    </p:extLst>
-  </p:cSld>
-  <p:clrMapOvr>
-    <a:masterClrMapping/>
-  </p:clrMapOvr>
-</p:notes>
-</file>
-
-<file path=ppt/notesSlides/notesSlide32.xml><?xml version="1.0" encoding="utf-8"?>
-<p:notes xmlns:a="http://schemas.openxmlformats.org/drawingml/2006/main" xmlns:r="http://schemas.openxmlformats.org/officeDocument/2006/relationships" xmlns:p="http://schemas.openxmlformats.org/presentationml/2006/main" showMasterSp="0" showMasterPhAnim="0">
-  <p:cSld>
-    <p:spTree>
-      <p:nvGrpSpPr>
-        <p:cNvPr id="1" name="Shape 85"/>
-        <p:cNvGrpSpPr/>
-        <p:nvPr/>
-      </p:nvGrpSpPr>
-      <p:grpSpPr>
-        <a:xfrm>
-          <a:off x="0" y="0"/>
-          <a:ext cx="0" cy="0"/>
-          <a:chOff x="0" y="0"/>
-          <a:chExt cx="0" cy="0"/>
-        </a:xfrm>
-      </p:grpSpPr>
-      <p:sp>
-        <p:nvSpPr>
-          <p:cNvPr id="86" name="Google Shape;86;p3:notes"/>
-          <p:cNvSpPr txBox="1">
-            <a:spLocks noGrp="1"/>
-          </p:cNvSpPr>
-          <p:nvPr>
-            <p:ph type="body" idx="1"/>
-          </p:nvPr>
-        </p:nvSpPr>
-        <p:spPr>
-          <a:xfrm>
-            <a:off x="685800" y="4343400"/>
-            <a:ext cx="5486400" cy="4114800"/>
-          </a:xfrm>
-          <a:prstGeom prst="rect">
-            <a:avLst/>
-          </a:prstGeom>
-          <a:noFill/>
-          <a:ln>
-            <a:noFill/>
-          </a:ln>
-        </p:spPr>
-        <p:txBody>
-          <a:bodyPr spcFirstLastPara="1" wrap="square" lIns="91425" tIns="91425" rIns="91425" bIns="91425" anchor="t" anchorCtr="0">
-            <a:noAutofit/>
-          </a:bodyPr>
-          <a:lstStyle/>
-          <a:p>
-            <a:pPr marL="0" lvl="0" indent="0" algn="l" rtl="0">
-              <a:lnSpc>
-                <a:spcPct val="100000"/>
-              </a:lnSpc>
-              <a:spcBef>
-                <a:spcPts val="0"/>
-              </a:spcBef>
-              <a:spcAft>
-                <a:spcPts val="0"/>
-              </a:spcAft>
-              <a:buSzPts val="1100"/>
-              <a:buNone/>
-            </a:pPr>
-            <a:endParaRPr/>
-          </a:p>
-        </p:txBody>
-      </p:sp>
-      <p:sp>
-        <p:nvSpPr>
-          <p:cNvPr id="87" name="Google Shape;87;p3:notes"/>
-          <p:cNvSpPr>
-            <a:spLocks noGrp="1" noRot="1" noChangeAspect="1"/>
-          </p:cNvSpPr>
-          <p:nvPr>
-            <p:ph type="sldImg" idx="2"/>
-          </p:nvPr>
-        </p:nvSpPr>
-        <p:spPr>
-          <a:xfrm>
-            <a:off x="381000" y="685800"/>
-            <a:ext cx="6096000" cy="3429000"/>
-          </a:xfrm>
-          <a:custGeom>
-            <a:avLst/>
-            <a:gdLst/>
-            <a:ahLst/>
-            <a:cxnLst/>
-            <a:rect l="l" t="t" r="r" b="b"/>
-            <a:pathLst>
-              <a:path w="120000" h="120000" extrusionOk="0">
-                <a:moveTo>
-                  <a:pt x="0" y="0"/>
-                </a:moveTo>
-                <a:lnTo>
-                  <a:pt x="120000" y="0"/>
-                </a:lnTo>
-                <a:lnTo>
-                  <a:pt x="120000" y="120000"/>
-                </a:lnTo>
-                <a:lnTo>
-                  <a:pt x="0" y="120000"/>
-                </a:lnTo>
-                <a:close/>
-              </a:path>
-            </a:pathLst>
-          </a:custGeom>
-          <a:noFill/>
-          <a:ln w="9525" cap="flat" cmpd="sng">
-            <a:solidFill>
-              <a:srgbClr val="000000"/>
-            </a:solidFill>
-            <a:prstDash val="solid"/>
-            <a:round/>
-            <a:headEnd type="none" w="sm" len="sm"/>
-            <a:tailEnd type="none" w="sm" len="sm"/>
-          </a:ln>
-        </p:spPr>
-      </p:sp>
-    </p:spTree>
-    <p:extLst>
-      <p:ext uri="{BB962C8B-B14F-4D97-AF65-F5344CB8AC3E}">
-        <p14:creationId xmlns:p14="http://schemas.microsoft.com/office/powerpoint/2010/main" val="436615099"/>
       </p:ext>
     </p:extLst>
   </p:cSld>
@@ -9094,7 +6789,7 @@
           </a:ln>
           <a:extLst>
             <a:ext uri="{C572A759-6A51-4108-AA02-DFA0A04FC94B}">
-              <ma14:wrappingTextBoxFlag xmlns="" xmlns:m="http://schemas.openxmlformats.org/officeDocument/2006/math" xmlns:a14="http://schemas.microsoft.com/office/drawing/2010/main" xmlns:ma14="http://schemas.microsoft.com/office/mac/drawingml/2011/main" val="1"/>
+              <ma14:wrappingTextBoxFlag xmlns:ma14="http://schemas.microsoft.com/office/mac/drawingml/2011/main" xmlns:a14="http://schemas.microsoft.com/office/drawing/2010/main" xmlns:m="http://schemas.openxmlformats.org/officeDocument/2006/math" xmlns="" val="1"/>
             </a:ext>
           </a:extLst>
         </p:spPr>
@@ -9133,7 +6828,7 @@
           </a:ln>
           <a:extLst>
             <a:ext uri="{C572A759-6A51-4108-AA02-DFA0A04FC94B}">
-              <ma14:wrappingTextBoxFlag xmlns="" xmlns:m="http://schemas.openxmlformats.org/officeDocument/2006/math" xmlns:a14="http://schemas.microsoft.com/office/drawing/2010/main" xmlns:ma14="http://schemas.microsoft.com/office/mac/drawingml/2011/main" val="1"/>
+              <ma14:wrappingTextBoxFlag xmlns:ma14="http://schemas.microsoft.com/office/mac/drawingml/2011/main" xmlns:a14="http://schemas.microsoft.com/office/drawing/2010/main" xmlns:m="http://schemas.openxmlformats.org/officeDocument/2006/math" xmlns="" val="1"/>
             </a:ext>
           </a:extLst>
         </p:spPr>
@@ -10063,7 +7758,7 @@
           </a:ln>
           <a:extLst>
             <a:ext uri="{C572A759-6A51-4108-AA02-DFA0A04FC94B}">
-              <ma14:wrappingTextBoxFlag xmlns="" xmlns:m="http://schemas.openxmlformats.org/officeDocument/2006/math" xmlns:a14="http://schemas.microsoft.com/office/drawing/2010/main" xmlns:ma14="http://schemas.microsoft.com/office/mac/drawingml/2011/main" val="1"/>
+              <ma14:wrappingTextBoxFlag xmlns:ma14="http://schemas.microsoft.com/office/mac/drawingml/2011/main" xmlns:a14="http://schemas.microsoft.com/office/drawing/2010/main" xmlns:m="http://schemas.openxmlformats.org/officeDocument/2006/math" xmlns="" val="1"/>
             </a:ext>
           </a:extLst>
         </p:spPr>
@@ -10315,15 +8010,7 @@
                   <a:schemeClr val="bg1"/>
                 </a:solidFill>
               </a:rPr>
-              <a:t>INTRODUCCION A JAVASCRIPT – </a:t>
-            </a:r>
-            <a:r>
-              <a:rPr lang="es-PE" sz="6000" dirty="0" smtClean="0">
-                <a:solidFill>
-                  <a:schemeClr val="bg1"/>
-                </a:solidFill>
-              </a:rPr>
-              <a:t>Funciones JS</a:t>
+              <a:t>INTRODUCCION A JAVASCRIPT – Funciones JS</a:t>
             </a:r>
             <a:endParaRPr lang="es-PE" sz="6000" dirty="0">
               <a:solidFill>
@@ -10984,7 +8671,7 @@
           </a:ln>
           <a:extLst>
             <a:ext uri="{C572A759-6A51-4108-AA02-DFA0A04FC94B}">
-              <ma14:wrappingTextBoxFlag xmlns="" xmlns:m="http://schemas.openxmlformats.org/officeDocument/2006/math" xmlns:a14="http://schemas.microsoft.com/office/drawing/2010/main" xmlns:ma14="http://schemas.microsoft.com/office/mac/drawingml/2011/main" val="1"/>
+              <ma14:wrappingTextBoxFlag xmlns:ma14="http://schemas.microsoft.com/office/mac/drawingml/2011/main" xmlns:a14="http://schemas.microsoft.com/office/drawing/2010/main" xmlns:m="http://schemas.openxmlformats.org/officeDocument/2006/math" xmlns="" val="1"/>
             </a:ext>
           </a:extLst>
         </p:spPr>
@@ -11236,15 +8923,7 @@
                   <a:schemeClr val="bg1"/>
                 </a:solidFill>
               </a:rPr>
-              <a:t>INTRODUCCION A JAVASCRIPT – </a:t>
-            </a:r>
-            <a:r>
-              <a:rPr lang="es-PE" sz="6000" dirty="0" smtClean="0">
-                <a:solidFill>
-                  <a:schemeClr val="bg1"/>
-                </a:solidFill>
-              </a:rPr>
-              <a:t>Objetos de JS</a:t>
+              <a:t>INTRODUCCION A JAVASCRIPT – Objetos de JS</a:t>
             </a:r>
             <a:endParaRPr lang="es-PE" sz="6000" dirty="0">
               <a:solidFill>
@@ -18824,5679 +16503,6 @@
 <file path=ppt/slides/slide29.xml><?xml version="1.0" encoding="utf-8"?>
 <p:sld xmlns:a="http://schemas.openxmlformats.org/drawingml/2006/main" xmlns:r="http://schemas.openxmlformats.org/officeDocument/2006/relationships" xmlns:p="http://schemas.openxmlformats.org/presentationml/2006/main">
   <p:cSld>
-    <p:spTree>
-      <p:nvGrpSpPr>
-        <p:cNvPr id="1" name=""/>
-        <p:cNvGrpSpPr/>
-        <p:nvPr/>
-      </p:nvGrpSpPr>
-      <p:grpSpPr>
-        <a:xfrm>
-          <a:off x="0" y="0"/>
-          <a:ext cx="0" cy="0"/>
-          <a:chOff x="0" y="0"/>
-          <a:chExt cx="0" cy="0"/>
-        </a:xfrm>
-      </p:grpSpPr>
-      <p:sp>
-        <p:nvSpPr>
-          <p:cNvPr id="159" name="TUTULO"/>
-          <p:cNvSpPr txBox="1">
-            <a:spLocks noGrp="1"/>
-          </p:cNvSpPr>
-          <p:nvPr>
-            <p:ph type="title"/>
-          </p:nvPr>
-        </p:nvSpPr>
-        <p:spPr>
-          <a:xfrm>
-            <a:off x="1200250" y="10165726"/>
-            <a:ext cx="21971000" cy="1433164"/>
-          </a:xfrm>
-          <a:prstGeom prst="rect">
-            <a:avLst/>
-          </a:prstGeom>
-        </p:spPr>
-        <p:txBody>
-          <a:bodyPr>
-            <a:noAutofit/>
-          </a:bodyPr>
-          <a:lstStyle>
-            <a:lvl1pPr>
-              <a:defRPr>
-                <a:solidFill>
-                  <a:srgbClr val="FFFFFF"/>
-                </a:solidFill>
-              </a:defRPr>
-            </a:lvl1pPr>
-          </a:lstStyle>
-          <a:p>
-            <a:r>
-              <a:rPr lang="es-PE" sz="6000" dirty="0" smtClean="0"/>
-              <a:t>DESARROLLO DE ENTORNOS WEB</a:t>
-            </a:r>
-            <a:endParaRPr sz="6000" dirty="0"/>
-          </a:p>
-        </p:txBody>
-      </p:sp>
-      <p:sp>
-        <p:nvSpPr>
-          <p:cNvPr id="2" name="Marcador de número de diapositiva 1">
-            <a:extLst>
-              <a:ext uri="{FF2B5EF4-FFF2-40B4-BE49-F238E27FC236}">
-                <a16:creationId xmlns:a16="http://schemas.microsoft.com/office/drawing/2014/main" id="{554A993B-ED33-430F-A814-C1CBF4B14A24}"/>
-              </a:ext>
-            </a:extLst>
-          </p:cNvPr>
-          <p:cNvSpPr>
-            <a:spLocks noGrp="1"/>
-          </p:cNvSpPr>
-          <p:nvPr>
-            <p:ph type="sldNum" sz="quarter" idx="2"/>
-          </p:nvPr>
-        </p:nvSpPr>
-        <p:spPr/>
-        <p:txBody>
-          <a:bodyPr/>
-          <a:lstStyle/>
-          <a:p>
-            <a:fld id="{86CB4B4D-7CA3-9044-876B-883B54F8677D}" type="slidenum">
-              <a:rPr lang="es-PE" smtClean="0"/>
-              <a:t>29</a:t>
-            </a:fld>
-            <a:endParaRPr lang="es-PE"/>
-          </a:p>
-        </p:txBody>
-      </p:sp>
-      <p:sp>
-        <p:nvSpPr>
-          <p:cNvPr id="5" name="TUTULO">
-            <a:extLst>
-              <a:ext uri="{FF2B5EF4-FFF2-40B4-BE49-F238E27FC236}">
-                <a16:creationId xmlns:a16="http://schemas.microsoft.com/office/drawing/2014/main" id="{2FAB8178-8F75-4B6F-AB4B-AD7B306CA5D6}"/>
-              </a:ext>
-            </a:extLst>
-          </p:cNvPr>
-          <p:cNvSpPr txBox="1">
-            <a:spLocks/>
-          </p:cNvSpPr>
-          <p:nvPr/>
-        </p:nvSpPr>
-        <p:spPr>
-          <a:xfrm>
-            <a:off x="1200249" y="11155973"/>
-            <a:ext cx="21305789" cy="1433164"/>
-          </a:xfrm>
-          <a:prstGeom prst="rect">
-            <a:avLst/>
-          </a:prstGeom>
-          <a:ln w="12700">
-            <a:miter lim="400000"/>
-          </a:ln>
-          <a:extLst>
-            <a:ext uri="{C572A759-6A51-4108-AA02-DFA0A04FC94B}">
-              <ma14:wrappingTextBoxFlag xmlns="" xmlns:m="http://schemas.openxmlformats.org/officeDocument/2006/math" xmlns:a14="http://schemas.microsoft.com/office/drawing/2010/main" xmlns:ma14="http://schemas.microsoft.com/office/mac/drawingml/2011/main" val="1"/>
-            </a:ext>
-          </a:extLst>
-        </p:spPr>
-        <p:txBody>
-          <a:bodyPr lIns="50800" tIns="50800" rIns="50800" bIns="50800">
-            <a:noAutofit/>
-          </a:bodyPr>
-          <a:lstStyle>
-            <a:lvl1pPr marL="0" marR="0" indent="0" algn="l" defTabSz="2438338" rtl="0" latinLnBrk="0">
-              <a:lnSpc>
-                <a:spcPct val="80000"/>
-              </a:lnSpc>
-              <a:spcBef>
-                <a:spcPts val="0"/>
-              </a:spcBef>
-              <a:spcAft>
-                <a:spcPts val="0"/>
-              </a:spcAft>
-              <a:buClrTx/>
-              <a:buSzTx/>
-              <a:buFontTx/>
-              <a:buNone/>
-              <a:tabLst/>
-              <a:defRPr sz="8500" b="1" i="0" u="none" strike="noStrike" cap="none" spc="-170" baseline="0">
-                <a:solidFill>
-                  <a:srgbClr val="FFFFFF"/>
-                </a:solidFill>
-                <a:uFillTx/>
-                <a:latin typeface="+mn-lt"/>
-                <a:ea typeface="+mn-ea"/>
-                <a:cs typeface="+mn-cs"/>
-                <a:sym typeface="Helvetica Neue"/>
-              </a:defRPr>
-            </a:lvl1pPr>
-            <a:lvl2pPr marL="0" marR="0" indent="0" algn="l" defTabSz="2438338" rtl="0" latinLnBrk="0">
-              <a:lnSpc>
-                <a:spcPct val="80000"/>
-              </a:lnSpc>
-              <a:spcBef>
-                <a:spcPts val="0"/>
-              </a:spcBef>
-              <a:spcAft>
-                <a:spcPts val="0"/>
-              </a:spcAft>
-              <a:buClrTx/>
-              <a:buSzTx/>
-              <a:buFontTx/>
-              <a:buNone/>
-              <a:tabLst/>
-              <a:defRPr sz="8500" b="1" i="0" u="none" strike="noStrike" cap="none" spc="-170" baseline="0">
-                <a:solidFill>
-                  <a:srgbClr val="000000"/>
-                </a:solidFill>
-                <a:uFillTx/>
-                <a:latin typeface="+mn-lt"/>
-                <a:ea typeface="+mn-ea"/>
-                <a:cs typeface="+mn-cs"/>
-                <a:sym typeface="Helvetica Neue"/>
-              </a:defRPr>
-            </a:lvl2pPr>
-            <a:lvl3pPr marL="0" marR="0" indent="0" algn="l" defTabSz="2438338" rtl="0" latinLnBrk="0">
-              <a:lnSpc>
-                <a:spcPct val="80000"/>
-              </a:lnSpc>
-              <a:spcBef>
-                <a:spcPts val="0"/>
-              </a:spcBef>
-              <a:spcAft>
-                <a:spcPts val="0"/>
-              </a:spcAft>
-              <a:buClrTx/>
-              <a:buSzTx/>
-              <a:buFontTx/>
-              <a:buNone/>
-              <a:tabLst/>
-              <a:defRPr sz="8500" b="1" i="0" u="none" strike="noStrike" cap="none" spc="-170" baseline="0">
-                <a:solidFill>
-                  <a:srgbClr val="000000"/>
-                </a:solidFill>
-                <a:uFillTx/>
-                <a:latin typeface="+mn-lt"/>
-                <a:ea typeface="+mn-ea"/>
-                <a:cs typeface="+mn-cs"/>
-                <a:sym typeface="Helvetica Neue"/>
-              </a:defRPr>
-            </a:lvl3pPr>
-            <a:lvl4pPr marL="0" marR="0" indent="0" algn="l" defTabSz="2438338" rtl="0" latinLnBrk="0">
-              <a:lnSpc>
-                <a:spcPct val="80000"/>
-              </a:lnSpc>
-              <a:spcBef>
-                <a:spcPts val="0"/>
-              </a:spcBef>
-              <a:spcAft>
-                <a:spcPts val="0"/>
-              </a:spcAft>
-              <a:buClrTx/>
-              <a:buSzTx/>
-              <a:buFontTx/>
-              <a:buNone/>
-              <a:tabLst/>
-              <a:defRPr sz="8500" b="1" i="0" u="none" strike="noStrike" cap="none" spc="-170" baseline="0">
-                <a:solidFill>
-                  <a:srgbClr val="000000"/>
-                </a:solidFill>
-                <a:uFillTx/>
-                <a:latin typeface="+mn-lt"/>
-                <a:ea typeface="+mn-ea"/>
-                <a:cs typeface="+mn-cs"/>
-                <a:sym typeface="Helvetica Neue"/>
-              </a:defRPr>
-            </a:lvl4pPr>
-            <a:lvl5pPr marL="0" marR="0" indent="0" algn="l" defTabSz="2438338" rtl="0" latinLnBrk="0">
-              <a:lnSpc>
-                <a:spcPct val="80000"/>
-              </a:lnSpc>
-              <a:spcBef>
-                <a:spcPts val="0"/>
-              </a:spcBef>
-              <a:spcAft>
-                <a:spcPts val="0"/>
-              </a:spcAft>
-              <a:buClrTx/>
-              <a:buSzTx/>
-              <a:buFontTx/>
-              <a:buNone/>
-              <a:tabLst/>
-              <a:defRPr sz="8500" b="1" i="0" u="none" strike="noStrike" cap="none" spc="-170" baseline="0">
-                <a:solidFill>
-                  <a:srgbClr val="000000"/>
-                </a:solidFill>
-                <a:uFillTx/>
-                <a:latin typeface="+mn-lt"/>
-                <a:ea typeface="+mn-ea"/>
-                <a:cs typeface="+mn-cs"/>
-                <a:sym typeface="Helvetica Neue"/>
-              </a:defRPr>
-            </a:lvl5pPr>
-            <a:lvl6pPr marL="0" marR="0" indent="0" algn="l" defTabSz="2438338" rtl="0" latinLnBrk="0">
-              <a:lnSpc>
-                <a:spcPct val="80000"/>
-              </a:lnSpc>
-              <a:spcBef>
-                <a:spcPts val="0"/>
-              </a:spcBef>
-              <a:spcAft>
-                <a:spcPts val="0"/>
-              </a:spcAft>
-              <a:buClrTx/>
-              <a:buSzTx/>
-              <a:buFontTx/>
-              <a:buNone/>
-              <a:tabLst/>
-              <a:defRPr sz="8500" b="1" i="0" u="none" strike="noStrike" cap="none" spc="-170" baseline="0">
-                <a:solidFill>
-                  <a:srgbClr val="000000"/>
-                </a:solidFill>
-                <a:uFillTx/>
-                <a:latin typeface="+mn-lt"/>
-                <a:ea typeface="+mn-ea"/>
-                <a:cs typeface="+mn-cs"/>
-                <a:sym typeface="Helvetica Neue"/>
-              </a:defRPr>
-            </a:lvl6pPr>
-            <a:lvl7pPr marL="0" marR="0" indent="0" algn="l" defTabSz="2438338" rtl="0" latinLnBrk="0">
-              <a:lnSpc>
-                <a:spcPct val="80000"/>
-              </a:lnSpc>
-              <a:spcBef>
-                <a:spcPts val="0"/>
-              </a:spcBef>
-              <a:spcAft>
-                <a:spcPts val="0"/>
-              </a:spcAft>
-              <a:buClrTx/>
-              <a:buSzTx/>
-              <a:buFontTx/>
-              <a:buNone/>
-              <a:tabLst/>
-              <a:defRPr sz="8500" b="1" i="0" u="none" strike="noStrike" cap="none" spc="-170" baseline="0">
-                <a:solidFill>
-                  <a:srgbClr val="000000"/>
-                </a:solidFill>
-                <a:uFillTx/>
-                <a:latin typeface="+mn-lt"/>
-                <a:ea typeface="+mn-ea"/>
-                <a:cs typeface="+mn-cs"/>
-                <a:sym typeface="Helvetica Neue"/>
-              </a:defRPr>
-            </a:lvl7pPr>
-            <a:lvl8pPr marL="0" marR="0" indent="0" algn="l" defTabSz="2438338" rtl="0" latinLnBrk="0">
-              <a:lnSpc>
-                <a:spcPct val="80000"/>
-              </a:lnSpc>
-              <a:spcBef>
-                <a:spcPts val="0"/>
-              </a:spcBef>
-              <a:spcAft>
-                <a:spcPts val="0"/>
-              </a:spcAft>
-              <a:buClrTx/>
-              <a:buSzTx/>
-              <a:buFontTx/>
-              <a:buNone/>
-              <a:tabLst/>
-              <a:defRPr sz="8500" b="1" i="0" u="none" strike="noStrike" cap="none" spc="-170" baseline="0">
-                <a:solidFill>
-                  <a:srgbClr val="000000"/>
-                </a:solidFill>
-                <a:uFillTx/>
-                <a:latin typeface="+mn-lt"/>
-                <a:ea typeface="+mn-ea"/>
-                <a:cs typeface="+mn-cs"/>
-                <a:sym typeface="Helvetica Neue"/>
-              </a:defRPr>
-            </a:lvl8pPr>
-            <a:lvl9pPr marL="0" marR="0" indent="0" algn="l" defTabSz="2438338" rtl="0" latinLnBrk="0">
-              <a:lnSpc>
-                <a:spcPct val="80000"/>
-              </a:lnSpc>
-              <a:spcBef>
-                <a:spcPts val="0"/>
-              </a:spcBef>
-              <a:spcAft>
-                <a:spcPts val="0"/>
-              </a:spcAft>
-              <a:buClrTx/>
-              <a:buSzTx/>
-              <a:buFontTx/>
-              <a:buNone/>
-              <a:tabLst/>
-              <a:defRPr sz="8500" b="1" i="0" u="none" strike="noStrike" cap="none" spc="-170" baseline="0">
-                <a:solidFill>
-                  <a:srgbClr val="000000"/>
-                </a:solidFill>
-                <a:uFillTx/>
-                <a:latin typeface="+mn-lt"/>
-                <a:ea typeface="+mn-ea"/>
-                <a:cs typeface="+mn-cs"/>
-                <a:sym typeface="Helvetica Neue"/>
-              </a:defRPr>
-            </a:lvl9pPr>
-          </a:lstStyle>
-          <a:p>
-            <a:pPr hangingPunct="1"/>
-            <a:r>
-              <a:rPr lang="es-PE" sz="6000" dirty="0" smtClean="0">
-                <a:solidFill>
-                  <a:schemeClr val="bg1"/>
-                </a:solidFill>
-              </a:rPr>
-              <a:t>INTRODUCCION A JAVASCRIPT – </a:t>
-            </a:r>
-            <a:r>
-              <a:rPr lang="es-PE" sz="6000" dirty="0" smtClean="0">
-                <a:solidFill>
-                  <a:schemeClr val="bg1"/>
-                </a:solidFill>
-              </a:rPr>
-              <a:t>Formularios JS</a:t>
-            </a:r>
-            <a:endParaRPr lang="es-PE" sz="6000" dirty="0">
-              <a:solidFill>
-                <a:schemeClr val="bg1"/>
-              </a:solidFill>
-            </a:endParaRPr>
-          </a:p>
-        </p:txBody>
-      </p:sp>
-    </p:spTree>
-    <p:extLst>
-      <p:ext uri="{BB962C8B-B14F-4D97-AF65-F5344CB8AC3E}">
-        <p14:creationId xmlns:p14="http://schemas.microsoft.com/office/powerpoint/2010/main" val="2999029071"/>
-      </p:ext>
-    </p:extLst>
-  </p:cSld>
-  <p:clrMapOvr>
-    <a:masterClrMapping/>
-  </p:clrMapOvr>
-  <mc:AlternateContent xmlns:mc="http://schemas.openxmlformats.org/markup-compatibility/2006" xmlns:p14="http://schemas.microsoft.com/office/powerpoint/2010/main">
-    <mc:Choice Requires="p14">
-      <p:transition spd="med" p14:dur="700">
-        <p:fade/>
-      </p:transition>
-    </mc:Choice>
-    <mc:Fallback xmlns="">
-      <p:transition spd="med">
-        <p:fade/>
-      </p:transition>
-    </mc:Fallback>
-  </mc:AlternateContent>
-  <p:timing>
-    <p:tnLst>
-      <p:par>
-        <p:cTn id="1" dur="indefinite" restart="never" nodeType="tmRoot"/>
-      </p:par>
-    </p:tnLst>
-  </p:timing>
-</p:sld>
-</file>
-
-<file path=ppt/slides/slide3.xml><?xml version="1.0" encoding="utf-8"?>
-<p:sld xmlns:a="http://schemas.openxmlformats.org/drawingml/2006/main" xmlns:r="http://schemas.openxmlformats.org/officeDocument/2006/relationships" xmlns:p="http://schemas.openxmlformats.org/presentationml/2006/main">
-  <p:cSld>
-    <p:spTree>
-      <p:nvGrpSpPr>
-        <p:cNvPr id="1" name="Shape 88"/>
-        <p:cNvGrpSpPr/>
-        <p:nvPr/>
-      </p:nvGrpSpPr>
-      <p:grpSpPr>
-        <a:xfrm>
-          <a:off x="0" y="0"/>
-          <a:ext cx="0" cy="0"/>
-          <a:chOff x="0" y="0"/>
-          <a:chExt cx="0" cy="0"/>
-        </a:xfrm>
-      </p:grpSpPr>
-      <p:sp>
-        <p:nvSpPr>
-          <p:cNvPr id="89" name="Google Shape;89;p3"/>
-          <p:cNvSpPr txBox="1">
-            <a:spLocks noGrp="1"/>
-          </p:cNvSpPr>
-          <p:nvPr>
-            <p:ph type="title"/>
-          </p:nvPr>
-        </p:nvSpPr>
-        <p:spPr>
-          <a:prstGeom prst="rect">
-            <a:avLst/>
-          </a:prstGeom>
-          <a:noFill/>
-          <a:ln>
-            <a:noFill/>
-          </a:ln>
-        </p:spPr>
-        <p:txBody>
-          <a:bodyPr spcFirstLastPara="1" vert="horz" wrap="square" lIns="182851" tIns="91400" rIns="182851" bIns="91400" rtlCol="0" anchor="ctr" anchorCtr="0">
-            <a:noAutofit/>
-          </a:bodyPr>
-          <a:lstStyle/>
-          <a:p>
-            <a:pPr>
-              <a:lnSpc>
-                <a:spcPct val="90000"/>
-              </a:lnSpc>
-              <a:buClr>
-                <a:schemeClr val="lt1"/>
-              </a:buClr>
-              <a:buSzPts val="3200"/>
-            </a:pPr>
-            <a:r>
-              <a:rPr lang="es-PE" dirty="0" smtClean="0">
-                <a:solidFill>
-                  <a:schemeClr val="bg1"/>
-                </a:solidFill>
-              </a:rPr>
-              <a:t>Funciones de usuario en JavaScript</a:t>
-            </a:r>
-            <a:endParaRPr dirty="0">
-              <a:solidFill>
-                <a:schemeClr val="bg1"/>
-              </a:solidFill>
-            </a:endParaRPr>
-          </a:p>
-        </p:txBody>
-      </p:sp>
-      <p:sp>
-        <p:nvSpPr>
-          <p:cNvPr id="90" name="Google Shape;90;p3"/>
-          <p:cNvSpPr txBox="1">
-            <a:spLocks noGrp="1"/>
-          </p:cNvSpPr>
-          <p:nvPr>
-            <p:ph type="body" idx="1"/>
-          </p:nvPr>
-        </p:nvSpPr>
-        <p:spPr>
-          <a:xfrm>
-            <a:off x="918467" y="2512663"/>
-            <a:ext cx="22590461" cy="6542847"/>
-          </a:xfrm>
-          <a:prstGeom prst="rect">
-            <a:avLst/>
-          </a:prstGeom>
-          <a:noFill/>
-          <a:ln>
-            <a:noFill/>
-          </a:ln>
-        </p:spPr>
-        <p:txBody>
-          <a:bodyPr spcFirstLastPara="1" vert="horz" wrap="square" lIns="182851" tIns="91400" rIns="182851" bIns="91400" rtlCol="0" anchor="t" anchorCtr="0">
-            <a:normAutofit/>
-          </a:bodyPr>
-          <a:lstStyle/>
-          <a:p>
-            <a:pPr lvl="0" algn="just"/>
-            <a:r>
-              <a:rPr lang="es-MX" sz="5200" dirty="0">
-                <a:solidFill>
-                  <a:schemeClr val="bg1"/>
-                </a:solidFill>
-                <a:latin typeface="+mj-lt"/>
-              </a:rPr>
-              <a:t>Cuando se desarrolla una aplicación compleja, es muy habitual utilizar una y otra vez las </a:t>
-            </a:r>
-            <a:r>
-              <a:rPr lang="es-MX" sz="5200" b="1" dirty="0">
-                <a:solidFill>
-                  <a:schemeClr val="bg1"/>
-                </a:solidFill>
-                <a:latin typeface="+mj-lt"/>
-              </a:rPr>
-              <a:t>mismas instrucciones. </a:t>
-            </a:r>
-          </a:p>
-          <a:p>
-            <a:pPr lvl="0" algn="just"/>
-            <a:r>
-              <a:rPr lang="es-MX" sz="5200" dirty="0">
-                <a:solidFill>
-                  <a:schemeClr val="bg1"/>
-                </a:solidFill>
-                <a:latin typeface="+mj-lt"/>
-              </a:rPr>
-              <a:t>Las funciones son la </a:t>
-            </a:r>
-            <a:r>
-              <a:rPr lang="es-MX" sz="5200" b="1" dirty="0">
-                <a:solidFill>
-                  <a:schemeClr val="bg1"/>
-                </a:solidFill>
-                <a:latin typeface="+mj-lt"/>
-              </a:rPr>
-              <a:t>solución</a:t>
-            </a:r>
-            <a:r>
-              <a:rPr lang="es-MX" sz="5200" dirty="0">
-                <a:solidFill>
-                  <a:schemeClr val="bg1"/>
-                </a:solidFill>
-                <a:latin typeface="+mj-lt"/>
-              </a:rPr>
-              <a:t> a todos estos problemas, tanto en JavaScript como en el resto de lenguajes de programación. Una función es un conjunto de instrucciones que se </a:t>
-            </a:r>
-            <a:r>
-              <a:rPr lang="es-MX" sz="5200" b="1" dirty="0">
-                <a:solidFill>
-                  <a:schemeClr val="bg1"/>
-                </a:solidFill>
-                <a:latin typeface="+mj-lt"/>
-              </a:rPr>
-              <a:t>agrupan</a:t>
-            </a:r>
-            <a:r>
-              <a:rPr lang="es-MX" sz="5200" dirty="0">
-                <a:solidFill>
-                  <a:schemeClr val="bg1"/>
-                </a:solidFill>
-                <a:latin typeface="+mj-lt"/>
-              </a:rPr>
-              <a:t> para realizar una tarea concreta y que se pueden </a:t>
-            </a:r>
-            <a:r>
-              <a:rPr lang="es-MX" sz="5200" b="1" dirty="0">
-                <a:solidFill>
-                  <a:schemeClr val="bg1"/>
-                </a:solidFill>
-                <a:latin typeface="+mj-lt"/>
-              </a:rPr>
-              <a:t>reutilizar fácilmente.</a:t>
-            </a:r>
-            <a:endParaRPr sz="5200" b="1" dirty="0">
-              <a:solidFill>
-                <a:schemeClr val="bg1"/>
-              </a:solidFill>
-              <a:latin typeface="+mj-lt"/>
-            </a:endParaRPr>
-          </a:p>
-        </p:txBody>
-      </p:sp>
-      <p:pic>
-        <p:nvPicPr>
-          <p:cNvPr id="8" name="Imagen 7"/>
-          <p:cNvPicPr>
-            <a:picLocks noChangeAspect="1"/>
-          </p:cNvPicPr>
-          <p:nvPr/>
-        </p:nvPicPr>
-        <p:blipFill>
-          <a:blip r:embed="rId3"/>
-          <a:stretch>
-            <a:fillRect/>
-          </a:stretch>
-        </p:blipFill>
-        <p:spPr>
-          <a:xfrm>
-            <a:off x="19476480" y="8121802"/>
-            <a:ext cx="4032448" cy="4733741"/>
-          </a:xfrm>
-          <a:prstGeom prst="rect">
-            <a:avLst/>
-          </a:prstGeom>
-        </p:spPr>
-      </p:pic>
-    </p:spTree>
-    <p:extLst>
-      <p:ext uri="{BB962C8B-B14F-4D97-AF65-F5344CB8AC3E}">
-        <p14:creationId xmlns:p14="http://schemas.microsoft.com/office/powerpoint/2010/main" val="1902940464"/>
-      </p:ext>
-    </p:extLst>
-  </p:cSld>
-  <p:clrMapOvr>
-    <a:masterClrMapping/>
-  </p:clrMapOvr>
-  <mc:AlternateContent xmlns:mc="http://schemas.openxmlformats.org/markup-compatibility/2006" xmlns:p14="http://schemas.microsoft.com/office/powerpoint/2010/main">
-    <mc:Choice Requires="p14">
-      <p:transition spd="med" p14:dur="700">
-        <p:fade/>
-      </p:transition>
-    </mc:Choice>
-    <mc:Fallback xmlns="">
-      <p:transition spd="med">
-        <p:fade/>
-      </p:transition>
-    </mc:Fallback>
-  </mc:AlternateContent>
-  <p:timing>
-    <p:tnLst>
-      <p:par>
-        <p:cTn id="1" dur="indefinite" restart="never" nodeType="tmRoot"/>
-      </p:par>
-    </p:tnLst>
-  </p:timing>
-</p:sld>
-</file>
-
-<file path=ppt/slides/slide30.xml><?xml version="1.0" encoding="utf-8"?>
-<p:sld xmlns:a="http://schemas.openxmlformats.org/drawingml/2006/main" xmlns:r="http://schemas.openxmlformats.org/officeDocument/2006/relationships" xmlns:p="http://schemas.openxmlformats.org/presentationml/2006/main">
-  <p:cSld>
-    <p:spTree>
-      <p:nvGrpSpPr>
-        <p:cNvPr id="1" name="Shape 78"/>
-        <p:cNvGrpSpPr/>
-        <p:nvPr/>
-      </p:nvGrpSpPr>
-      <p:grpSpPr>
-        <a:xfrm>
-          <a:off x="0" y="0"/>
-          <a:ext cx="0" cy="0"/>
-          <a:chOff x="0" y="0"/>
-          <a:chExt cx="0" cy="0"/>
-        </a:xfrm>
-      </p:grpSpPr>
-      <p:sp>
-        <p:nvSpPr>
-          <p:cNvPr id="79" name="Google Shape;79;g1372d453eb4_1_1"/>
-          <p:cNvSpPr txBox="1">
-            <a:spLocks noGrp="1"/>
-          </p:cNvSpPr>
-          <p:nvPr>
-            <p:ph type="title"/>
-          </p:nvPr>
-        </p:nvSpPr>
-        <p:spPr>
-          <a:prstGeom prst="rect">
-            <a:avLst/>
-          </a:prstGeom>
-          <a:noFill/>
-          <a:ln>
-            <a:noFill/>
-          </a:ln>
-        </p:spPr>
-        <p:txBody>
-          <a:bodyPr spcFirstLastPara="1" vert="horz" wrap="square" lIns="182851" tIns="91400" rIns="182851" bIns="91400" rtlCol="0" anchor="ctr" anchorCtr="0">
-            <a:noAutofit/>
-          </a:bodyPr>
-          <a:lstStyle/>
-          <a:p>
-            <a:pPr>
-              <a:lnSpc>
-                <a:spcPct val="90000"/>
-              </a:lnSpc>
-              <a:buClr>
-                <a:schemeClr val="lt1"/>
-              </a:buClr>
-              <a:buSzPts val="3200"/>
-            </a:pPr>
-            <a:r>
-              <a:rPr lang="es-PE">
-                <a:solidFill>
-                  <a:schemeClr val="bg1"/>
-                </a:solidFill>
-              </a:rPr>
-              <a:t>Contenidos o temas</a:t>
-            </a:r>
-            <a:endParaRPr>
-              <a:solidFill>
-                <a:schemeClr val="bg1"/>
-              </a:solidFill>
-            </a:endParaRPr>
-          </a:p>
-        </p:txBody>
-      </p:sp>
-      <p:sp>
-        <p:nvSpPr>
-          <p:cNvPr id="80" name="Google Shape;80;g1372d453eb4_1_1"/>
-          <p:cNvSpPr txBox="1">
-            <a:spLocks noGrp="1"/>
-          </p:cNvSpPr>
-          <p:nvPr>
-            <p:ph type="body" idx="1"/>
-          </p:nvPr>
-        </p:nvSpPr>
-        <p:spPr>
-          <a:prstGeom prst="rect">
-            <a:avLst/>
-          </a:prstGeom>
-          <a:noFill/>
-          <a:ln>
-            <a:noFill/>
-          </a:ln>
-        </p:spPr>
-        <p:txBody>
-          <a:bodyPr spcFirstLastPara="1" vert="horz" wrap="square" lIns="182851" tIns="91400" rIns="182851" bIns="91400" rtlCol="0" anchor="t" anchorCtr="0">
-            <a:normAutofit/>
-          </a:bodyPr>
-          <a:lstStyle/>
-          <a:p>
-            <a:pPr>
-              <a:lnSpc>
-                <a:spcPct val="115000"/>
-              </a:lnSpc>
-            </a:pPr>
-            <a:r>
-              <a:rPr lang="es-PE" dirty="0" smtClean="0">
-                <a:solidFill>
-                  <a:schemeClr val="bg1"/>
-                </a:solidFill>
-                <a:latin typeface="+mj-lt"/>
-              </a:rPr>
-              <a:t>Formulario web</a:t>
-            </a:r>
-          </a:p>
-          <a:p>
-            <a:pPr>
-              <a:lnSpc>
-                <a:spcPct val="115000"/>
-              </a:lnSpc>
-            </a:pPr>
-            <a:r>
-              <a:rPr lang="es-PE" dirty="0" smtClean="0">
-                <a:solidFill>
-                  <a:schemeClr val="bg1"/>
-                </a:solidFill>
-                <a:latin typeface="+mj-lt"/>
-              </a:rPr>
-              <a:t>Controles básicos</a:t>
-            </a:r>
-            <a:endParaRPr lang="es-PE" dirty="0">
-              <a:solidFill>
-                <a:schemeClr val="bg1"/>
-              </a:solidFill>
-              <a:latin typeface="+mj-lt"/>
-            </a:endParaRPr>
-          </a:p>
-          <a:p>
-            <a:pPr>
-              <a:lnSpc>
-                <a:spcPct val="115000"/>
-              </a:lnSpc>
-            </a:pPr>
-            <a:r>
-              <a:rPr lang="es-PE" dirty="0" smtClean="0">
-                <a:solidFill>
-                  <a:schemeClr val="bg1"/>
-                </a:solidFill>
-                <a:latin typeface="+mj-lt"/>
-              </a:rPr>
-              <a:t>Controles de selección</a:t>
-            </a:r>
-          </a:p>
-          <a:p>
-            <a:pPr>
-              <a:lnSpc>
-                <a:spcPct val="115000"/>
-              </a:lnSpc>
-            </a:pPr>
-            <a:r>
-              <a:rPr lang="es-PE" dirty="0" smtClean="0">
-                <a:solidFill>
-                  <a:schemeClr val="bg1"/>
-                </a:solidFill>
-                <a:latin typeface="+mj-lt"/>
-              </a:rPr>
-              <a:t>Eventos de controles y formularios</a:t>
-            </a:r>
-            <a:endParaRPr lang="es-ES" dirty="0" smtClean="0">
-              <a:solidFill>
-                <a:schemeClr val="bg1"/>
-              </a:solidFill>
-              <a:latin typeface="+mj-lt"/>
-            </a:endParaRPr>
-          </a:p>
-        </p:txBody>
-      </p:sp>
-    </p:spTree>
-    <p:extLst>
-      <p:ext uri="{BB962C8B-B14F-4D97-AF65-F5344CB8AC3E}">
-        <p14:creationId xmlns:p14="http://schemas.microsoft.com/office/powerpoint/2010/main" val="2414572150"/>
-      </p:ext>
-    </p:extLst>
-  </p:cSld>
-  <p:clrMapOvr>
-    <a:masterClrMapping/>
-  </p:clrMapOvr>
-  <mc:AlternateContent xmlns:mc="http://schemas.openxmlformats.org/markup-compatibility/2006" xmlns:p14="http://schemas.microsoft.com/office/powerpoint/2010/main">
-    <mc:Choice Requires="p14">
-      <p:transition spd="med" p14:dur="700">
-        <p:fade/>
-      </p:transition>
-    </mc:Choice>
-    <mc:Fallback xmlns="">
-      <p:transition spd="med">
-        <p:fade/>
-      </p:transition>
-    </mc:Fallback>
-  </mc:AlternateContent>
-  <p:timing>
-    <p:tnLst>
-      <p:par>
-        <p:cTn id="1" dur="indefinite" restart="never" nodeType="tmRoot"/>
-      </p:par>
-    </p:tnLst>
-  </p:timing>
-</p:sld>
-</file>
-
-<file path=ppt/slides/slide31.xml><?xml version="1.0" encoding="utf-8"?>
-<p:sld xmlns:a="http://schemas.openxmlformats.org/drawingml/2006/main" xmlns:r="http://schemas.openxmlformats.org/officeDocument/2006/relationships" xmlns:p="http://schemas.openxmlformats.org/presentationml/2006/main">
-  <p:cSld>
-    <p:spTree>
-      <p:nvGrpSpPr>
-        <p:cNvPr id="1" name="Shape 88"/>
-        <p:cNvGrpSpPr/>
-        <p:nvPr/>
-      </p:nvGrpSpPr>
-      <p:grpSpPr>
-        <a:xfrm>
-          <a:off x="0" y="0"/>
-          <a:ext cx="0" cy="0"/>
-          <a:chOff x="0" y="0"/>
-          <a:chExt cx="0" cy="0"/>
-        </a:xfrm>
-      </p:grpSpPr>
-      <p:sp>
-        <p:nvSpPr>
-          <p:cNvPr id="89" name="Google Shape;89;p3"/>
-          <p:cNvSpPr txBox="1">
-            <a:spLocks noGrp="1"/>
-          </p:cNvSpPr>
-          <p:nvPr>
-            <p:ph type="title"/>
-          </p:nvPr>
-        </p:nvSpPr>
-        <p:spPr>
-          <a:prstGeom prst="rect">
-            <a:avLst/>
-          </a:prstGeom>
-          <a:noFill/>
-          <a:ln>
-            <a:noFill/>
-          </a:ln>
-        </p:spPr>
-        <p:txBody>
-          <a:bodyPr spcFirstLastPara="1" vert="horz" wrap="square" lIns="182851" tIns="91400" rIns="182851" bIns="91400" rtlCol="0" anchor="ctr" anchorCtr="0">
-            <a:noAutofit/>
-          </a:bodyPr>
-          <a:lstStyle/>
-          <a:p>
-            <a:pPr>
-              <a:lnSpc>
-                <a:spcPct val="90000"/>
-              </a:lnSpc>
-              <a:buClr>
-                <a:schemeClr val="lt1"/>
-              </a:buClr>
-              <a:buSzPts val="3200"/>
-            </a:pPr>
-            <a:r>
-              <a:rPr lang="es-PE" dirty="0" smtClean="0">
-                <a:solidFill>
-                  <a:schemeClr val="bg1"/>
-                </a:solidFill>
-              </a:rPr>
-              <a:t>Formulario web</a:t>
-            </a:r>
-            <a:endParaRPr dirty="0">
-              <a:solidFill>
-                <a:schemeClr val="bg1"/>
-              </a:solidFill>
-            </a:endParaRPr>
-          </a:p>
-        </p:txBody>
-      </p:sp>
-      <p:sp>
-        <p:nvSpPr>
-          <p:cNvPr id="90" name="Google Shape;90;p3"/>
-          <p:cNvSpPr txBox="1">
-            <a:spLocks noGrp="1"/>
-          </p:cNvSpPr>
-          <p:nvPr>
-            <p:ph type="body" idx="1"/>
-          </p:nvPr>
-        </p:nvSpPr>
-        <p:spPr>
-          <a:xfrm>
-            <a:off x="1206500" y="3186621"/>
-            <a:ext cx="21971000" cy="8256012"/>
-          </a:xfrm>
-          <a:prstGeom prst="rect">
-            <a:avLst/>
-          </a:prstGeom>
-          <a:noFill/>
-          <a:ln>
-            <a:noFill/>
-          </a:ln>
-        </p:spPr>
-        <p:txBody>
-          <a:bodyPr spcFirstLastPara="1" vert="horz" wrap="square" lIns="182851" tIns="91400" rIns="182851" bIns="91400" rtlCol="0" anchor="t" anchorCtr="0">
-            <a:normAutofit/>
-          </a:bodyPr>
-          <a:lstStyle/>
-          <a:p>
-            <a:pPr lvl="0" algn="just"/>
-            <a:r>
-              <a:rPr lang="es-MX" sz="5200" dirty="0">
-                <a:solidFill>
-                  <a:schemeClr val="bg1"/>
-                </a:solidFill>
-                <a:latin typeface="+mj-lt"/>
-              </a:rPr>
-              <a:t>Un </a:t>
-            </a:r>
-            <a:r>
-              <a:rPr lang="es-MX" sz="5200" b="1" dirty="0">
-                <a:solidFill>
-                  <a:schemeClr val="bg1"/>
-                </a:solidFill>
-                <a:latin typeface="+mj-lt"/>
-              </a:rPr>
-              <a:t>formulario</a:t>
-            </a:r>
-            <a:r>
-              <a:rPr lang="es-MX" sz="5200" dirty="0">
-                <a:solidFill>
-                  <a:schemeClr val="bg1"/>
-                </a:solidFill>
-                <a:latin typeface="+mj-lt"/>
-              </a:rPr>
-              <a:t> es un conjunto de </a:t>
-            </a:r>
-            <a:r>
-              <a:rPr lang="es-MX" sz="5200" b="1" dirty="0">
-                <a:solidFill>
-                  <a:schemeClr val="bg1"/>
-                </a:solidFill>
-                <a:latin typeface="+mj-lt"/>
-              </a:rPr>
-              <a:t>controles</a:t>
-            </a:r>
-            <a:r>
-              <a:rPr lang="es-MX" sz="5200" dirty="0">
-                <a:solidFill>
-                  <a:schemeClr val="bg1"/>
-                </a:solidFill>
-                <a:latin typeface="+mj-lt"/>
-              </a:rPr>
-              <a:t> (botones, cajas de texto, casillas de verificación, botones radio, etc.) que permiten al usuario </a:t>
-            </a:r>
-            <a:r>
-              <a:rPr lang="es-MX" sz="5200" b="1" dirty="0">
-                <a:solidFill>
-                  <a:schemeClr val="bg1"/>
-                </a:solidFill>
-                <a:latin typeface="+mj-lt"/>
-              </a:rPr>
-              <a:t>introducir</a:t>
-            </a:r>
-            <a:r>
-              <a:rPr lang="es-MX" sz="5200" dirty="0">
-                <a:solidFill>
-                  <a:schemeClr val="bg1"/>
-                </a:solidFill>
-                <a:latin typeface="+mj-lt"/>
-              </a:rPr>
-              <a:t> datos y </a:t>
-            </a:r>
-            <a:r>
-              <a:rPr lang="es-MX" sz="5200" b="1" dirty="0">
-                <a:solidFill>
-                  <a:schemeClr val="bg1"/>
-                </a:solidFill>
-                <a:latin typeface="+mj-lt"/>
-              </a:rPr>
-              <a:t>enviarlos</a:t>
-            </a:r>
-            <a:r>
-              <a:rPr lang="es-MX" sz="5200" dirty="0">
-                <a:solidFill>
-                  <a:schemeClr val="bg1"/>
-                </a:solidFill>
-                <a:latin typeface="+mj-lt"/>
-              </a:rPr>
-              <a:t> al servidor web para su procesamiento.</a:t>
-            </a:r>
-            <a:endParaRPr sz="5200" i="1" dirty="0">
-              <a:solidFill>
-                <a:schemeClr val="bg1"/>
-              </a:solidFill>
-              <a:latin typeface="+mj-lt"/>
-            </a:endParaRPr>
-          </a:p>
-        </p:txBody>
-      </p:sp>
-    </p:spTree>
-    <p:extLst>
-      <p:ext uri="{BB962C8B-B14F-4D97-AF65-F5344CB8AC3E}">
-        <p14:creationId xmlns:p14="http://schemas.microsoft.com/office/powerpoint/2010/main" val="1488904577"/>
-      </p:ext>
-    </p:extLst>
-  </p:cSld>
-  <p:clrMapOvr>
-    <a:masterClrMapping/>
-  </p:clrMapOvr>
-  <mc:AlternateContent xmlns:mc="http://schemas.openxmlformats.org/markup-compatibility/2006" xmlns:p14="http://schemas.microsoft.com/office/powerpoint/2010/main">
-    <mc:Choice Requires="p14">
-      <p:transition spd="med" p14:dur="700">
-        <p:fade/>
-      </p:transition>
-    </mc:Choice>
-    <mc:Fallback xmlns="">
-      <p:transition spd="med">
-        <p:fade/>
-      </p:transition>
-    </mc:Fallback>
-  </mc:AlternateContent>
-  <p:timing>
-    <p:tnLst>
-      <p:par>
-        <p:cTn id="1" dur="indefinite" restart="never" nodeType="tmRoot"/>
-      </p:par>
-    </p:tnLst>
-  </p:timing>
-</p:sld>
-</file>
-
-<file path=ppt/slides/slide32.xml><?xml version="1.0" encoding="utf-8"?>
-<p:sld xmlns:a="http://schemas.openxmlformats.org/drawingml/2006/main" xmlns:r="http://schemas.openxmlformats.org/officeDocument/2006/relationships" xmlns:p="http://schemas.openxmlformats.org/presentationml/2006/main">
-  <p:cSld>
-    <p:spTree>
-      <p:nvGrpSpPr>
-        <p:cNvPr id="1" name="Shape 88"/>
-        <p:cNvGrpSpPr/>
-        <p:nvPr/>
-      </p:nvGrpSpPr>
-      <p:grpSpPr>
-        <a:xfrm>
-          <a:off x="0" y="0"/>
-          <a:ext cx="0" cy="0"/>
-          <a:chOff x="0" y="0"/>
-          <a:chExt cx="0" cy="0"/>
-        </a:xfrm>
-      </p:grpSpPr>
-      <p:sp>
-        <p:nvSpPr>
-          <p:cNvPr id="89" name="Google Shape;89;p3"/>
-          <p:cNvSpPr txBox="1">
-            <a:spLocks noGrp="1"/>
-          </p:cNvSpPr>
-          <p:nvPr>
-            <p:ph type="title"/>
-          </p:nvPr>
-        </p:nvSpPr>
-        <p:spPr>
-          <a:prstGeom prst="rect">
-            <a:avLst/>
-          </a:prstGeom>
-          <a:noFill/>
-          <a:ln>
-            <a:noFill/>
-          </a:ln>
-        </p:spPr>
-        <p:txBody>
-          <a:bodyPr spcFirstLastPara="1" vert="horz" wrap="square" lIns="182851" tIns="91400" rIns="182851" bIns="91400" rtlCol="0" anchor="ctr" anchorCtr="0">
-            <a:noAutofit/>
-          </a:bodyPr>
-          <a:lstStyle/>
-          <a:p>
-            <a:pPr lvl="0">
-              <a:buSzPts val="3200"/>
-            </a:pPr>
-            <a:r>
-              <a:rPr lang="es-PE" dirty="0">
-                <a:solidFill>
-                  <a:schemeClr val="bg1"/>
-                </a:solidFill>
-              </a:rPr>
-              <a:t>Formulario web</a:t>
-            </a:r>
-            <a:endParaRPr dirty="0">
-              <a:solidFill>
-                <a:schemeClr val="bg1"/>
-              </a:solidFill>
-            </a:endParaRPr>
-          </a:p>
-        </p:txBody>
-      </p:sp>
-      <p:sp>
-        <p:nvSpPr>
-          <p:cNvPr id="90" name="Google Shape;90;p3"/>
-          <p:cNvSpPr txBox="1">
-            <a:spLocks noGrp="1"/>
-          </p:cNvSpPr>
-          <p:nvPr>
-            <p:ph type="body" idx="1"/>
-          </p:nvPr>
-        </p:nvSpPr>
-        <p:spPr>
-          <a:xfrm>
-            <a:off x="882036" y="2512663"/>
-            <a:ext cx="21971000" cy="8256012"/>
-          </a:xfrm>
-          <a:prstGeom prst="rect">
-            <a:avLst/>
-          </a:prstGeom>
-          <a:noFill/>
-          <a:ln>
-            <a:noFill/>
-          </a:ln>
-        </p:spPr>
-        <p:txBody>
-          <a:bodyPr spcFirstLastPara="1" vert="horz" wrap="square" lIns="182851" tIns="91400" rIns="182851" bIns="91400" rtlCol="0" anchor="t" anchorCtr="0">
-            <a:noAutofit/>
-          </a:bodyPr>
-          <a:lstStyle/>
-          <a:p>
-            <a:pPr lvl="0" algn="just"/>
-            <a:r>
-              <a:rPr lang="es-MX" sz="5200" dirty="0">
-                <a:solidFill>
-                  <a:schemeClr val="bg1"/>
-                </a:solidFill>
-                <a:latin typeface="+mj-lt"/>
-              </a:rPr>
-              <a:t>La etiqueta que delimita un formulario es la etiqueta </a:t>
-            </a:r>
-            <a:r>
-              <a:rPr lang="es-MX" sz="5200" b="1" dirty="0">
-                <a:solidFill>
-                  <a:schemeClr val="bg1"/>
-                </a:solidFill>
-                <a:latin typeface="+mj-lt"/>
-              </a:rPr>
-              <a:t>&lt;</a:t>
-            </a:r>
-            <a:r>
-              <a:rPr lang="es-MX" sz="5200" b="1" dirty="0" err="1">
-                <a:solidFill>
-                  <a:schemeClr val="bg1"/>
-                </a:solidFill>
-                <a:latin typeface="+mj-lt"/>
-              </a:rPr>
-              <a:t>form</a:t>
-            </a:r>
-            <a:r>
-              <a:rPr lang="es-MX" sz="5200" b="1" dirty="0">
-                <a:solidFill>
-                  <a:schemeClr val="bg1"/>
-                </a:solidFill>
-                <a:latin typeface="+mj-lt"/>
-              </a:rPr>
-              <a:t>&gt; ...&lt;/</a:t>
-            </a:r>
-            <a:r>
-              <a:rPr lang="es-MX" sz="5200" b="1" dirty="0" err="1">
-                <a:solidFill>
-                  <a:schemeClr val="bg1"/>
-                </a:solidFill>
-                <a:latin typeface="+mj-lt"/>
-              </a:rPr>
-              <a:t>form</a:t>
-            </a:r>
-            <a:r>
-              <a:rPr lang="es-MX" sz="5200" b="1" dirty="0">
-                <a:solidFill>
-                  <a:schemeClr val="bg1"/>
-                </a:solidFill>
-                <a:latin typeface="+mj-lt"/>
-              </a:rPr>
-              <a:t>&gt;.</a:t>
-            </a:r>
-            <a:r>
-              <a:rPr lang="es-MX" sz="5200" dirty="0">
-                <a:solidFill>
-                  <a:schemeClr val="bg1"/>
-                </a:solidFill>
-                <a:latin typeface="+mj-lt"/>
-              </a:rPr>
-              <a:t> Los atributos más importantes de la etiqueta &lt;</a:t>
-            </a:r>
-            <a:r>
-              <a:rPr lang="es-MX" sz="5200" dirty="0" err="1">
-                <a:solidFill>
-                  <a:schemeClr val="bg1"/>
-                </a:solidFill>
-                <a:latin typeface="+mj-lt"/>
-              </a:rPr>
-              <a:t>form</a:t>
-            </a:r>
-            <a:r>
-              <a:rPr lang="es-MX" sz="5200" dirty="0">
-                <a:solidFill>
-                  <a:schemeClr val="bg1"/>
-                </a:solidFill>
-                <a:latin typeface="+mj-lt"/>
-              </a:rPr>
-              <a:t>&gt; son:</a:t>
-            </a:r>
-          </a:p>
-          <a:p>
-            <a:pPr lvl="1" algn="just"/>
-            <a:r>
-              <a:rPr lang="es-MX" sz="5333" b="1" dirty="0" err="1">
-                <a:solidFill>
-                  <a:schemeClr val="bg1"/>
-                </a:solidFill>
-                <a:latin typeface="+mj-lt"/>
-              </a:rPr>
-              <a:t>action</a:t>
-            </a:r>
-            <a:r>
-              <a:rPr lang="es-MX" sz="5333" b="1" dirty="0">
-                <a:solidFill>
-                  <a:schemeClr val="bg1"/>
-                </a:solidFill>
-                <a:latin typeface="+mj-lt"/>
-              </a:rPr>
-              <a:t>: </a:t>
-            </a:r>
-            <a:r>
-              <a:rPr lang="es-MX" sz="5333" dirty="0">
-                <a:solidFill>
-                  <a:schemeClr val="bg1"/>
-                </a:solidFill>
-                <a:latin typeface="+mj-lt"/>
-              </a:rPr>
-              <a:t>contiene el nombre del agente que procesará los datos remitidos al servidor (por ejemplo, un script de PHP).</a:t>
-            </a:r>
-          </a:p>
-          <a:p>
-            <a:pPr lvl="1" algn="just"/>
-            <a:r>
-              <a:rPr lang="es-MX" sz="5333" b="1" dirty="0" err="1">
-                <a:solidFill>
-                  <a:schemeClr val="bg1"/>
-                </a:solidFill>
-                <a:latin typeface="+mj-lt"/>
-              </a:rPr>
-              <a:t>method</a:t>
-            </a:r>
-            <a:r>
-              <a:rPr lang="es-MX" sz="5333" b="1" dirty="0">
-                <a:solidFill>
-                  <a:schemeClr val="bg1"/>
-                </a:solidFill>
-                <a:latin typeface="+mj-lt"/>
-              </a:rPr>
-              <a:t>: </a:t>
-            </a:r>
-            <a:r>
-              <a:rPr lang="es-MX" sz="5333" dirty="0">
-                <a:solidFill>
-                  <a:schemeClr val="bg1"/>
-                </a:solidFill>
-                <a:latin typeface="+mj-lt"/>
-              </a:rPr>
-              <a:t>define la manera de enviar los datos al servidor. Los valores posibles son:</a:t>
-            </a:r>
-          </a:p>
-          <a:p>
-            <a:pPr lvl="2" algn="just"/>
-            <a:r>
-              <a:rPr lang="es-MX" b="1" dirty="0" err="1">
-                <a:solidFill>
-                  <a:schemeClr val="bg1"/>
-                </a:solidFill>
-                <a:latin typeface="+mj-lt"/>
-              </a:rPr>
-              <a:t>get</a:t>
-            </a:r>
-            <a:r>
-              <a:rPr lang="es-MX" b="1" dirty="0">
-                <a:solidFill>
-                  <a:schemeClr val="bg1"/>
-                </a:solidFill>
-                <a:latin typeface="+mj-lt"/>
-              </a:rPr>
-              <a:t>: </a:t>
-            </a:r>
-            <a:r>
-              <a:rPr lang="es-MX" dirty="0">
-                <a:solidFill>
-                  <a:schemeClr val="bg1"/>
-                </a:solidFill>
-                <a:latin typeface="+mj-lt"/>
-              </a:rPr>
-              <a:t>los valores enviados se añaden a la dirección indicada en el atributo </a:t>
-            </a:r>
-            <a:r>
-              <a:rPr lang="es-MX" dirty="0" err="1">
-                <a:solidFill>
-                  <a:schemeClr val="bg1"/>
-                </a:solidFill>
-                <a:latin typeface="+mj-lt"/>
-              </a:rPr>
-              <a:t>action</a:t>
-            </a:r>
-            <a:r>
-              <a:rPr lang="es-MX" dirty="0">
-                <a:solidFill>
-                  <a:schemeClr val="bg1"/>
-                </a:solidFill>
-                <a:latin typeface="+mj-lt"/>
-              </a:rPr>
-              <a:t>.</a:t>
-            </a:r>
-          </a:p>
-          <a:p>
-            <a:pPr lvl="2" algn="just"/>
-            <a:r>
-              <a:rPr lang="es-MX" b="1" dirty="0">
-                <a:solidFill>
-                  <a:schemeClr val="bg1"/>
-                </a:solidFill>
-                <a:latin typeface="+mj-lt"/>
-              </a:rPr>
-              <a:t>post: </a:t>
-            </a:r>
-            <a:r>
-              <a:rPr lang="es-MX" dirty="0">
-                <a:solidFill>
-                  <a:schemeClr val="bg1"/>
-                </a:solidFill>
-                <a:latin typeface="+mj-lt"/>
-              </a:rPr>
-              <a:t>los valores se envían de forma separada.</a:t>
-            </a:r>
-            <a:endParaRPr i="1" dirty="0">
-              <a:solidFill>
-                <a:schemeClr val="bg1"/>
-              </a:solidFill>
-              <a:latin typeface="+mj-lt"/>
-            </a:endParaRPr>
-          </a:p>
-        </p:txBody>
-      </p:sp>
-    </p:spTree>
-    <p:extLst>
-      <p:ext uri="{BB962C8B-B14F-4D97-AF65-F5344CB8AC3E}">
-        <p14:creationId xmlns:p14="http://schemas.microsoft.com/office/powerpoint/2010/main" val="2758954311"/>
-      </p:ext>
-    </p:extLst>
-  </p:cSld>
-  <p:clrMapOvr>
-    <a:masterClrMapping/>
-  </p:clrMapOvr>
-  <mc:AlternateContent xmlns:mc="http://schemas.openxmlformats.org/markup-compatibility/2006" xmlns:p14="http://schemas.microsoft.com/office/powerpoint/2010/main">
-    <mc:Choice Requires="p14">
-      <p:transition spd="med" p14:dur="700">
-        <p:fade/>
-      </p:transition>
-    </mc:Choice>
-    <mc:Fallback xmlns="">
-      <p:transition spd="med">
-        <p:fade/>
-      </p:transition>
-    </mc:Fallback>
-  </mc:AlternateContent>
-  <p:timing>
-    <p:tnLst>
-      <p:par>
-        <p:cTn id="1" dur="indefinite" restart="never" nodeType="tmRoot"/>
-      </p:par>
-    </p:tnLst>
-  </p:timing>
-</p:sld>
-</file>
-
-<file path=ppt/slides/slide33.xml><?xml version="1.0" encoding="utf-8"?>
-<p:sld xmlns:a="http://schemas.openxmlformats.org/drawingml/2006/main" xmlns:r="http://schemas.openxmlformats.org/officeDocument/2006/relationships" xmlns:p="http://schemas.openxmlformats.org/presentationml/2006/main">
-  <p:cSld>
-    <p:spTree>
-      <p:nvGrpSpPr>
-        <p:cNvPr id="1" name="Shape 88"/>
-        <p:cNvGrpSpPr/>
-        <p:nvPr/>
-      </p:nvGrpSpPr>
-      <p:grpSpPr>
-        <a:xfrm>
-          <a:off x="0" y="0"/>
-          <a:ext cx="0" cy="0"/>
-          <a:chOff x="0" y="0"/>
-          <a:chExt cx="0" cy="0"/>
-        </a:xfrm>
-      </p:grpSpPr>
-      <p:sp>
-        <p:nvSpPr>
-          <p:cNvPr id="89" name="Google Shape;89;p3"/>
-          <p:cNvSpPr txBox="1">
-            <a:spLocks noGrp="1"/>
-          </p:cNvSpPr>
-          <p:nvPr>
-            <p:ph type="title"/>
-          </p:nvPr>
-        </p:nvSpPr>
-        <p:spPr>
-          <a:prstGeom prst="rect">
-            <a:avLst/>
-          </a:prstGeom>
-          <a:noFill/>
-          <a:ln>
-            <a:noFill/>
-          </a:ln>
-        </p:spPr>
-        <p:txBody>
-          <a:bodyPr spcFirstLastPara="1" vert="horz" wrap="square" lIns="182851" tIns="91400" rIns="182851" bIns="91400" rtlCol="0" anchor="ctr" anchorCtr="0">
-            <a:noAutofit/>
-          </a:bodyPr>
-          <a:lstStyle/>
-          <a:p>
-            <a:pPr>
-              <a:lnSpc>
-                <a:spcPct val="90000"/>
-              </a:lnSpc>
-              <a:buClr>
-                <a:schemeClr val="lt1"/>
-              </a:buClr>
-              <a:buSzPts val="3200"/>
-            </a:pPr>
-            <a:r>
-              <a:rPr lang="es-PE" dirty="0" smtClean="0">
-                <a:solidFill>
-                  <a:schemeClr val="bg1"/>
-                </a:solidFill>
-              </a:rPr>
-              <a:t>Formulario web</a:t>
-            </a:r>
-            <a:endParaRPr dirty="0">
-              <a:solidFill>
-                <a:schemeClr val="bg1"/>
-              </a:solidFill>
-            </a:endParaRPr>
-          </a:p>
-        </p:txBody>
-      </p:sp>
-      <p:sp>
-        <p:nvSpPr>
-          <p:cNvPr id="90" name="Google Shape;90;p3"/>
-          <p:cNvSpPr txBox="1">
-            <a:spLocks noGrp="1"/>
-          </p:cNvSpPr>
-          <p:nvPr>
-            <p:ph type="body" idx="1"/>
-          </p:nvPr>
-        </p:nvSpPr>
-        <p:spPr>
-          <a:xfrm>
-            <a:off x="1206500" y="2512663"/>
-            <a:ext cx="21971000" cy="8256012"/>
-          </a:xfrm>
-          <a:prstGeom prst="rect">
-            <a:avLst/>
-          </a:prstGeom>
-          <a:noFill/>
-          <a:ln>
-            <a:noFill/>
-          </a:ln>
-        </p:spPr>
-        <p:txBody>
-          <a:bodyPr spcFirstLastPara="1" vert="horz" wrap="square" lIns="182851" tIns="91400" rIns="182851" bIns="91400" rtlCol="0" anchor="t" anchorCtr="0">
-            <a:normAutofit/>
-          </a:bodyPr>
-          <a:lstStyle/>
-          <a:p>
-            <a:pPr marL="0" indent="0" algn="just">
-              <a:buNone/>
-            </a:pPr>
-            <a:r>
-              <a:rPr lang="es-MX" sz="5200" dirty="0">
-                <a:solidFill>
-                  <a:schemeClr val="bg1"/>
-                </a:solidFill>
-                <a:latin typeface="+mj-lt"/>
-              </a:rPr>
-              <a:t>Ejemplo de </a:t>
-            </a:r>
-            <a:r>
-              <a:rPr lang="es-MX" sz="5200" b="1" dirty="0">
-                <a:solidFill>
-                  <a:schemeClr val="bg1"/>
-                </a:solidFill>
-                <a:latin typeface="+mj-lt"/>
-              </a:rPr>
-              <a:t>formulario HTML:</a:t>
-            </a:r>
-            <a:endParaRPr sz="5200" b="1" i="1" dirty="0">
-              <a:solidFill>
-                <a:schemeClr val="bg1"/>
-              </a:solidFill>
-              <a:latin typeface="+mj-lt"/>
-            </a:endParaRPr>
-          </a:p>
-        </p:txBody>
-      </p:sp>
-      <p:pic>
-        <p:nvPicPr>
-          <p:cNvPr id="2" name="Imagen 1"/>
-          <p:cNvPicPr>
-            <a:picLocks noChangeAspect="1"/>
-          </p:cNvPicPr>
-          <p:nvPr/>
-        </p:nvPicPr>
-        <p:blipFill>
-          <a:blip r:embed="rId3"/>
-          <a:stretch>
-            <a:fillRect/>
-          </a:stretch>
-        </p:blipFill>
-        <p:spPr>
-          <a:xfrm>
-            <a:off x="1822848" y="4957558"/>
-            <a:ext cx="10096501" cy="6438901"/>
-          </a:xfrm>
-          <a:prstGeom prst="rect">
-            <a:avLst/>
-          </a:prstGeom>
-        </p:spPr>
-      </p:pic>
-      <p:pic>
-        <p:nvPicPr>
-          <p:cNvPr id="4" name="Imagen 3"/>
-          <p:cNvPicPr>
-            <a:picLocks noChangeAspect="1"/>
-          </p:cNvPicPr>
-          <p:nvPr/>
-        </p:nvPicPr>
-        <p:blipFill>
-          <a:blip r:embed="rId4"/>
-          <a:stretch>
-            <a:fillRect/>
-          </a:stretch>
-        </p:blipFill>
-        <p:spPr>
-          <a:xfrm>
-            <a:off x="12536465" y="5043283"/>
-            <a:ext cx="10153651" cy="6267451"/>
-          </a:xfrm>
-          <a:prstGeom prst="rect">
-            <a:avLst/>
-          </a:prstGeom>
-        </p:spPr>
-      </p:pic>
-    </p:spTree>
-    <p:extLst>
-      <p:ext uri="{BB962C8B-B14F-4D97-AF65-F5344CB8AC3E}">
-        <p14:creationId xmlns:p14="http://schemas.microsoft.com/office/powerpoint/2010/main" val="2795048104"/>
-      </p:ext>
-    </p:extLst>
-  </p:cSld>
-  <p:clrMapOvr>
-    <a:masterClrMapping/>
-  </p:clrMapOvr>
-  <mc:AlternateContent xmlns:mc="http://schemas.openxmlformats.org/markup-compatibility/2006" xmlns:p14="http://schemas.microsoft.com/office/powerpoint/2010/main">
-    <mc:Choice Requires="p14">
-      <p:transition spd="med" p14:dur="700">
-        <p:fade/>
-      </p:transition>
-    </mc:Choice>
-    <mc:Fallback xmlns="">
-      <p:transition spd="med">
-        <p:fade/>
-      </p:transition>
-    </mc:Fallback>
-  </mc:AlternateContent>
-  <p:timing>
-    <p:tnLst>
-      <p:par>
-        <p:cTn id="1" dur="indefinite" restart="never" nodeType="tmRoot"/>
-      </p:par>
-    </p:tnLst>
-  </p:timing>
-</p:sld>
-</file>
-
-<file path=ppt/slides/slide34.xml><?xml version="1.0" encoding="utf-8"?>
-<p:sld xmlns:a="http://schemas.openxmlformats.org/drawingml/2006/main" xmlns:r="http://schemas.openxmlformats.org/officeDocument/2006/relationships" xmlns:p="http://schemas.openxmlformats.org/presentationml/2006/main">
-  <p:cSld>
-    <p:spTree>
-      <p:nvGrpSpPr>
-        <p:cNvPr id="1" name="Shape 88"/>
-        <p:cNvGrpSpPr/>
-        <p:nvPr/>
-      </p:nvGrpSpPr>
-      <p:grpSpPr>
-        <a:xfrm>
-          <a:off x="0" y="0"/>
-          <a:ext cx="0" cy="0"/>
-          <a:chOff x="0" y="0"/>
-          <a:chExt cx="0" cy="0"/>
-        </a:xfrm>
-      </p:grpSpPr>
-      <p:sp>
-        <p:nvSpPr>
-          <p:cNvPr id="89" name="Google Shape;89;p3"/>
-          <p:cNvSpPr txBox="1">
-            <a:spLocks noGrp="1"/>
-          </p:cNvSpPr>
-          <p:nvPr>
-            <p:ph type="title"/>
-          </p:nvPr>
-        </p:nvSpPr>
-        <p:spPr>
-          <a:prstGeom prst="rect">
-            <a:avLst/>
-          </a:prstGeom>
-          <a:noFill/>
-          <a:ln>
-            <a:noFill/>
-          </a:ln>
-        </p:spPr>
-        <p:txBody>
-          <a:bodyPr spcFirstLastPara="1" vert="horz" wrap="square" lIns="182851" tIns="91400" rIns="182851" bIns="91400" rtlCol="0" anchor="ctr" anchorCtr="0">
-            <a:noAutofit/>
-          </a:bodyPr>
-          <a:lstStyle/>
-          <a:p>
-            <a:pPr lvl="0">
-              <a:buSzPts val="3200"/>
-            </a:pPr>
-            <a:r>
-              <a:rPr lang="es-PE" dirty="0" smtClean="0">
-                <a:solidFill>
-                  <a:schemeClr val="bg1"/>
-                </a:solidFill>
-              </a:rPr>
-              <a:t>Controles básicos</a:t>
-            </a:r>
-            <a:endParaRPr dirty="0">
-              <a:solidFill>
-                <a:schemeClr val="bg1"/>
-              </a:solidFill>
-            </a:endParaRPr>
-          </a:p>
-        </p:txBody>
-      </p:sp>
-      <p:sp>
-        <p:nvSpPr>
-          <p:cNvPr id="90" name="Google Shape;90;p3"/>
-          <p:cNvSpPr txBox="1">
-            <a:spLocks noGrp="1"/>
-          </p:cNvSpPr>
-          <p:nvPr>
-            <p:ph type="body" idx="1"/>
-          </p:nvPr>
-        </p:nvSpPr>
-        <p:spPr>
-          <a:xfrm>
-            <a:off x="1206500" y="2512663"/>
-            <a:ext cx="21971000" cy="8256012"/>
-          </a:xfrm>
-          <a:prstGeom prst="rect">
-            <a:avLst/>
-          </a:prstGeom>
-          <a:noFill/>
-          <a:ln>
-            <a:noFill/>
-          </a:ln>
-        </p:spPr>
-        <p:txBody>
-          <a:bodyPr spcFirstLastPara="1" vert="horz" wrap="square" lIns="182851" tIns="91400" rIns="182851" bIns="91400" rtlCol="0" anchor="t" anchorCtr="0">
-            <a:noAutofit/>
-          </a:bodyPr>
-          <a:lstStyle/>
-          <a:p>
-            <a:pPr marL="0" indent="0" algn="just">
-              <a:buNone/>
-            </a:pPr>
-            <a:r>
-              <a:rPr lang="es-MX" sz="5200" b="1" dirty="0">
-                <a:solidFill>
-                  <a:schemeClr val="bg1"/>
-                </a:solidFill>
-                <a:latin typeface="+mj-lt"/>
-              </a:rPr>
-              <a:t>Cuadro de Texto </a:t>
-            </a:r>
-            <a:r>
-              <a:rPr lang="es-PE" b="1" dirty="0">
-                <a:solidFill>
-                  <a:schemeClr val="bg1"/>
-                </a:solidFill>
-              </a:rPr>
-              <a:t>&lt;input </a:t>
-            </a:r>
-            <a:r>
-              <a:rPr lang="es-PE" b="1" dirty="0" err="1">
-                <a:solidFill>
-                  <a:schemeClr val="bg1"/>
-                </a:solidFill>
-              </a:rPr>
-              <a:t>type</a:t>
-            </a:r>
-            <a:r>
-              <a:rPr lang="es-PE" b="1" dirty="0">
-                <a:solidFill>
-                  <a:schemeClr val="bg1"/>
-                </a:solidFill>
-              </a:rPr>
-              <a:t>="</a:t>
-            </a:r>
-            <a:r>
-              <a:rPr lang="es-PE" b="1" dirty="0" err="1">
-                <a:solidFill>
-                  <a:schemeClr val="bg1"/>
-                </a:solidFill>
-              </a:rPr>
-              <a:t>text</a:t>
-            </a:r>
-            <a:r>
-              <a:rPr lang="es-PE" b="1" dirty="0" smtClean="0">
-                <a:solidFill>
-                  <a:schemeClr val="bg1"/>
-                </a:solidFill>
-              </a:rPr>
-              <a:t>"&gt;</a:t>
-            </a:r>
-            <a:r>
-              <a:rPr lang="es-MX" sz="5200" b="1" dirty="0">
-                <a:solidFill>
-                  <a:schemeClr val="bg1"/>
-                </a:solidFill>
-                <a:latin typeface="+mj-lt"/>
-              </a:rPr>
-              <a:t>: </a:t>
-            </a:r>
-            <a:r>
-              <a:rPr lang="es-MX" sz="5200" dirty="0">
-                <a:solidFill>
-                  <a:schemeClr val="bg1"/>
-                </a:solidFill>
-                <a:latin typeface="+mj-lt"/>
-              </a:rPr>
-              <a:t>Las cajas de texto de una sola línea se crean mediante una etiqueta </a:t>
-            </a:r>
-            <a:r>
-              <a:rPr lang="es-MX" sz="5200" b="1" dirty="0">
-                <a:solidFill>
-                  <a:schemeClr val="bg1"/>
-                </a:solidFill>
-                <a:latin typeface="+mj-lt"/>
-              </a:rPr>
-              <a:t>&lt;input&gt; </a:t>
-            </a:r>
-            <a:r>
-              <a:rPr lang="es-MX" sz="5200" dirty="0">
-                <a:solidFill>
-                  <a:schemeClr val="bg1"/>
-                </a:solidFill>
-                <a:latin typeface="+mj-lt"/>
-              </a:rPr>
-              <a:t>cuyo atributo </a:t>
-            </a:r>
-            <a:r>
-              <a:rPr lang="es-MX" sz="5200" b="1" dirty="0" err="1">
-                <a:solidFill>
-                  <a:schemeClr val="bg1"/>
-                </a:solidFill>
-                <a:latin typeface="+mj-lt"/>
-              </a:rPr>
-              <a:t>type</a:t>
-            </a:r>
-            <a:r>
-              <a:rPr lang="es-MX" sz="5200" dirty="0">
-                <a:solidFill>
-                  <a:schemeClr val="bg1"/>
-                </a:solidFill>
-                <a:latin typeface="+mj-lt"/>
-              </a:rPr>
-              <a:t> tiene el valor “</a:t>
-            </a:r>
-            <a:r>
-              <a:rPr lang="es-MX" sz="5200" b="1" dirty="0" err="1">
-                <a:solidFill>
-                  <a:schemeClr val="bg1"/>
-                </a:solidFill>
-                <a:latin typeface="+mj-lt"/>
-              </a:rPr>
-              <a:t>text</a:t>
-            </a:r>
-            <a:r>
-              <a:rPr lang="es-MX" sz="5200" b="1" dirty="0">
-                <a:solidFill>
-                  <a:schemeClr val="bg1"/>
-                </a:solidFill>
-                <a:latin typeface="+mj-lt"/>
-              </a:rPr>
-              <a:t>”</a:t>
-            </a:r>
-            <a:r>
-              <a:rPr lang="es-MX" sz="5200" dirty="0">
-                <a:solidFill>
-                  <a:schemeClr val="bg1"/>
-                </a:solidFill>
-                <a:latin typeface="+mj-lt"/>
-              </a:rPr>
-              <a:t>.</a:t>
-            </a:r>
-            <a:endParaRPr i="1" dirty="0">
-              <a:solidFill>
-                <a:schemeClr val="bg1"/>
-              </a:solidFill>
-              <a:latin typeface="+mj-lt"/>
-            </a:endParaRPr>
-          </a:p>
-        </p:txBody>
-      </p:sp>
-      <p:pic>
-        <p:nvPicPr>
-          <p:cNvPr id="2" name="Imagen 1"/>
-          <p:cNvPicPr>
-            <a:picLocks noChangeAspect="1"/>
-          </p:cNvPicPr>
-          <p:nvPr/>
-        </p:nvPicPr>
-        <p:blipFill>
-          <a:blip r:embed="rId3"/>
-          <a:stretch>
-            <a:fillRect/>
-          </a:stretch>
-        </p:blipFill>
-        <p:spPr>
-          <a:xfrm>
-            <a:off x="2716881" y="7709060"/>
-            <a:ext cx="19990723" cy="2190749"/>
-          </a:xfrm>
-          <a:prstGeom prst="rect">
-            <a:avLst/>
-          </a:prstGeom>
-        </p:spPr>
-      </p:pic>
-    </p:spTree>
-    <p:extLst>
-      <p:ext uri="{BB962C8B-B14F-4D97-AF65-F5344CB8AC3E}">
-        <p14:creationId xmlns:p14="http://schemas.microsoft.com/office/powerpoint/2010/main" val="1016299542"/>
-      </p:ext>
-    </p:extLst>
-  </p:cSld>
-  <p:clrMapOvr>
-    <a:masterClrMapping/>
-  </p:clrMapOvr>
-  <mc:AlternateContent xmlns:mc="http://schemas.openxmlformats.org/markup-compatibility/2006" xmlns:p14="http://schemas.microsoft.com/office/powerpoint/2010/main">
-    <mc:Choice Requires="p14">
-      <p:transition spd="med" p14:dur="700">
-        <p:fade/>
-      </p:transition>
-    </mc:Choice>
-    <mc:Fallback xmlns="">
-      <p:transition spd="med">
-        <p:fade/>
-      </p:transition>
-    </mc:Fallback>
-  </mc:AlternateContent>
-  <p:timing>
-    <p:tnLst>
-      <p:par>
-        <p:cTn id="1" dur="indefinite" restart="never" nodeType="tmRoot"/>
-      </p:par>
-    </p:tnLst>
-  </p:timing>
-</p:sld>
-</file>
-
-<file path=ppt/slides/slide35.xml><?xml version="1.0" encoding="utf-8"?>
-<p:sld xmlns:a="http://schemas.openxmlformats.org/drawingml/2006/main" xmlns:r="http://schemas.openxmlformats.org/officeDocument/2006/relationships" xmlns:p="http://schemas.openxmlformats.org/presentationml/2006/main">
-  <p:cSld>
-    <p:spTree>
-      <p:nvGrpSpPr>
-        <p:cNvPr id="1" name="Shape 88"/>
-        <p:cNvGrpSpPr/>
-        <p:nvPr/>
-      </p:nvGrpSpPr>
-      <p:grpSpPr>
-        <a:xfrm>
-          <a:off x="0" y="0"/>
-          <a:ext cx="0" cy="0"/>
-          <a:chOff x="0" y="0"/>
-          <a:chExt cx="0" cy="0"/>
-        </a:xfrm>
-      </p:grpSpPr>
-      <p:sp>
-        <p:nvSpPr>
-          <p:cNvPr id="89" name="Google Shape;89;p3"/>
-          <p:cNvSpPr txBox="1">
-            <a:spLocks noGrp="1"/>
-          </p:cNvSpPr>
-          <p:nvPr>
-            <p:ph type="title"/>
-          </p:nvPr>
-        </p:nvSpPr>
-        <p:spPr>
-          <a:prstGeom prst="rect">
-            <a:avLst/>
-          </a:prstGeom>
-          <a:noFill/>
-          <a:ln>
-            <a:noFill/>
-          </a:ln>
-        </p:spPr>
-        <p:txBody>
-          <a:bodyPr spcFirstLastPara="1" vert="horz" wrap="square" lIns="182851" tIns="91400" rIns="182851" bIns="91400" rtlCol="0" anchor="ctr" anchorCtr="0">
-            <a:noAutofit/>
-          </a:bodyPr>
-          <a:lstStyle/>
-          <a:p>
-            <a:pPr lvl="0">
-              <a:buSzPts val="3200"/>
-            </a:pPr>
-            <a:r>
-              <a:rPr lang="es-PE" dirty="0">
-                <a:solidFill>
-                  <a:schemeClr val="bg1"/>
-                </a:solidFill>
-              </a:rPr>
-              <a:t>Controles básicos</a:t>
-            </a:r>
-            <a:endParaRPr dirty="0">
-              <a:solidFill>
-                <a:schemeClr val="bg1"/>
-              </a:solidFill>
-            </a:endParaRPr>
-          </a:p>
-        </p:txBody>
-      </p:sp>
-      <p:sp>
-        <p:nvSpPr>
-          <p:cNvPr id="90" name="Google Shape;90;p3"/>
-          <p:cNvSpPr txBox="1">
-            <a:spLocks noGrp="1"/>
-          </p:cNvSpPr>
-          <p:nvPr>
-            <p:ph type="body" idx="1"/>
-          </p:nvPr>
-        </p:nvSpPr>
-        <p:spPr>
-          <a:xfrm>
-            <a:off x="1206500" y="3216117"/>
-            <a:ext cx="21971000" cy="8256012"/>
-          </a:xfrm>
-          <a:prstGeom prst="rect">
-            <a:avLst/>
-          </a:prstGeom>
-          <a:noFill/>
-          <a:ln>
-            <a:noFill/>
-          </a:ln>
-        </p:spPr>
-        <p:txBody>
-          <a:bodyPr spcFirstLastPara="1" vert="horz" wrap="square" lIns="182851" tIns="91400" rIns="182851" bIns="91400" rtlCol="0" anchor="t" anchorCtr="0">
-            <a:noAutofit/>
-          </a:bodyPr>
-          <a:lstStyle/>
-          <a:p>
-            <a:pPr marL="0" indent="0" algn="just">
-              <a:buNone/>
-            </a:pPr>
-            <a:r>
-              <a:rPr lang="es-MX" sz="5200" b="1" dirty="0">
-                <a:solidFill>
-                  <a:schemeClr val="bg1"/>
-                </a:solidFill>
-                <a:latin typeface="+mj-lt"/>
-              </a:rPr>
-              <a:t>Cuadro de texto de Contraseña: &lt;input </a:t>
-            </a:r>
-            <a:r>
-              <a:rPr lang="es-MX" sz="5200" b="1" dirty="0" err="1">
-                <a:solidFill>
-                  <a:schemeClr val="bg1"/>
-                </a:solidFill>
-                <a:latin typeface="+mj-lt"/>
-              </a:rPr>
-              <a:t>type</a:t>
-            </a:r>
-            <a:r>
-              <a:rPr lang="es-MX" sz="5200" b="1" dirty="0">
-                <a:solidFill>
-                  <a:schemeClr val="bg1"/>
-                </a:solidFill>
-                <a:latin typeface="+mj-lt"/>
-              </a:rPr>
-              <a:t>="</a:t>
-            </a:r>
-            <a:r>
-              <a:rPr lang="es-MX" sz="5200" b="1" dirty="0" err="1">
-                <a:solidFill>
-                  <a:schemeClr val="bg1"/>
-                </a:solidFill>
-                <a:latin typeface="+mj-lt"/>
-              </a:rPr>
-              <a:t>password</a:t>
-            </a:r>
-            <a:r>
-              <a:rPr lang="es-MX" sz="5200" b="1" dirty="0">
-                <a:solidFill>
-                  <a:schemeClr val="bg1"/>
-                </a:solidFill>
-                <a:latin typeface="+mj-lt"/>
-              </a:rPr>
-              <a:t>"&gt;: </a:t>
-            </a:r>
-            <a:r>
-              <a:rPr lang="es-MX" sz="5200" dirty="0">
-                <a:solidFill>
-                  <a:schemeClr val="bg1"/>
-                </a:solidFill>
-                <a:latin typeface="+mj-lt"/>
-              </a:rPr>
-              <a:t>Las cajas de texto de una sola línea específicas para contraseñas se crean mediante una etiqueta </a:t>
-            </a:r>
-            <a:r>
-              <a:rPr lang="es-MX" sz="5200" b="1" dirty="0">
-                <a:solidFill>
-                  <a:schemeClr val="bg1"/>
-                </a:solidFill>
-                <a:latin typeface="+mj-lt"/>
-              </a:rPr>
-              <a:t>&lt;input&gt; </a:t>
-            </a:r>
-            <a:r>
-              <a:rPr lang="es-MX" sz="5200" dirty="0">
-                <a:solidFill>
-                  <a:schemeClr val="bg1"/>
-                </a:solidFill>
-                <a:latin typeface="+mj-lt"/>
-              </a:rPr>
-              <a:t>cuyo atributo </a:t>
-            </a:r>
-            <a:r>
-              <a:rPr lang="es-MX" sz="5200" b="1" dirty="0" err="1">
-                <a:solidFill>
-                  <a:schemeClr val="bg1"/>
-                </a:solidFill>
-                <a:latin typeface="+mj-lt"/>
-              </a:rPr>
-              <a:t>type</a:t>
-            </a:r>
-            <a:r>
-              <a:rPr lang="es-MX" sz="5200" dirty="0">
-                <a:solidFill>
-                  <a:schemeClr val="bg1"/>
-                </a:solidFill>
-                <a:latin typeface="+mj-lt"/>
-              </a:rPr>
-              <a:t> tiene el valor “</a:t>
-            </a:r>
-            <a:r>
-              <a:rPr lang="es-MX" sz="5200" b="1" dirty="0" err="1">
-                <a:solidFill>
-                  <a:schemeClr val="bg1"/>
-                </a:solidFill>
-                <a:latin typeface="+mj-lt"/>
-              </a:rPr>
-              <a:t>password</a:t>
-            </a:r>
-            <a:r>
-              <a:rPr lang="es-MX" sz="5200" b="1" dirty="0">
-                <a:solidFill>
-                  <a:schemeClr val="bg1"/>
-                </a:solidFill>
-                <a:latin typeface="+mj-lt"/>
-              </a:rPr>
-              <a:t>”.</a:t>
-            </a:r>
-            <a:endParaRPr b="1" i="1" dirty="0">
-              <a:solidFill>
-                <a:schemeClr val="bg1"/>
-              </a:solidFill>
-              <a:latin typeface="+mj-lt"/>
-            </a:endParaRPr>
-          </a:p>
-        </p:txBody>
-      </p:sp>
-      <p:pic>
-        <p:nvPicPr>
-          <p:cNvPr id="3" name="Imagen 2"/>
-          <p:cNvPicPr>
-            <a:picLocks noChangeAspect="1"/>
-          </p:cNvPicPr>
-          <p:nvPr/>
-        </p:nvPicPr>
-        <p:blipFill>
-          <a:blip r:embed="rId3"/>
-          <a:stretch>
-            <a:fillRect/>
-          </a:stretch>
-        </p:blipFill>
-        <p:spPr>
-          <a:xfrm>
-            <a:off x="2565537" y="7999268"/>
-            <a:ext cx="20142067" cy="2095501"/>
-          </a:xfrm>
-          <a:prstGeom prst="rect">
-            <a:avLst/>
-          </a:prstGeom>
-        </p:spPr>
-      </p:pic>
-    </p:spTree>
-    <p:extLst>
-      <p:ext uri="{BB962C8B-B14F-4D97-AF65-F5344CB8AC3E}">
-        <p14:creationId xmlns:p14="http://schemas.microsoft.com/office/powerpoint/2010/main" val="3500241460"/>
-      </p:ext>
-    </p:extLst>
-  </p:cSld>
-  <p:clrMapOvr>
-    <a:masterClrMapping/>
-  </p:clrMapOvr>
-  <mc:AlternateContent xmlns:mc="http://schemas.openxmlformats.org/markup-compatibility/2006" xmlns:p14="http://schemas.microsoft.com/office/powerpoint/2010/main">
-    <mc:Choice Requires="p14">
-      <p:transition spd="med" p14:dur="700">
-        <p:fade/>
-      </p:transition>
-    </mc:Choice>
-    <mc:Fallback xmlns="">
-      <p:transition spd="med">
-        <p:fade/>
-      </p:transition>
-    </mc:Fallback>
-  </mc:AlternateContent>
-  <p:timing>
-    <p:tnLst>
-      <p:par>
-        <p:cTn id="1" dur="indefinite" restart="never" nodeType="tmRoot"/>
-      </p:par>
-    </p:tnLst>
-  </p:timing>
-</p:sld>
-</file>
-
-<file path=ppt/slides/slide36.xml><?xml version="1.0" encoding="utf-8"?>
-<p:sld xmlns:a="http://schemas.openxmlformats.org/drawingml/2006/main" xmlns:r="http://schemas.openxmlformats.org/officeDocument/2006/relationships" xmlns:p="http://schemas.openxmlformats.org/presentationml/2006/main">
-  <p:cSld>
-    <p:spTree>
-      <p:nvGrpSpPr>
-        <p:cNvPr id="1" name="Shape 88"/>
-        <p:cNvGrpSpPr/>
-        <p:nvPr/>
-      </p:nvGrpSpPr>
-      <p:grpSpPr>
-        <a:xfrm>
-          <a:off x="0" y="0"/>
-          <a:ext cx="0" cy="0"/>
-          <a:chOff x="0" y="0"/>
-          <a:chExt cx="0" cy="0"/>
-        </a:xfrm>
-      </p:grpSpPr>
-      <p:sp>
-        <p:nvSpPr>
-          <p:cNvPr id="89" name="Google Shape;89;p3"/>
-          <p:cNvSpPr txBox="1">
-            <a:spLocks noGrp="1"/>
-          </p:cNvSpPr>
-          <p:nvPr>
-            <p:ph type="title"/>
-          </p:nvPr>
-        </p:nvSpPr>
-        <p:spPr>
-          <a:prstGeom prst="rect">
-            <a:avLst/>
-          </a:prstGeom>
-          <a:noFill/>
-          <a:ln>
-            <a:noFill/>
-          </a:ln>
-        </p:spPr>
-        <p:txBody>
-          <a:bodyPr spcFirstLastPara="1" vert="horz" wrap="square" lIns="182851" tIns="91400" rIns="182851" bIns="91400" rtlCol="0" anchor="ctr" anchorCtr="0">
-            <a:noAutofit/>
-          </a:bodyPr>
-          <a:lstStyle/>
-          <a:p>
-            <a:pPr lvl="0">
-              <a:buSzPts val="3200"/>
-            </a:pPr>
-            <a:r>
-              <a:rPr lang="es-PE" dirty="0">
-                <a:solidFill>
-                  <a:schemeClr val="bg1"/>
-                </a:solidFill>
-              </a:rPr>
-              <a:t>Controles básicos</a:t>
-            </a:r>
-            <a:endParaRPr dirty="0">
-              <a:solidFill>
-                <a:schemeClr val="bg1"/>
-              </a:solidFill>
-            </a:endParaRPr>
-          </a:p>
-        </p:txBody>
-      </p:sp>
-      <p:sp>
-        <p:nvSpPr>
-          <p:cNvPr id="90" name="Google Shape;90;p3"/>
-          <p:cNvSpPr txBox="1">
-            <a:spLocks noGrp="1"/>
-          </p:cNvSpPr>
-          <p:nvPr>
-            <p:ph type="body" idx="1"/>
-          </p:nvPr>
-        </p:nvSpPr>
-        <p:spPr>
-          <a:xfrm>
-            <a:off x="1183081" y="2512663"/>
-            <a:ext cx="21971000" cy="8256012"/>
-          </a:xfrm>
-          <a:prstGeom prst="rect">
-            <a:avLst/>
-          </a:prstGeom>
-          <a:noFill/>
-          <a:ln>
-            <a:noFill/>
-          </a:ln>
-        </p:spPr>
-        <p:txBody>
-          <a:bodyPr spcFirstLastPara="1" vert="horz" wrap="square" lIns="182851" tIns="91400" rIns="182851" bIns="91400" rtlCol="0" anchor="t" anchorCtr="0">
-            <a:noAutofit/>
-          </a:bodyPr>
-          <a:lstStyle/>
-          <a:p>
-            <a:pPr marL="0" indent="0" algn="just">
-              <a:buNone/>
-            </a:pPr>
-            <a:r>
-              <a:rPr lang="es-MX" sz="5200" b="1" dirty="0">
-                <a:solidFill>
-                  <a:schemeClr val="bg1"/>
-                </a:solidFill>
-                <a:latin typeface="+mj-lt"/>
-              </a:rPr>
-              <a:t>Cuadro de texto de Numérico: &lt;input </a:t>
-            </a:r>
-            <a:r>
-              <a:rPr lang="es-MX" sz="5200" b="1" dirty="0" err="1">
-                <a:solidFill>
-                  <a:schemeClr val="bg1"/>
-                </a:solidFill>
-                <a:latin typeface="+mj-lt"/>
-              </a:rPr>
-              <a:t>type</a:t>
-            </a:r>
-            <a:r>
-              <a:rPr lang="es-MX" sz="5200" b="1" dirty="0">
-                <a:solidFill>
-                  <a:schemeClr val="bg1"/>
-                </a:solidFill>
-                <a:latin typeface="+mj-lt"/>
-              </a:rPr>
-              <a:t>=“</a:t>
-            </a:r>
-            <a:r>
-              <a:rPr lang="es-MX" sz="5200" b="1" dirty="0" err="1">
-                <a:solidFill>
-                  <a:schemeClr val="bg1"/>
-                </a:solidFill>
-                <a:latin typeface="+mj-lt"/>
-              </a:rPr>
-              <a:t>number</a:t>
-            </a:r>
-            <a:r>
-              <a:rPr lang="es-MX" sz="5200" b="1" dirty="0">
-                <a:solidFill>
-                  <a:schemeClr val="bg1"/>
-                </a:solidFill>
-                <a:latin typeface="+mj-lt"/>
-              </a:rPr>
-              <a:t>"&gt;: </a:t>
-            </a:r>
-            <a:r>
-              <a:rPr lang="es-MX" sz="5200" dirty="0">
-                <a:solidFill>
-                  <a:schemeClr val="bg1"/>
-                </a:solidFill>
-                <a:latin typeface="+mj-lt"/>
-              </a:rPr>
-              <a:t>Las cajas de texto de una sola línea específicas para números se crean mediante una etiqueta </a:t>
-            </a:r>
-            <a:r>
-              <a:rPr lang="es-MX" sz="5200" b="1" dirty="0">
-                <a:solidFill>
-                  <a:schemeClr val="bg1"/>
-                </a:solidFill>
-                <a:latin typeface="+mj-lt"/>
-              </a:rPr>
-              <a:t>&lt;input&gt; </a:t>
-            </a:r>
-            <a:r>
-              <a:rPr lang="es-MX" sz="5200" dirty="0">
-                <a:solidFill>
-                  <a:schemeClr val="bg1"/>
-                </a:solidFill>
-                <a:latin typeface="+mj-lt"/>
-              </a:rPr>
-              <a:t>cuyo atributo </a:t>
-            </a:r>
-            <a:r>
-              <a:rPr lang="es-MX" sz="5200" b="1" dirty="0" err="1">
-                <a:solidFill>
-                  <a:schemeClr val="bg1"/>
-                </a:solidFill>
-                <a:latin typeface="+mj-lt"/>
-              </a:rPr>
-              <a:t>type</a:t>
-            </a:r>
-            <a:r>
-              <a:rPr lang="es-MX" sz="5200" dirty="0">
-                <a:solidFill>
-                  <a:schemeClr val="bg1"/>
-                </a:solidFill>
-                <a:latin typeface="+mj-lt"/>
-              </a:rPr>
-              <a:t> tiene el valor</a:t>
-            </a:r>
-            <a:r>
-              <a:rPr lang="es-MX" sz="5200" b="1" dirty="0">
-                <a:solidFill>
-                  <a:schemeClr val="bg1"/>
-                </a:solidFill>
-                <a:latin typeface="+mj-lt"/>
-              </a:rPr>
-              <a:t> “</a:t>
-            </a:r>
-            <a:r>
-              <a:rPr lang="es-MX" sz="5200" b="1" dirty="0" err="1">
-                <a:solidFill>
-                  <a:schemeClr val="bg1"/>
-                </a:solidFill>
-                <a:latin typeface="+mj-lt"/>
-              </a:rPr>
-              <a:t>number</a:t>
-            </a:r>
-            <a:r>
-              <a:rPr lang="es-MX" sz="5200" b="1" dirty="0">
-                <a:solidFill>
-                  <a:schemeClr val="bg1"/>
-                </a:solidFill>
-                <a:latin typeface="+mj-lt"/>
-              </a:rPr>
-              <a:t>”. </a:t>
-            </a:r>
-            <a:r>
-              <a:rPr lang="es-MX" sz="5200" dirty="0">
-                <a:solidFill>
-                  <a:schemeClr val="bg1"/>
-                </a:solidFill>
-                <a:latin typeface="+mj-lt"/>
-              </a:rPr>
-              <a:t>En principio, los valores admitidos por el control son números enteros.</a:t>
-            </a:r>
-            <a:endParaRPr b="1" i="1" dirty="0">
-              <a:solidFill>
-                <a:schemeClr val="bg1"/>
-              </a:solidFill>
-              <a:latin typeface="+mj-lt"/>
-            </a:endParaRPr>
-          </a:p>
-        </p:txBody>
-      </p:sp>
-      <p:pic>
-        <p:nvPicPr>
-          <p:cNvPr id="2" name="Imagen 1"/>
-          <p:cNvPicPr>
-            <a:picLocks noChangeAspect="1"/>
-          </p:cNvPicPr>
-          <p:nvPr/>
-        </p:nvPicPr>
-        <p:blipFill>
-          <a:blip r:embed="rId3"/>
-          <a:stretch>
-            <a:fillRect/>
-          </a:stretch>
-        </p:blipFill>
-        <p:spPr>
-          <a:xfrm>
-            <a:off x="2660787" y="8408168"/>
-            <a:ext cx="20046816" cy="2152651"/>
-          </a:xfrm>
-          <a:prstGeom prst="rect">
-            <a:avLst/>
-          </a:prstGeom>
-        </p:spPr>
-      </p:pic>
-    </p:spTree>
-    <p:extLst>
-      <p:ext uri="{BB962C8B-B14F-4D97-AF65-F5344CB8AC3E}">
-        <p14:creationId xmlns:p14="http://schemas.microsoft.com/office/powerpoint/2010/main" val="3345909772"/>
-      </p:ext>
-    </p:extLst>
-  </p:cSld>
-  <p:clrMapOvr>
-    <a:masterClrMapping/>
-  </p:clrMapOvr>
-  <mc:AlternateContent xmlns:mc="http://schemas.openxmlformats.org/markup-compatibility/2006" xmlns:p14="http://schemas.microsoft.com/office/powerpoint/2010/main">
-    <mc:Choice Requires="p14">
-      <p:transition spd="med" p14:dur="700">
-        <p:fade/>
-      </p:transition>
-    </mc:Choice>
-    <mc:Fallback xmlns="">
-      <p:transition spd="med">
-        <p:fade/>
-      </p:transition>
-    </mc:Fallback>
-  </mc:AlternateContent>
-  <p:timing>
-    <p:tnLst>
-      <p:par>
-        <p:cTn id="1" dur="indefinite" restart="never" nodeType="tmRoot"/>
-      </p:par>
-    </p:tnLst>
-  </p:timing>
-</p:sld>
-</file>
-
-<file path=ppt/slides/slide37.xml><?xml version="1.0" encoding="utf-8"?>
-<p:sld xmlns:a="http://schemas.openxmlformats.org/drawingml/2006/main" xmlns:r="http://schemas.openxmlformats.org/officeDocument/2006/relationships" xmlns:p="http://schemas.openxmlformats.org/presentationml/2006/main">
-  <p:cSld>
-    <p:spTree>
-      <p:nvGrpSpPr>
-        <p:cNvPr id="1" name="Shape 88"/>
-        <p:cNvGrpSpPr/>
-        <p:nvPr/>
-      </p:nvGrpSpPr>
-      <p:grpSpPr>
-        <a:xfrm>
-          <a:off x="0" y="0"/>
-          <a:ext cx="0" cy="0"/>
-          <a:chOff x="0" y="0"/>
-          <a:chExt cx="0" cy="0"/>
-        </a:xfrm>
-      </p:grpSpPr>
-      <p:sp>
-        <p:nvSpPr>
-          <p:cNvPr id="89" name="Google Shape;89;p3"/>
-          <p:cNvSpPr txBox="1">
-            <a:spLocks noGrp="1"/>
-          </p:cNvSpPr>
-          <p:nvPr>
-            <p:ph type="title"/>
-          </p:nvPr>
-        </p:nvSpPr>
-        <p:spPr>
-          <a:prstGeom prst="rect">
-            <a:avLst/>
-          </a:prstGeom>
-          <a:noFill/>
-          <a:ln>
-            <a:noFill/>
-          </a:ln>
-        </p:spPr>
-        <p:txBody>
-          <a:bodyPr spcFirstLastPara="1" vert="horz" wrap="square" lIns="182851" tIns="91400" rIns="182851" bIns="91400" rtlCol="0" anchor="ctr" anchorCtr="0">
-            <a:noAutofit/>
-          </a:bodyPr>
-          <a:lstStyle/>
-          <a:p>
-            <a:pPr lvl="0">
-              <a:buSzPts val="3200"/>
-            </a:pPr>
-            <a:r>
-              <a:rPr lang="es-PE" dirty="0">
-                <a:solidFill>
-                  <a:schemeClr val="bg1"/>
-                </a:solidFill>
-              </a:rPr>
-              <a:t>Controles básicos</a:t>
-            </a:r>
-            <a:endParaRPr dirty="0">
-              <a:solidFill>
-                <a:schemeClr val="bg1"/>
-              </a:solidFill>
-            </a:endParaRPr>
-          </a:p>
-        </p:txBody>
-      </p:sp>
-      <p:sp>
-        <p:nvSpPr>
-          <p:cNvPr id="90" name="Google Shape;90;p3"/>
-          <p:cNvSpPr txBox="1">
-            <a:spLocks noGrp="1"/>
-          </p:cNvSpPr>
-          <p:nvPr>
-            <p:ph type="body" idx="1"/>
-          </p:nvPr>
-        </p:nvSpPr>
-        <p:spPr>
-          <a:xfrm>
-            <a:off x="1206500" y="2773665"/>
-            <a:ext cx="21971000" cy="8256012"/>
-          </a:xfrm>
-          <a:prstGeom prst="rect">
-            <a:avLst/>
-          </a:prstGeom>
-          <a:noFill/>
-          <a:ln>
-            <a:noFill/>
-          </a:ln>
-        </p:spPr>
-        <p:txBody>
-          <a:bodyPr spcFirstLastPara="1" vert="horz" wrap="square" lIns="182851" tIns="91400" rIns="182851" bIns="91400" rtlCol="0" anchor="t" anchorCtr="0">
-            <a:noAutofit/>
-          </a:bodyPr>
-          <a:lstStyle/>
-          <a:p>
-            <a:pPr marL="0" indent="0" algn="just">
-              <a:buNone/>
-            </a:pPr>
-            <a:r>
-              <a:rPr lang="es-MX" sz="5200" b="1" dirty="0">
-                <a:solidFill>
-                  <a:schemeClr val="bg1"/>
-                </a:solidFill>
-                <a:latin typeface="+mj-lt"/>
-              </a:rPr>
-              <a:t>Cuadro de texto de Fecha: &lt;input </a:t>
-            </a:r>
-            <a:r>
-              <a:rPr lang="es-MX" sz="5200" b="1" dirty="0" err="1">
-                <a:solidFill>
-                  <a:schemeClr val="bg1"/>
-                </a:solidFill>
-                <a:latin typeface="+mj-lt"/>
-              </a:rPr>
-              <a:t>type</a:t>
-            </a:r>
-            <a:r>
-              <a:rPr lang="es-MX" sz="5200" b="1" dirty="0">
-                <a:solidFill>
-                  <a:schemeClr val="bg1"/>
-                </a:solidFill>
-                <a:latin typeface="+mj-lt"/>
-              </a:rPr>
-              <a:t>=“date"&gt;: </a:t>
-            </a:r>
-            <a:r>
-              <a:rPr lang="es-MX" sz="5200" dirty="0">
-                <a:solidFill>
-                  <a:schemeClr val="bg1"/>
-                </a:solidFill>
-                <a:latin typeface="+mj-lt"/>
-              </a:rPr>
-              <a:t>Las cajas de texto de una sola línea específicas para fechas (días, meses, años) se crean mediante una etiqueta </a:t>
-            </a:r>
-            <a:r>
-              <a:rPr lang="es-MX" sz="5200" b="1" dirty="0">
-                <a:solidFill>
-                  <a:schemeClr val="bg1"/>
-                </a:solidFill>
-                <a:latin typeface="+mj-lt"/>
-              </a:rPr>
-              <a:t>&lt;input&gt; </a:t>
-            </a:r>
-            <a:r>
-              <a:rPr lang="es-MX" sz="5200" dirty="0">
-                <a:solidFill>
-                  <a:schemeClr val="bg1"/>
-                </a:solidFill>
-                <a:latin typeface="+mj-lt"/>
-              </a:rPr>
-              <a:t>cuyo atributo </a:t>
-            </a:r>
-            <a:r>
-              <a:rPr lang="es-MX" sz="5200" b="1" dirty="0" err="1">
-                <a:solidFill>
-                  <a:schemeClr val="bg1"/>
-                </a:solidFill>
-                <a:latin typeface="+mj-lt"/>
-              </a:rPr>
-              <a:t>type</a:t>
-            </a:r>
-            <a:r>
-              <a:rPr lang="es-MX" sz="5200" dirty="0">
-                <a:solidFill>
-                  <a:schemeClr val="bg1"/>
-                </a:solidFill>
-                <a:latin typeface="+mj-lt"/>
-              </a:rPr>
-              <a:t> tiene el valor “</a:t>
-            </a:r>
-            <a:r>
-              <a:rPr lang="es-MX" sz="5200" b="1" dirty="0">
-                <a:solidFill>
-                  <a:schemeClr val="bg1"/>
-                </a:solidFill>
-                <a:latin typeface="+mj-lt"/>
-              </a:rPr>
-              <a:t>date”. </a:t>
-            </a:r>
-            <a:r>
-              <a:rPr lang="es-MX" sz="5200" dirty="0">
-                <a:solidFill>
-                  <a:schemeClr val="bg1"/>
-                </a:solidFill>
-                <a:latin typeface="+mj-lt"/>
-              </a:rPr>
-              <a:t>El dato se envía con el formato AAAA-MM-DD donde AAAA es el número de año, MM el número de mes y DD el número de día.</a:t>
-            </a:r>
-            <a:endParaRPr b="1" i="1" dirty="0">
-              <a:solidFill>
-                <a:schemeClr val="bg1"/>
-              </a:solidFill>
-              <a:latin typeface="+mj-lt"/>
-            </a:endParaRPr>
-          </a:p>
-        </p:txBody>
-      </p:sp>
-      <p:pic>
-        <p:nvPicPr>
-          <p:cNvPr id="3" name="Imagen 2"/>
-          <p:cNvPicPr>
-            <a:picLocks noChangeAspect="1"/>
-          </p:cNvPicPr>
-          <p:nvPr/>
-        </p:nvPicPr>
-        <p:blipFill>
-          <a:blip r:embed="rId3"/>
-          <a:stretch>
-            <a:fillRect/>
-          </a:stretch>
-        </p:blipFill>
-        <p:spPr>
-          <a:xfrm>
-            <a:off x="2265167" y="8586194"/>
-            <a:ext cx="20103965" cy="2095501"/>
-          </a:xfrm>
-          <a:prstGeom prst="rect">
-            <a:avLst/>
-          </a:prstGeom>
-        </p:spPr>
-      </p:pic>
-    </p:spTree>
-    <p:extLst>
-      <p:ext uri="{BB962C8B-B14F-4D97-AF65-F5344CB8AC3E}">
-        <p14:creationId xmlns:p14="http://schemas.microsoft.com/office/powerpoint/2010/main" val="553125141"/>
-      </p:ext>
-    </p:extLst>
-  </p:cSld>
-  <p:clrMapOvr>
-    <a:masterClrMapping/>
-  </p:clrMapOvr>
-  <mc:AlternateContent xmlns:mc="http://schemas.openxmlformats.org/markup-compatibility/2006" xmlns:p14="http://schemas.microsoft.com/office/powerpoint/2010/main">
-    <mc:Choice Requires="p14">
-      <p:transition spd="med" p14:dur="700">
-        <p:fade/>
-      </p:transition>
-    </mc:Choice>
-    <mc:Fallback xmlns="">
-      <p:transition spd="med">
-        <p:fade/>
-      </p:transition>
-    </mc:Fallback>
-  </mc:AlternateContent>
-  <p:timing>
-    <p:tnLst>
-      <p:par>
-        <p:cTn id="1" dur="indefinite" restart="never" nodeType="tmRoot"/>
-      </p:par>
-    </p:tnLst>
-  </p:timing>
-</p:sld>
-</file>
-
-<file path=ppt/slides/slide38.xml><?xml version="1.0" encoding="utf-8"?>
-<p:sld xmlns:a="http://schemas.openxmlformats.org/drawingml/2006/main" xmlns:r="http://schemas.openxmlformats.org/officeDocument/2006/relationships" xmlns:p="http://schemas.openxmlformats.org/presentationml/2006/main">
-  <p:cSld>
-    <p:spTree>
-      <p:nvGrpSpPr>
-        <p:cNvPr id="1" name="Shape 88"/>
-        <p:cNvGrpSpPr/>
-        <p:nvPr/>
-      </p:nvGrpSpPr>
-      <p:grpSpPr>
-        <a:xfrm>
-          <a:off x="0" y="0"/>
-          <a:ext cx="0" cy="0"/>
-          <a:chOff x="0" y="0"/>
-          <a:chExt cx="0" cy="0"/>
-        </a:xfrm>
-      </p:grpSpPr>
-      <p:sp>
-        <p:nvSpPr>
-          <p:cNvPr id="89" name="Google Shape;89;p3"/>
-          <p:cNvSpPr txBox="1">
-            <a:spLocks noGrp="1"/>
-          </p:cNvSpPr>
-          <p:nvPr>
-            <p:ph type="title"/>
-          </p:nvPr>
-        </p:nvSpPr>
-        <p:spPr>
-          <a:prstGeom prst="rect">
-            <a:avLst/>
-          </a:prstGeom>
-          <a:noFill/>
-          <a:ln>
-            <a:noFill/>
-          </a:ln>
-        </p:spPr>
-        <p:txBody>
-          <a:bodyPr spcFirstLastPara="1" vert="horz" wrap="square" lIns="182851" tIns="91400" rIns="182851" bIns="91400" rtlCol="0" anchor="ctr" anchorCtr="0">
-            <a:noAutofit/>
-          </a:bodyPr>
-          <a:lstStyle/>
-          <a:p>
-            <a:pPr lvl="0">
-              <a:buSzPts val="3200"/>
-            </a:pPr>
-            <a:r>
-              <a:rPr lang="es-PE" dirty="0" smtClean="0">
-                <a:solidFill>
-                  <a:schemeClr val="bg1"/>
-                </a:solidFill>
-              </a:rPr>
-              <a:t>Controles básicos</a:t>
-            </a:r>
-            <a:endParaRPr dirty="0">
-              <a:solidFill>
-                <a:schemeClr val="bg1"/>
-              </a:solidFill>
-            </a:endParaRPr>
-          </a:p>
-        </p:txBody>
-      </p:sp>
-      <p:sp>
-        <p:nvSpPr>
-          <p:cNvPr id="90" name="Google Shape;90;p3"/>
-          <p:cNvSpPr txBox="1">
-            <a:spLocks noGrp="1"/>
-          </p:cNvSpPr>
-          <p:nvPr>
-            <p:ph type="body" idx="1"/>
-          </p:nvPr>
-        </p:nvSpPr>
-        <p:spPr>
-          <a:xfrm>
-            <a:off x="1206500" y="3169872"/>
-            <a:ext cx="21971000" cy="8256012"/>
-          </a:xfrm>
-          <a:prstGeom prst="rect">
-            <a:avLst/>
-          </a:prstGeom>
-          <a:noFill/>
-          <a:ln>
-            <a:noFill/>
-          </a:ln>
-        </p:spPr>
-        <p:txBody>
-          <a:bodyPr spcFirstLastPara="1" vert="horz" wrap="square" lIns="182851" tIns="91400" rIns="182851" bIns="91400" rtlCol="0" anchor="t" anchorCtr="0">
-            <a:noAutofit/>
-          </a:bodyPr>
-          <a:lstStyle/>
-          <a:p>
-            <a:pPr marL="0" indent="0" algn="just">
-              <a:buNone/>
-            </a:pPr>
-            <a:r>
-              <a:rPr lang="es-MX" sz="5200" b="1" dirty="0">
-                <a:solidFill>
-                  <a:schemeClr val="bg1"/>
-                </a:solidFill>
-                <a:latin typeface="+mj-lt"/>
-              </a:rPr>
-              <a:t>Cuadro de texto de Hora: &lt;input </a:t>
-            </a:r>
-            <a:r>
-              <a:rPr lang="es-MX" sz="5200" b="1" dirty="0" err="1">
-                <a:solidFill>
-                  <a:schemeClr val="bg1"/>
-                </a:solidFill>
-                <a:latin typeface="+mj-lt"/>
-              </a:rPr>
-              <a:t>type</a:t>
-            </a:r>
-            <a:r>
-              <a:rPr lang="es-MX" sz="5200" b="1" dirty="0">
-                <a:solidFill>
-                  <a:schemeClr val="bg1"/>
-                </a:solidFill>
-                <a:latin typeface="+mj-lt"/>
-              </a:rPr>
-              <a:t>=“time"&gt;: </a:t>
-            </a:r>
-            <a:r>
-              <a:rPr lang="es-MX" sz="5200" dirty="0">
-                <a:solidFill>
-                  <a:schemeClr val="bg1"/>
-                </a:solidFill>
-                <a:latin typeface="+mj-lt"/>
-              </a:rPr>
-              <a:t>Las cajas de texto de una sola línea específicas para tiempos (horas, minutos) se crean mediante una etiqueta </a:t>
-            </a:r>
-            <a:r>
-              <a:rPr lang="es-MX" sz="5200" b="1" dirty="0">
-                <a:solidFill>
-                  <a:schemeClr val="bg1"/>
-                </a:solidFill>
-                <a:latin typeface="+mj-lt"/>
-              </a:rPr>
-              <a:t>&lt;input&gt; </a:t>
-            </a:r>
-            <a:r>
-              <a:rPr lang="es-MX" sz="5200" dirty="0">
-                <a:solidFill>
-                  <a:schemeClr val="bg1"/>
-                </a:solidFill>
-                <a:latin typeface="+mj-lt"/>
-              </a:rPr>
-              <a:t>cuyo atributo </a:t>
-            </a:r>
-            <a:r>
-              <a:rPr lang="es-MX" sz="5200" b="1" dirty="0" err="1">
-                <a:solidFill>
-                  <a:schemeClr val="bg1"/>
-                </a:solidFill>
-                <a:latin typeface="+mj-lt"/>
-              </a:rPr>
-              <a:t>type</a:t>
-            </a:r>
-            <a:r>
-              <a:rPr lang="es-MX" sz="5200" dirty="0">
-                <a:solidFill>
-                  <a:schemeClr val="bg1"/>
-                </a:solidFill>
-                <a:latin typeface="+mj-lt"/>
-              </a:rPr>
-              <a:t> tiene el valor “</a:t>
-            </a:r>
-            <a:r>
-              <a:rPr lang="es-MX" sz="5200" b="1" dirty="0">
-                <a:solidFill>
-                  <a:schemeClr val="bg1"/>
-                </a:solidFill>
-                <a:latin typeface="+mj-lt"/>
-              </a:rPr>
-              <a:t>time”. </a:t>
-            </a:r>
-            <a:r>
-              <a:rPr lang="es-MX" sz="5200" dirty="0">
-                <a:solidFill>
-                  <a:schemeClr val="bg1"/>
-                </a:solidFill>
-                <a:latin typeface="+mj-lt"/>
-              </a:rPr>
-              <a:t>El dato se envía con el formato HH-MM donde HH son las horas y MM los minutos.</a:t>
-            </a:r>
-            <a:endParaRPr b="1" i="1" dirty="0">
-              <a:solidFill>
-                <a:schemeClr val="bg1"/>
-              </a:solidFill>
-              <a:latin typeface="+mj-lt"/>
-            </a:endParaRPr>
-          </a:p>
-        </p:txBody>
-      </p:sp>
-      <p:pic>
-        <p:nvPicPr>
-          <p:cNvPr id="4" name="Imagen 3"/>
-          <p:cNvPicPr>
-            <a:picLocks noChangeAspect="1"/>
-          </p:cNvPicPr>
-          <p:nvPr/>
-        </p:nvPicPr>
-        <p:blipFill>
-          <a:blip r:embed="rId3"/>
-          <a:stretch>
-            <a:fillRect/>
-          </a:stretch>
-        </p:blipFill>
-        <p:spPr>
-          <a:xfrm>
-            <a:off x="2678779" y="8212278"/>
-            <a:ext cx="20028821" cy="2114549"/>
-          </a:xfrm>
-          <a:prstGeom prst="rect">
-            <a:avLst/>
-          </a:prstGeom>
-        </p:spPr>
-      </p:pic>
-    </p:spTree>
-    <p:extLst>
-      <p:ext uri="{BB962C8B-B14F-4D97-AF65-F5344CB8AC3E}">
-        <p14:creationId xmlns:p14="http://schemas.microsoft.com/office/powerpoint/2010/main" val="1584892858"/>
-      </p:ext>
-    </p:extLst>
-  </p:cSld>
-  <p:clrMapOvr>
-    <a:masterClrMapping/>
-  </p:clrMapOvr>
-  <mc:AlternateContent xmlns:mc="http://schemas.openxmlformats.org/markup-compatibility/2006" xmlns:p14="http://schemas.microsoft.com/office/powerpoint/2010/main">
-    <mc:Choice Requires="p14">
-      <p:transition spd="med" p14:dur="700">
-        <p:fade/>
-      </p:transition>
-    </mc:Choice>
-    <mc:Fallback xmlns="">
-      <p:transition spd="med">
-        <p:fade/>
-      </p:transition>
-    </mc:Fallback>
-  </mc:AlternateContent>
-  <p:timing>
-    <p:tnLst>
-      <p:par>
-        <p:cTn id="1" dur="indefinite" restart="never" nodeType="tmRoot"/>
-      </p:par>
-    </p:tnLst>
-  </p:timing>
-</p:sld>
-</file>
-
-<file path=ppt/slides/slide39.xml><?xml version="1.0" encoding="utf-8"?>
-<p:sld xmlns:a="http://schemas.openxmlformats.org/drawingml/2006/main" xmlns:r="http://schemas.openxmlformats.org/officeDocument/2006/relationships" xmlns:p="http://schemas.openxmlformats.org/presentationml/2006/main">
-  <p:cSld>
-    <p:spTree>
-      <p:nvGrpSpPr>
-        <p:cNvPr id="1" name="Shape 88"/>
-        <p:cNvGrpSpPr/>
-        <p:nvPr/>
-      </p:nvGrpSpPr>
-      <p:grpSpPr>
-        <a:xfrm>
-          <a:off x="0" y="0"/>
-          <a:ext cx="0" cy="0"/>
-          <a:chOff x="0" y="0"/>
-          <a:chExt cx="0" cy="0"/>
-        </a:xfrm>
-      </p:grpSpPr>
-      <p:sp>
-        <p:nvSpPr>
-          <p:cNvPr id="89" name="Google Shape;89;p3"/>
-          <p:cNvSpPr txBox="1">
-            <a:spLocks noGrp="1"/>
-          </p:cNvSpPr>
-          <p:nvPr>
-            <p:ph type="title"/>
-          </p:nvPr>
-        </p:nvSpPr>
-        <p:spPr>
-          <a:prstGeom prst="rect">
-            <a:avLst/>
-          </a:prstGeom>
-          <a:noFill/>
-          <a:ln>
-            <a:noFill/>
-          </a:ln>
-        </p:spPr>
-        <p:txBody>
-          <a:bodyPr spcFirstLastPara="1" vert="horz" wrap="square" lIns="182851" tIns="91400" rIns="182851" bIns="91400" rtlCol="0" anchor="ctr" anchorCtr="0">
-            <a:noAutofit/>
-          </a:bodyPr>
-          <a:lstStyle/>
-          <a:p>
-            <a:pPr lvl="0">
-              <a:buSzPts val="3200"/>
-            </a:pPr>
-            <a:r>
-              <a:rPr lang="es-PE" dirty="0" smtClean="0">
-                <a:solidFill>
-                  <a:schemeClr val="bg1"/>
-                </a:solidFill>
-              </a:rPr>
-              <a:t>Controles básicos</a:t>
-            </a:r>
-            <a:endParaRPr dirty="0">
-              <a:solidFill>
-                <a:schemeClr val="bg1"/>
-              </a:solidFill>
-            </a:endParaRPr>
-          </a:p>
-        </p:txBody>
-      </p:sp>
-      <p:sp>
-        <p:nvSpPr>
-          <p:cNvPr id="90" name="Google Shape;90;p3"/>
-          <p:cNvSpPr txBox="1">
-            <a:spLocks noGrp="1"/>
-          </p:cNvSpPr>
-          <p:nvPr>
-            <p:ph type="body" idx="1"/>
-          </p:nvPr>
-        </p:nvSpPr>
-        <p:spPr>
-          <a:xfrm>
-            <a:off x="1206500" y="3127627"/>
-            <a:ext cx="21971000" cy="8256012"/>
-          </a:xfrm>
-          <a:prstGeom prst="rect">
-            <a:avLst/>
-          </a:prstGeom>
-          <a:noFill/>
-          <a:ln>
-            <a:noFill/>
-          </a:ln>
-        </p:spPr>
-        <p:txBody>
-          <a:bodyPr spcFirstLastPara="1" vert="horz" wrap="square" lIns="182851" tIns="91400" rIns="182851" bIns="91400" rtlCol="0" anchor="t" anchorCtr="0">
-            <a:noAutofit/>
-          </a:bodyPr>
-          <a:lstStyle/>
-          <a:p>
-            <a:pPr algn="just"/>
-            <a:r>
-              <a:rPr lang="es-MX" sz="5200" b="1" dirty="0">
-                <a:solidFill>
-                  <a:schemeClr val="bg1"/>
-                </a:solidFill>
-                <a:latin typeface="+mj-lt"/>
-              </a:rPr>
-              <a:t>Botones </a:t>
-            </a:r>
-            <a:r>
-              <a:rPr lang="es-PE" sz="5200" b="1" dirty="0">
-                <a:solidFill>
-                  <a:schemeClr val="bg1"/>
-                </a:solidFill>
-                <a:latin typeface="+mj-lt"/>
-              </a:rPr>
-              <a:t>&lt;input&gt; y &lt;</a:t>
-            </a:r>
-            <a:r>
-              <a:rPr lang="es-PE" sz="5200" b="1" dirty="0" err="1">
-                <a:solidFill>
-                  <a:schemeClr val="bg1"/>
-                </a:solidFill>
-                <a:latin typeface="+mj-lt"/>
-              </a:rPr>
-              <a:t>button</a:t>
-            </a:r>
-            <a:r>
-              <a:rPr lang="es-PE" sz="5200" b="1" dirty="0">
-                <a:solidFill>
-                  <a:schemeClr val="bg1"/>
-                </a:solidFill>
-                <a:latin typeface="+mj-lt"/>
-              </a:rPr>
-              <a:t>&gt;: </a:t>
-            </a:r>
-            <a:r>
-              <a:rPr lang="es-MX" sz="5200" dirty="0">
-                <a:solidFill>
-                  <a:schemeClr val="bg1"/>
-                </a:solidFill>
-                <a:latin typeface="+mj-lt"/>
-              </a:rPr>
-              <a:t>Los botones se crean mediante la etiqueta &lt;input&gt; o mediante la etiqueta &lt;</a:t>
-            </a:r>
-            <a:r>
-              <a:rPr lang="es-MX" sz="5200" dirty="0" err="1">
-                <a:solidFill>
-                  <a:schemeClr val="bg1"/>
-                </a:solidFill>
-                <a:latin typeface="+mj-lt"/>
-              </a:rPr>
-              <a:t>button</a:t>
-            </a:r>
-            <a:r>
-              <a:rPr lang="es-MX" sz="5200" dirty="0">
-                <a:solidFill>
-                  <a:schemeClr val="bg1"/>
-                </a:solidFill>
-                <a:latin typeface="+mj-lt"/>
-              </a:rPr>
-              <a:t>&gt;. La diferencia entre ellos es que &lt;input&gt; sólo puede contener texto, mientras que &lt;</a:t>
-            </a:r>
-            <a:r>
-              <a:rPr lang="es-MX" sz="5200" dirty="0" err="1">
-                <a:solidFill>
-                  <a:schemeClr val="bg1"/>
-                </a:solidFill>
-                <a:latin typeface="+mj-lt"/>
-              </a:rPr>
-              <a:t>button</a:t>
-            </a:r>
-            <a:r>
-              <a:rPr lang="es-MX" sz="5200" dirty="0">
-                <a:solidFill>
-                  <a:schemeClr val="bg1"/>
-                </a:solidFill>
-                <a:latin typeface="+mj-lt"/>
-              </a:rPr>
-              <a:t>&gt; permite incluir elementos </a:t>
-            </a:r>
-            <a:r>
-              <a:rPr lang="es-MX" sz="5200" dirty="0" err="1">
-                <a:solidFill>
-                  <a:schemeClr val="bg1"/>
-                </a:solidFill>
-                <a:latin typeface="+mj-lt"/>
-              </a:rPr>
-              <a:t>html</a:t>
-            </a:r>
-            <a:r>
-              <a:rPr lang="es-MX" sz="5200" dirty="0">
-                <a:solidFill>
-                  <a:schemeClr val="bg1"/>
-                </a:solidFill>
-                <a:latin typeface="+mj-lt"/>
-              </a:rPr>
-              <a:t> como imágenes.</a:t>
-            </a:r>
-          </a:p>
-          <a:p>
-            <a:pPr algn="just"/>
-            <a:r>
-              <a:rPr lang="es-MX" sz="5200" dirty="0">
-                <a:solidFill>
-                  <a:schemeClr val="bg1"/>
-                </a:solidFill>
-                <a:latin typeface="+mj-lt"/>
-              </a:rPr>
-              <a:t>El contenido del botón </a:t>
-            </a:r>
-            <a:r>
-              <a:rPr lang="es-MX" sz="5200" b="1" dirty="0">
-                <a:solidFill>
-                  <a:schemeClr val="bg1"/>
-                </a:solidFill>
-                <a:latin typeface="+mj-lt"/>
-              </a:rPr>
-              <a:t>&lt;input&gt; </a:t>
-            </a:r>
-            <a:r>
-              <a:rPr lang="es-MX" sz="5200" dirty="0">
-                <a:solidFill>
-                  <a:schemeClr val="bg1"/>
-                </a:solidFill>
-                <a:latin typeface="+mj-lt"/>
-              </a:rPr>
-              <a:t>se define mediante el atributo </a:t>
-            </a:r>
-            <a:r>
-              <a:rPr lang="es-MX" sz="5200" b="1" dirty="0" err="1">
-                <a:solidFill>
-                  <a:schemeClr val="bg1"/>
-                </a:solidFill>
-                <a:latin typeface="+mj-lt"/>
-              </a:rPr>
-              <a:t>value</a:t>
-            </a:r>
-            <a:r>
-              <a:rPr lang="es-MX" sz="5200" dirty="0">
-                <a:solidFill>
-                  <a:schemeClr val="bg1"/>
-                </a:solidFill>
-                <a:latin typeface="+mj-lt"/>
-              </a:rPr>
-              <a:t>, por lo que sólo puede contener texto. El contenido del botón </a:t>
-            </a:r>
-            <a:r>
-              <a:rPr lang="es-MX" sz="5200" b="1" dirty="0">
-                <a:solidFill>
-                  <a:schemeClr val="bg1"/>
-                </a:solidFill>
-                <a:latin typeface="+mj-lt"/>
-              </a:rPr>
-              <a:t>&lt;</a:t>
-            </a:r>
-            <a:r>
-              <a:rPr lang="es-MX" sz="5200" b="1" dirty="0" err="1">
-                <a:solidFill>
-                  <a:schemeClr val="bg1"/>
-                </a:solidFill>
-                <a:latin typeface="+mj-lt"/>
-              </a:rPr>
-              <a:t>button</a:t>
-            </a:r>
-            <a:r>
-              <a:rPr lang="es-MX" sz="5200" b="1" dirty="0">
-                <a:solidFill>
-                  <a:schemeClr val="bg1"/>
-                </a:solidFill>
-                <a:latin typeface="+mj-lt"/>
-              </a:rPr>
-              <a:t>&gt; </a:t>
-            </a:r>
-            <a:r>
-              <a:rPr lang="es-MX" sz="5200" dirty="0">
-                <a:solidFill>
-                  <a:schemeClr val="bg1"/>
-                </a:solidFill>
-                <a:latin typeface="+mj-lt"/>
-              </a:rPr>
-              <a:t>se escribe dentro del elemento, por lo que puede incluir </a:t>
-            </a:r>
-            <a:r>
-              <a:rPr lang="es-MX" sz="5200" b="1" dirty="0">
-                <a:solidFill>
-                  <a:schemeClr val="bg1"/>
-                </a:solidFill>
-                <a:latin typeface="+mj-lt"/>
-              </a:rPr>
-              <a:t>texto e imágenes.</a:t>
-            </a:r>
-          </a:p>
-        </p:txBody>
-      </p:sp>
-    </p:spTree>
-    <p:extLst>
-      <p:ext uri="{BB962C8B-B14F-4D97-AF65-F5344CB8AC3E}">
-        <p14:creationId xmlns:p14="http://schemas.microsoft.com/office/powerpoint/2010/main" val="3816412899"/>
-      </p:ext>
-    </p:extLst>
-  </p:cSld>
-  <p:clrMapOvr>
-    <a:masterClrMapping/>
-  </p:clrMapOvr>
-  <mc:AlternateContent xmlns:mc="http://schemas.openxmlformats.org/markup-compatibility/2006" xmlns:p14="http://schemas.microsoft.com/office/powerpoint/2010/main">
-    <mc:Choice Requires="p14">
-      <p:transition spd="med" p14:dur="700">
-        <p:fade/>
-      </p:transition>
-    </mc:Choice>
-    <mc:Fallback xmlns="">
-      <p:transition spd="med">
-        <p:fade/>
-      </p:transition>
-    </mc:Fallback>
-  </mc:AlternateContent>
-  <p:timing>
-    <p:tnLst>
-      <p:par>
-        <p:cTn id="1" dur="indefinite" restart="never" nodeType="tmRoot"/>
-      </p:par>
-    </p:tnLst>
-  </p:timing>
-</p:sld>
-</file>
-
-<file path=ppt/slides/slide4.xml><?xml version="1.0" encoding="utf-8"?>
-<p:sld xmlns:a="http://schemas.openxmlformats.org/drawingml/2006/main" xmlns:r="http://schemas.openxmlformats.org/officeDocument/2006/relationships" xmlns:p="http://schemas.openxmlformats.org/presentationml/2006/main">
-  <p:cSld>
-    <p:spTree>
-      <p:nvGrpSpPr>
-        <p:cNvPr id="1" name="Shape 88"/>
-        <p:cNvGrpSpPr/>
-        <p:nvPr/>
-      </p:nvGrpSpPr>
-      <p:grpSpPr>
-        <a:xfrm>
-          <a:off x="0" y="0"/>
-          <a:ext cx="0" cy="0"/>
-          <a:chOff x="0" y="0"/>
-          <a:chExt cx="0" cy="0"/>
-        </a:xfrm>
-      </p:grpSpPr>
-      <p:sp>
-        <p:nvSpPr>
-          <p:cNvPr id="89" name="Google Shape;89;p3"/>
-          <p:cNvSpPr txBox="1">
-            <a:spLocks noGrp="1"/>
-          </p:cNvSpPr>
-          <p:nvPr>
-            <p:ph type="title"/>
-          </p:nvPr>
-        </p:nvSpPr>
-        <p:spPr>
-          <a:prstGeom prst="rect">
-            <a:avLst/>
-          </a:prstGeom>
-          <a:noFill/>
-          <a:ln>
-            <a:noFill/>
-          </a:ln>
-        </p:spPr>
-        <p:txBody>
-          <a:bodyPr spcFirstLastPara="1" vert="horz" wrap="square" lIns="182851" tIns="91400" rIns="182851" bIns="91400" rtlCol="0" anchor="ctr" anchorCtr="0">
-            <a:noAutofit/>
-          </a:bodyPr>
-          <a:lstStyle/>
-          <a:p>
-            <a:pPr>
-              <a:lnSpc>
-                <a:spcPct val="90000"/>
-              </a:lnSpc>
-              <a:buClr>
-                <a:schemeClr val="lt1"/>
-              </a:buClr>
-              <a:buSzPts val="3200"/>
-            </a:pPr>
-            <a:r>
-              <a:rPr lang="es-PE" dirty="0" smtClean="0">
-                <a:solidFill>
-                  <a:schemeClr val="bg1"/>
-                </a:solidFill>
-              </a:rPr>
-              <a:t>Funciones de usuario en JavaScript</a:t>
-            </a:r>
-            <a:endParaRPr dirty="0">
-              <a:solidFill>
-                <a:schemeClr val="bg1"/>
-              </a:solidFill>
-            </a:endParaRPr>
-          </a:p>
-        </p:txBody>
-      </p:sp>
-      <p:sp>
-        <p:nvSpPr>
-          <p:cNvPr id="90" name="Google Shape;90;p3"/>
-          <p:cNvSpPr txBox="1">
-            <a:spLocks noGrp="1"/>
-          </p:cNvSpPr>
-          <p:nvPr>
-            <p:ph type="body" idx="1"/>
-          </p:nvPr>
-        </p:nvSpPr>
-        <p:spPr>
-          <a:xfrm>
-            <a:off x="911532" y="2512663"/>
-            <a:ext cx="21971000" cy="6203591"/>
-          </a:xfrm>
-          <a:prstGeom prst="rect">
-            <a:avLst/>
-          </a:prstGeom>
-          <a:noFill/>
-          <a:ln>
-            <a:noFill/>
-          </a:ln>
-        </p:spPr>
-        <p:txBody>
-          <a:bodyPr spcFirstLastPara="1" vert="horz" wrap="square" lIns="182851" tIns="91400" rIns="182851" bIns="91400" rtlCol="0" anchor="t" anchorCtr="0">
-            <a:normAutofit/>
-          </a:bodyPr>
-          <a:lstStyle/>
-          <a:p>
-            <a:pPr marL="0" indent="0">
-              <a:buNone/>
-            </a:pPr>
-            <a:r>
-              <a:rPr lang="es-MX" sz="5200" dirty="0">
-                <a:solidFill>
-                  <a:schemeClr val="bg1"/>
-                </a:solidFill>
-                <a:latin typeface="+mj-lt"/>
-              </a:rPr>
-              <a:t>Las funciones son uno de los </a:t>
-            </a:r>
-            <a:r>
-              <a:rPr lang="es-MX" sz="5200" b="1" dirty="0">
-                <a:solidFill>
-                  <a:schemeClr val="bg1"/>
-                </a:solidFill>
-                <a:latin typeface="+mj-lt"/>
-              </a:rPr>
-              <a:t>bloques de construcción </a:t>
-            </a:r>
-            <a:r>
-              <a:rPr lang="es-MX" sz="5200" dirty="0">
-                <a:solidFill>
-                  <a:schemeClr val="bg1"/>
-                </a:solidFill>
-                <a:latin typeface="+mj-lt"/>
-              </a:rPr>
-              <a:t>fundamentales en JavaScript. Una función en JavaScript es similar a un </a:t>
-            </a:r>
-            <a:r>
-              <a:rPr lang="es-MX" sz="5200" b="1" dirty="0">
-                <a:solidFill>
-                  <a:schemeClr val="bg1"/>
-                </a:solidFill>
-                <a:latin typeface="+mj-lt"/>
-              </a:rPr>
-              <a:t>procedimiento</a:t>
-            </a:r>
-            <a:r>
-              <a:rPr lang="es-MX" sz="5200" dirty="0">
-                <a:solidFill>
-                  <a:schemeClr val="bg1"/>
-                </a:solidFill>
-                <a:latin typeface="+mj-lt"/>
-              </a:rPr>
-              <a:t> — un conjunto de instrucciones que realiza una tarea o calcula un valor, pero para que un procedimiento califique como función, debe tomar alguna </a:t>
-            </a:r>
-            <a:r>
-              <a:rPr lang="es-MX" sz="5200" b="1" dirty="0">
-                <a:solidFill>
-                  <a:schemeClr val="bg1"/>
-                </a:solidFill>
-                <a:latin typeface="+mj-lt"/>
-              </a:rPr>
-              <a:t>entrada </a:t>
-            </a:r>
-            <a:r>
-              <a:rPr lang="es-MX" sz="5200" dirty="0">
-                <a:solidFill>
-                  <a:schemeClr val="bg1"/>
-                </a:solidFill>
-                <a:latin typeface="+mj-lt"/>
-              </a:rPr>
-              <a:t>y devolver una </a:t>
-            </a:r>
-            <a:r>
-              <a:rPr lang="es-MX" sz="5200" b="1" dirty="0">
-                <a:solidFill>
-                  <a:schemeClr val="bg1"/>
-                </a:solidFill>
-                <a:latin typeface="+mj-lt"/>
-              </a:rPr>
-              <a:t>salida</a:t>
-            </a:r>
-            <a:r>
-              <a:rPr lang="es-MX" sz="5200" dirty="0">
-                <a:solidFill>
-                  <a:schemeClr val="bg1"/>
-                </a:solidFill>
-                <a:latin typeface="+mj-lt"/>
-              </a:rPr>
-              <a:t> donde hay alguna relación obvia entre la entrada y la salida. Para usar una función, debes definirla en algún lugar del ámbito desde el que deseas llamarla.</a:t>
-            </a:r>
-            <a:endParaRPr sz="5200" dirty="0">
-              <a:solidFill>
-                <a:schemeClr val="bg1"/>
-              </a:solidFill>
-              <a:latin typeface="+mj-lt"/>
-            </a:endParaRPr>
-          </a:p>
-        </p:txBody>
-      </p:sp>
-      <p:pic>
-        <p:nvPicPr>
-          <p:cNvPr id="3" name="Imagen 2"/>
-          <p:cNvPicPr>
-            <a:picLocks noChangeAspect="1"/>
-          </p:cNvPicPr>
-          <p:nvPr/>
-        </p:nvPicPr>
-        <p:blipFill>
-          <a:blip r:embed="rId3"/>
-          <a:stretch>
-            <a:fillRect/>
-          </a:stretch>
-        </p:blipFill>
-        <p:spPr>
-          <a:xfrm>
-            <a:off x="19647135" y="8037828"/>
-            <a:ext cx="3530366" cy="4144340"/>
-          </a:xfrm>
-          <a:prstGeom prst="rect">
-            <a:avLst/>
-          </a:prstGeom>
-        </p:spPr>
-      </p:pic>
-    </p:spTree>
-    <p:extLst>
-      <p:ext uri="{BB962C8B-B14F-4D97-AF65-F5344CB8AC3E}">
-        <p14:creationId xmlns:p14="http://schemas.microsoft.com/office/powerpoint/2010/main" val="386276473"/>
-      </p:ext>
-    </p:extLst>
-  </p:cSld>
-  <p:clrMapOvr>
-    <a:masterClrMapping/>
-  </p:clrMapOvr>
-  <mc:AlternateContent xmlns:mc="http://schemas.openxmlformats.org/markup-compatibility/2006" xmlns:p14="http://schemas.microsoft.com/office/powerpoint/2010/main">
-    <mc:Choice Requires="p14">
-      <p:transition spd="med" p14:dur="700">
-        <p:fade/>
-      </p:transition>
-    </mc:Choice>
-    <mc:Fallback xmlns="">
-      <p:transition spd="med">
-        <p:fade/>
-      </p:transition>
-    </mc:Fallback>
-  </mc:AlternateContent>
-  <p:timing>
-    <p:tnLst>
-      <p:par>
-        <p:cTn id="1" dur="indefinite" restart="never" nodeType="tmRoot"/>
-      </p:par>
-    </p:tnLst>
-  </p:timing>
-</p:sld>
-</file>
-
-<file path=ppt/slides/slide40.xml><?xml version="1.0" encoding="utf-8"?>
-<p:sld xmlns:a="http://schemas.openxmlformats.org/drawingml/2006/main" xmlns:r="http://schemas.openxmlformats.org/officeDocument/2006/relationships" xmlns:p="http://schemas.openxmlformats.org/presentationml/2006/main">
-  <p:cSld>
-    <p:spTree>
-      <p:nvGrpSpPr>
-        <p:cNvPr id="1" name="Shape 88"/>
-        <p:cNvGrpSpPr/>
-        <p:nvPr/>
-      </p:nvGrpSpPr>
-      <p:grpSpPr>
-        <a:xfrm>
-          <a:off x="0" y="0"/>
-          <a:ext cx="0" cy="0"/>
-          <a:chOff x="0" y="0"/>
-          <a:chExt cx="0" cy="0"/>
-        </a:xfrm>
-      </p:grpSpPr>
-      <p:sp>
-        <p:nvSpPr>
-          <p:cNvPr id="89" name="Google Shape;89;p3"/>
-          <p:cNvSpPr txBox="1">
-            <a:spLocks noGrp="1"/>
-          </p:cNvSpPr>
-          <p:nvPr>
-            <p:ph type="title"/>
-          </p:nvPr>
-        </p:nvSpPr>
-        <p:spPr>
-          <a:prstGeom prst="rect">
-            <a:avLst/>
-          </a:prstGeom>
-          <a:noFill/>
-          <a:ln>
-            <a:noFill/>
-          </a:ln>
-        </p:spPr>
-        <p:txBody>
-          <a:bodyPr spcFirstLastPara="1" vert="horz" wrap="square" lIns="182851" tIns="91400" rIns="182851" bIns="91400" rtlCol="0" anchor="ctr" anchorCtr="0">
-            <a:noAutofit/>
-          </a:bodyPr>
-          <a:lstStyle/>
-          <a:p>
-            <a:pPr lvl="0">
-              <a:buSzPts val="3200"/>
-            </a:pPr>
-            <a:r>
-              <a:rPr lang="es-PE" dirty="0" smtClean="0">
-                <a:solidFill>
-                  <a:schemeClr val="bg1"/>
-                </a:solidFill>
-              </a:rPr>
-              <a:t>Controles básicos</a:t>
-            </a:r>
-            <a:endParaRPr dirty="0">
-              <a:solidFill>
-                <a:schemeClr val="bg1"/>
-              </a:solidFill>
-            </a:endParaRPr>
-          </a:p>
-        </p:txBody>
-      </p:sp>
-      <p:sp>
-        <p:nvSpPr>
-          <p:cNvPr id="90" name="Google Shape;90;p3"/>
-          <p:cNvSpPr txBox="1">
-            <a:spLocks noGrp="1"/>
-          </p:cNvSpPr>
-          <p:nvPr>
-            <p:ph type="body" idx="1"/>
-          </p:nvPr>
-        </p:nvSpPr>
-        <p:spPr>
-          <a:xfrm>
-            <a:off x="1206500" y="2272220"/>
-            <a:ext cx="21971000" cy="8256012"/>
-          </a:xfrm>
-          <a:prstGeom prst="rect">
-            <a:avLst/>
-          </a:prstGeom>
-          <a:noFill/>
-          <a:ln>
-            <a:noFill/>
-          </a:ln>
-        </p:spPr>
-        <p:txBody>
-          <a:bodyPr spcFirstLastPara="1" vert="horz" wrap="square" lIns="182851" tIns="91400" rIns="182851" bIns="91400" rtlCol="0" anchor="t" anchorCtr="0">
-            <a:noAutofit/>
-          </a:bodyPr>
-          <a:lstStyle/>
-          <a:p>
-            <a:pPr marL="0" indent="0" algn="just">
-              <a:buNone/>
-            </a:pPr>
-            <a:r>
-              <a:rPr lang="es-MX" sz="5200" dirty="0">
-                <a:solidFill>
-                  <a:schemeClr val="bg1"/>
-                </a:solidFill>
-                <a:latin typeface="+mj-lt"/>
-              </a:rPr>
-              <a:t>El </a:t>
-            </a:r>
-            <a:r>
-              <a:rPr lang="es-MX" sz="5200" b="1" dirty="0">
-                <a:solidFill>
-                  <a:schemeClr val="bg1"/>
-                </a:solidFill>
-                <a:latin typeface="+mj-lt"/>
-              </a:rPr>
-              <a:t>botón </a:t>
-            </a:r>
-            <a:r>
-              <a:rPr lang="es-MX" sz="5200" b="1" dirty="0" err="1">
-                <a:solidFill>
-                  <a:schemeClr val="bg1"/>
-                </a:solidFill>
-                <a:latin typeface="+mj-lt"/>
-              </a:rPr>
-              <a:t>Submit</a:t>
-            </a:r>
-            <a:r>
-              <a:rPr lang="es-MX" sz="5200" b="1" dirty="0">
-                <a:solidFill>
-                  <a:schemeClr val="bg1"/>
-                </a:solidFill>
-                <a:latin typeface="+mj-lt"/>
-              </a:rPr>
-              <a:t> </a:t>
-            </a:r>
-            <a:r>
-              <a:rPr lang="es-MX" sz="5200" dirty="0">
-                <a:solidFill>
-                  <a:schemeClr val="bg1"/>
-                </a:solidFill>
-                <a:latin typeface="+mj-lt"/>
-              </a:rPr>
-              <a:t>es el que permite al usuario remitir los datos al </a:t>
-            </a:r>
-            <a:r>
-              <a:rPr lang="es-MX" sz="5200" b="1" dirty="0">
-                <a:solidFill>
-                  <a:schemeClr val="bg1"/>
-                </a:solidFill>
-                <a:latin typeface="+mj-lt"/>
-              </a:rPr>
-              <a:t>servidor</a:t>
-            </a:r>
-            <a:r>
-              <a:rPr lang="es-MX" sz="5200" dirty="0">
-                <a:solidFill>
-                  <a:schemeClr val="bg1"/>
-                </a:solidFill>
-                <a:latin typeface="+mj-lt"/>
-              </a:rPr>
-              <a:t>. Se crea mediante una etiqueta</a:t>
-            </a:r>
-            <a:r>
-              <a:rPr lang="es-MX" sz="5200" b="1" dirty="0">
-                <a:solidFill>
-                  <a:schemeClr val="bg1"/>
-                </a:solidFill>
-                <a:latin typeface="+mj-lt"/>
-              </a:rPr>
-              <a:t> &lt;input&gt; o &lt;</a:t>
-            </a:r>
-            <a:r>
-              <a:rPr lang="es-MX" sz="5200" b="1" dirty="0" err="1">
-                <a:solidFill>
-                  <a:schemeClr val="bg1"/>
-                </a:solidFill>
-                <a:latin typeface="+mj-lt"/>
-              </a:rPr>
-              <a:t>button</a:t>
-            </a:r>
-            <a:r>
-              <a:rPr lang="es-MX" sz="5200" b="1" dirty="0">
-                <a:solidFill>
-                  <a:schemeClr val="bg1"/>
-                </a:solidFill>
-                <a:latin typeface="+mj-lt"/>
-              </a:rPr>
-              <a:t>&gt; </a:t>
-            </a:r>
-            <a:r>
-              <a:rPr lang="es-MX" sz="5200" dirty="0">
-                <a:solidFill>
-                  <a:schemeClr val="bg1"/>
-                </a:solidFill>
-                <a:latin typeface="+mj-lt"/>
-              </a:rPr>
-              <a:t>cuyo atributo </a:t>
-            </a:r>
-            <a:r>
-              <a:rPr lang="es-MX" sz="5200" b="1" dirty="0" err="1">
-                <a:solidFill>
-                  <a:schemeClr val="bg1"/>
-                </a:solidFill>
-                <a:latin typeface="+mj-lt"/>
-              </a:rPr>
-              <a:t>type</a:t>
-            </a:r>
-            <a:r>
-              <a:rPr lang="es-MX" sz="5200" dirty="0">
-                <a:solidFill>
-                  <a:schemeClr val="bg1"/>
-                </a:solidFill>
-                <a:latin typeface="+mj-lt"/>
-              </a:rPr>
-              <a:t> tiene el valor </a:t>
-            </a:r>
-            <a:r>
-              <a:rPr lang="es-MX" sz="5200" b="1" dirty="0" err="1">
-                <a:solidFill>
-                  <a:schemeClr val="bg1"/>
-                </a:solidFill>
-                <a:latin typeface="+mj-lt"/>
-              </a:rPr>
-              <a:t>submit</a:t>
-            </a:r>
-            <a:r>
-              <a:rPr lang="es-MX" sz="5200" dirty="0">
-                <a:solidFill>
-                  <a:schemeClr val="bg1"/>
-                </a:solidFill>
-                <a:latin typeface="+mj-lt"/>
-              </a:rPr>
-              <a:t>.</a:t>
-            </a:r>
-          </a:p>
-        </p:txBody>
-      </p:sp>
-      <p:pic>
-        <p:nvPicPr>
-          <p:cNvPr id="2" name="Imagen 1"/>
-          <p:cNvPicPr>
-            <a:picLocks noChangeAspect="1"/>
-          </p:cNvPicPr>
-          <p:nvPr/>
-        </p:nvPicPr>
-        <p:blipFill>
-          <a:blip r:embed="rId3"/>
-          <a:stretch>
-            <a:fillRect/>
-          </a:stretch>
-        </p:blipFill>
-        <p:spPr>
-          <a:xfrm>
-            <a:off x="2206891" y="6014692"/>
-            <a:ext cx="20028821" cy="4838701"/>
-          </a:xfrm>
-          <a:prstGeom prst="rect">
-            <a:avLst/>
-          </a:prstGeom>
-        </p:spPr>
-      </p:pic>
-    </p:spTree>
-    <p:extLst>
-      <p:ext uri="{BB962C8B-B14F-4D97-AF65-F5344CB8AC3E}">
-        <p14:creationId xmlns:p14="http://schemas.microsoft.com/office/powerpoint/2010/main" val="274561808"/>
-      </p:ext>
-    </p:extLst>
-  </p:cSld>
-  <p:clrMapOvr>
-    <a:masterClrMapping/>
-  </p:clrMapOvr>
-  <mc:AlternateContent xmlns:mc="http://schemas.openxmlformats.org/markup-compatibility/2006" xmlns:p14="http://schemas.microsoft.com/office/powerpoint/2010/main">
-    <mc:Choice Requires="p14">
-      <p:transition spd="med" p14:dur="700">
-        <p:fade/>
-      </p:transition>
-    </mc:Choice>
-    <mc:Fallback xmlns="">
-      <p:transition spd="med">
-        <p:fade/>
-      </p:transition>
-    </mc:Fallback>
-  </mc:AlternateContent>
-  <p:timing>
-    <p:tnLst>
-      <p:par>
-        <p:cTn id="1" dur="indefinite" restart="never" nodeType="tmRoot"/>
-      </p:par>
-    </p:tnLst>
-  </p:timing>
-</p:sld>
-</file>
-
-<file path=ppt/slides/slide41.xml><?xml version="1.0" encoding="utf-8"?>
-<p:sld xmlns:a="http://schemas.openxmlformats.org/drawingml/2006/main" xmlns:r="http://schemas.openxmlformats.org/officeDocument/2006/relationships" xmlns:p="http://schemas.openxmlformats.org/presentationml/2006/main">
-  <p:cSld>
-    <p:spTree>
-      <p:nvGrpSpPr>
-        <p:cNvPr id="1" name="Shape 88"/>
-        <p:cNvGrpSpPr/>
-        <p:nvPr/>
-      </p:nvGrpSpPr>
-      <p:grpSpPr>
-        <a:xfrm>
-          <a:off x="0" y="0"/>
-          <a:ext cx="0" cy="0"/>
-          <a:chOff x="0" y="0"/>
-          <a:chExt cx="0" cy="0"/>
-        </a:xfrm>
-      </p:grpSpPr>
-      <p:sp>
-        <p:nvSpPr>
-          <p:cNvPr id="89" name="Google Shape;89;p3"/>
-          <p:cNvSpPr txBox="1">
-            <a:spLocks noGrp="1"/>
-          </p:cNvSpPr>
-          <p:nvPr>
-            <p:ph type="title"/>
-          </p:nvPr>
-        </p:nvSpPr>
-        <p:spPr>
-          <a:prstGeom prst="rect">
-            <a:avLst/>
-          </a:prstGeom>
-          <a:noFill/>
-          <a:ln>
-            <a:noFill/>
-          </a:ln>
-        </p:spPr>
-        <p:txBody>
-          <a:bodyPr spcFirstLastPara="1" vert="horz" wrap="square" lIns="182851" tIns="91400" rIns="182851" bIns="91400" rtlCol="0" anchor="ctr" anchorCtr="0">
-            <a:noAutofit/>
-          </a:bodyPr>
-          <a:lstStyle/>
-          <a:p>
-            <a:pPr lvl="0">
-              <a:buSzPts val="3200"/>
-            </a:pPr>
-            <a:r>
-              <a:rPr lang="es-PE" dirty="0" smtClean="0">
-                <a:solidFill>
-                  <a:schemeClr val="bg1"/>
-                </a:solidFill>
-              </a:rPr>
-              <a:t>Controles básicos</a:t>
-            </a:r>
-            <a:endParaRPr dirty="0">
-              <a:solidFill>
-                <a:schemeClr val="bg1"/>
-              </a:solidFill>
-            </a:endParaRPr>
-          </a:p>
-        </p:txBody>
-      </p:sp>
-      <p:sp>
-        <p:nvSpPr>
-          <p:cNvPr id="90" name="Google Shape;90;p3"/>
-          <p:cNvSpPr txBox="1">
-            <a:spLocks noGrp="1"/>
-          </p:cNvSpPr>
-          <p:nvPr>
-            <p:ph type="body" idx="1"/>
-          </p:nvPr>
-        </p:nvSpPr>
-        <p:spPr>
-          <a:xfrm>
-            <a:off x="1206500" y="2980142"/>
-            <a:ext cx="21971000" cy="8256012"/>
-          </a:xfrm>
-          <a:prstGeom prst="rect">
-            <a:avLst/>
-          </a:prstGeom>
-          <a:noFill/>
-          <a:ln>
-            <a:noFill/>
-          </a:ln>
-        </p:spPr>
-        <p:txBody>
-          <a:bodyPr spcFirstLastPara="1" vert="horz" wrap="square" lIns="182851" tIns="91400" rIns="182851" bIns="91400" rtlCol="0" anchor="t" anchorCtr="0">
-            <a:noAutofit/>
-          </a:bodyPr>
-          <a:lstStyle/>
-          <a:p>
-            <a:pPr marL="0" indent="0" algn="just">
-              <a:buNone/>
-            </a:pPr>
-            <a:r>
-              <a:rPr lang="es-MX" sz="5200" b="1" dirty="0">
-                <a:solidFill>
-                  <a:schemeClr val="bg1"/>
-                </a:solidFill>
-                <a:latin typeface="+mj-lt"/>
-              </a:rPr>
-              <a:t>Botones </a:t>
-            </a:r>
-            <a:r>
-              <a:rPr lang="es-MX" sz="5200" b="1" dirty="0" err="1">
-                <a:solidFill>
-                  <a:schemeClr val="bg1"/>
-                </a:solidFill>
-                <a:latin typeface="+mj-lt"/>
-              </a:rPr>
-              <a:t>reset</a:t>
-            </a:r>
-            <a:r>
-              <a:rPr lang="es-MX" sz="5200" b="1" dirty="0">
-                <a:solidFill>
-                  <a:schemeClr val="bg1"/>
-                </a:solidFill>
-                <a:latin typeface="+mj-lt"/>
-              </a:rPr>
-              <a:t> </a:t>
-            </a:r>
-            <a:r>
-              <a:rPr lang="es-PE" sz="5200" b="1" dirty="0">
-                <a:solidFill>
-                  <a:schemeClr val="bg1"/>
-                </a:solidFill>
-                <a:latin typeface="+mj-lt"/>
-              </a:rPr>
-              <a:t>&lt;input&gt; o &lt;</a:t>
-            </a:r>
-            <a:r>
-              <a:rPr lang="es-PE" sz="5200" b="1" dirty="0" err="1">
-                <a:solidFill>
-                  <a:schemeClr val="bg1"/>
-                </a:solidFill>
-                <a:latin typeface="+mj-lt"/>
-              </a:rPr>
-              <a:t>button</a:t>
-            </a:r>
-            <a:r>
-              <a:rPr lang="es-PE" sz="5200" b="1" dirty="0">
-                <a:solidFill>
-                  <a:schemeClr val="bg1"/>
-                </a:solidFill>
-                <a:latin typeface="+mj-lt"/>
-              </a:rPr>
-              <a:t>&gt;: </a:t>
-            </a:r>
-            <a:r>
-              <a:rPr lang="es-MX" sz="5200" dirty="0">
-                <a:solidFill>
-                  <a:schemeClr val="bg1"/>
-                </a:solidFill>
-                <a:latin typeface="+mj-lt"/>
-              </a:rPr>
-              <a:t>El botón </a:t>
-            </a:r>
-            <a:r>
-              <a:rPr lang="es-MX" sz="5200" dirty="0" err="1">
-                <a:solidFill>
-                  <a:schemeClr val="bg1"/>
-                </a:solidFill>
-                <a:latin typeface="+mj-lt"/>
-              </a:rPr>
-              <a:t>Reset</a:t>
-            </a:r>
-            <a:r>
-              <a:rPr lang="es-MX" sz="5200" dirty="0">
-                <a:solidFill>
-                  <a:schemeClr val="bg1"/>
-                </a:solidFill>
-                <a:latin typeface="+mj-lt"/>
-              </a:rPr>
-              <a:t> restablece los valores iniciales del formulario. Se crea mediante una etiqueta </a:t>
-            </a:r>
-            <a:r>
-              <a:rPr lang="es-MX" sz="5200" b="1" dirty="0">
-                <a:solidFill>
-                  <a:schemeClr val="bg1"/>
-                </a:solidFill>
-                <a:latin typeface="+mj-lt"/>
-              </a:rPr>
-              <a:t>&lt;input&gt; o &lt;</a:t>
-            </a:r>
-            <a:r>
-              <a:rPr lang="es-MX" sz="5200" b="1" dirty="0" err="1">
-                <a:solidFill>
-                  <a:schemeClr val="bg1"/>
-                </a:solidFill>
-                <a:latin typeface="+mj-lt"/>
-              </a:rPr>
-              <a:t>button</a:t>
-            </a:r>
-            <a:r>
-              <a:rPr lang="es-MX" sz="5200" b="1" dirty="0">
-                <a:solidFill>
-                  <a:schemeClr val="bg1"/>
-                </a:solidFill>
-                <a:latin typeface="+mj-lt"/>
-              </a:rPr>
-              <a:t>&gt; </a:t>
-            </a:r>
-            <a:r>
-              <a:rPr lang="es-MX" sz="5200" dirty="0">
-                <a:solidFill>
-                  <a:schemeClr val="bg1"/>
-                </a:solidFill>
-                <a:latin typeface="+mj-lt"/>
-              </a:rPr>
-              <a:t>cuyo atributo </a:t>
-            </a:r>
-            <a:r>
-              <a:rPr lang="es-MX" sz="5200" b="1" dirty="0" err="1">
-                <a:solidFill>
-                  <a:schemeClr val="bg1"/>
-                </a:solidFill>
-                <a:latin typeface="+mj-lt"/>
-              </a:rPr>
-              <a:t>type</a:t>
-            </a:r>
-            <a:r>
-              <a:rPr lang="es-MX" sz="5200" dirty="0">
-                <a:solidFill>
-                  <a:schemeClr val="bg1"/>
-                </a:solidFill>
-                <a:latin typeface="+mj-lt"/>
-              </a:rPr>
-              <a:t> tiene el valor </a:t>
-            </a:r>
-            <a:r>
-              <a:rPr lang="es-MX" sz="5200" b="1" dirty="0" err="1">
-                <a:solidFill>
-                  <a:schemeClr val="bg1"/>
-                </a:solidFill>
-                <a:latin typeface="+mj-lt"/>
-              </a:rPr>
-              <a:t>reset</a:t>
-            </a:r>
-            <a:r>
-              <a:rPr lang="es-MX" sz="5200" dirty="0">
-                <a:solidFill>
-                  <a:schemeClr val="bg1"/>
-                </a:solidFill>
-                <a:latin typeface="+mj-lt"/>
-              </a:rPr>
-              <a:t>.</a:t>
-            </a:r>
-          </a:p>
-        </p:txBody>
-      </p:sp>
-      <p:pic>
-        <p:nvPicPr>
-          <p:cNvPr id="2" name="Imagen 1"/>
-          <p:cNvPicPr>
-            <a:picLocks noChangeAspect="1"/>
-          </p:cNvPicPr>
-          <p:nvPr/>
-        </p:nvPicPr>
-        <p:blipFill>
-          <a:blip r:embed="rId3"/>
-          <a:stretch>
-            <a:fillRect/>
-          </a:stretch>
-        </p:blipFill>
-        <p:spPr>
-          <a:xfrm>
-            <a:off x="4895190" y="6473959"/>
-            <a:ext cx="14850341" cy="5210056"/>
-          </a:xfrm>
-          <a:prstGeom prst="rect">
-            <a:avLst/>
-          </a:prstGeom>
-        </p:spPr>
-      </p:pic>
-    </p:spTree>
-    <p:extLst>
-      <p:ext uri="{BB962C8B-B14F-4D97-AF65-F5344CB8AC3E}">
-        <p14:creationId xmlns:p14="http://schemas.microsoft.com/office/powerpoint/2010/main" val="1073312862"/>
-      </p:ext>
-    </p:extLst>
-  </p:cSld>
-  <p:clrMapOvr>
-    <a:masterClrMapping/>
-  </p:clrMapOvr>
-  <mc:AlternateContent xmlns:mc="http://schemas.openxmlformats.org/markup-compatibility/2006" xmlns:p14="http://schemas.microsoft.com/office/powerpoint/2010/main">
-    <mc:Choice Requires="p14">
-      <p:transition spd="med" p14:dur="700">
-        <p:fade/>
-      </p:transition>
-    </mc:Choice>
-    <mc:Fallback xmlns="">
-      <p:transition spd="med">
-        <p:fade/>
-      </p:transition>
-    </mc:Fallback>
-  </mc:AlternateContent>
-  <p:timing>
-    <p:tnLst>
-      <p:par>
-        <p:cTn id="1" dur="indefinite" restart="never" nodeType="tmRoot"/>
-      </p:par>
-    </p:tnLst>
-  </p:timing>
-</p:sld>
-</file>
-
-<file path=ppt/slides/slide42.xml><?xml version="1.0" encoding="utf-8"?>
-<p:sld xmlns:a="http://schemas.openxmlformats.org/drawingml/2006/main" xmlns:r="http://schemas.openxmlformats.org/officeDocument/2006/relationships" xmlns:p="http://schemas.openxmlformats.org/presentationml/2006/main">
-  <p:cSld>
-    <p:spTree>
-      <p:nvGrpSpPr>
-        <p:cNvPr id="1" name="Shape 88"/>
-        <p:cNvGrpSpPr/>
-        <p:nvPr/>
-      </p:nvGrpSpPr>
-      <p:grpSpPr>
-        <a:xfrm>
-          <a:off x="0" y="0"/>
-          <a:ext cx="0" cy="0"/>
-          <a:chOff x="0" y="0"/>
-          <a:chExt cx="0" cy="0"/>
-        </a:xfrm>
-      </p:grpSpPr>
-      <p:sp>
-        <p:nvSpPr>
-          <p:cNvPr id="89" name="Google Shape;89;p3"/>
-          <p:cNvSpPr txBox="1">
-            <a:spLocks noGrp="1"/>
-          </p:cNvSpPr>
-          <p:nvPr>
-            <p:ph type="title"/>
-          </p:nvPr>
-        </p:nvSpPr>
-        <p:spPr>
-          <a:prstGeom prst="rect">
-            <a:avLst/>
-          </a:prstGeom>
-          <a:noFill/>
-          <a:ln>
-            <a:noFill/>
-          </a:ln>
-        </p:spPr>
-        <p:txBody>
-          <a:bodyPr spcFirstLastPara="1" vert="horz" wrap="square" lIns="182851" tIns="91400" rIns="182851" bIns="91400" rtlCol="0" anchor="ctr" anchorCtr="0">
-            <a:noAutofit/>
-          </a:bodyPr>
-          <a:lstStyle/>
-          <a:p>
-            <a:pPr lvl="0">
-              <a:buSzPts val="3200"/>
-            </a:pPr>
-            <a:r>
-              <a:rPr lang="es-PE" dirty="0" smtClean="0">
-                <a:solidFill>
-                  <a:schemeClr val="bg1"/>
-                </a:solidFill>
-              </a:rPr>
-              <a:t>Controles básicos</a:t>
-            </a:r>
-            <a:endParaRPr dirty="0">
-              <a:solidFill>
-                <a:schemeClr val="bg1"/>
-              </a:solidFill>
-            </a:endParaRPr>
-          </a:p>
-        </p:txBody>
-      </p:sp>
-      <p:sp>
-        <p:nvSpPr>
-          <p:cNvPr id="90" name="Google Shape;90;p3"/>
-          <p:cNvSpPr txBox="1">
-            <a:spLocks noGrp="1"/>
-          </p:cNvSpPr>
-          <p:nvPr>
-            <p:ph type="body" idx="1"/>
-          </p:nvPr>
-        </p:nvSpPr>
-        <p:spPr>
-          <a:xfrm>
-            <a:off x="1206500" y="2617264"/>
-            <a:ext cx="21971000" cy="8256012"/>
-          </a:xfrm>
-          <a:prstGeom prst="rect">
-            <a:avLst/>
-          </a:prstGeom>
-          <a:noFill/>
-          <a:ln>
-            <a:noFill/>
-          </a:ln>
-        </p:spPr>
-        <p:txBody>
-          <a:bodyPr spcFirstLastPara="1" vert="horz" wrap="square" lIns="182851" tIns="91400" rIns="182851" bIns="91400" rtlCol="0" anchor="t" anchorCtr="0">
-            <a:noAutofit/>
-          </a:bodyPr>
-          <a:lstStyle/>
-          <a:p>
-            <a:pPr marL="0" indent="0" algn="just">
-              <a:buNone/>
-            </a:pPr>
-            <a:r>
-              <a:rPr lang="es-PE" sz="5200" b="1" dirty="0">
-                <a:solidFill>
-                  <a:schemeClr val="bg1"/>
-                </a:solidFill>
-                <a:latin typeface="+mj-lt"/>
-              </a:rPr>
-              <a:t>Control </a:t>
-            </a:r>
-            <a:r>
-              <a:rPr lang="es-PE" sz="5200" b="1" dirty="0" err="1">
-                <a:solidFill>
-                  <a:schemeClr val="bg1"/>
-                </a:solidFill>
-                <a:latin typeface="+mj-lt"/>
-              </a:rPr>
-              <a:t>Area</a:t>
-            </a:r>
-            <a:r>
-              <a:rPr lang="es-PE" sz="5200" b="1" dirty="0">
-                <a:solidFill>
-                  <a:schemeClr val="bg1"/>
-                </a:solidFill>
-                <a:latin typeface="+mj-lt"/>
-              </a:rPr>
-              <a:t> de Texto &lt;</a:t>
-            </a:r>
-            <a:r>
-              <a:rPr lang="es-PE" sz="5200" b="1" dirty="0" err="1">
-                <a:solidFill>
-                  <a:schemeClr val="bg1"/>
-                </a:solidFill>
-                <a:latin typeface="+mj-lt"/>
-              </a:rPr>
-              <a:t>textarea</a:t>
-            </a:r>
-            <a:r>
-              <a:rPr lang="es-PE" sz="5200" b="1" dirty="0">
-                <a:solidFill>
-                  <a:schemeClr val="bg1"/>
-                </a:solidFill>
-                <a:latin typeface="+mj-lt"/>
-              </a:rPr>
-              <a:t>&gt;: </a:t>
-            </a:r>
-            <a:r>
-              <a:rPr lang="es-MX" sz="5200" dirty="0">
-                <a:solidFill>
-                  <a:schemeClr val="bg1"/>
-                </a:solidFill>
-                <a:latin typeface="+mj-lt"/>
-              </a:rPr>
-              <a:t>Las cajas de texto de varias líneas se crean mediante la etiqueta </a:t>
-            </a:r>
-            <a:r>
-              <a:rPr lang="es-MX" sz="5200" b="1" dirty="0">
-                <a:solidFill>
-                  <a:schemeClr val="bg1"/>
-                </a:solidFill>
-                <a:latin typeface="+mj-lt"/>
-              </a:rPr>
-              <a:t>&lt;</a:t>
-            </a:r>
-            <a:r>
-              <a:rPr lang="es-MX" sz="5200" b="1" dirty="0" err="1">
-                <a:solidFill>
-                  <a:schemeClr val="bg1"/>
-                </a:solidFill>
-                <a:latin typeface="+mj-lt"/>
-              </a:rPr>
-              <a:t>textarea</a:t>
-            </a:r>
-            <a:r>
-              <a:rPr lang="es-MX" sz="5200" b="1" dirty="0">
-                <a:solidFill>
-                  <a:schemeClr val="bg1"/>
-                </a:solidFill>
-                <a:latin typeface="+mj-lt"/>
-              </a:rPr>
-              <a:t>&gt;. </a:t>
-            </a:r>
-            <a:r>
-              <a:rPr lang="es-MX" sz="5200" dirty="0">
-                <a:solidFill>
-                  <a:schemeClr val="bg1"/>
-                </a:solidFill>
-                <a:latin typeface="+mj-lt"/>
-              </a:rPr>
-              <a:t>Los atributos obligatorios </a:t>
-            </a:r>
-            <a:r>
-              <a:rPr lang="es-MX" sz="5200" b="1" dirty="0" err="1">
-                <a:solidFill>
-                  <a:schemeClr val="bg1"/>
-                </a:solidFill>
-                <a:latin typeface="+mj-lt"/>
-              </a:rPr>
-              <a:t>rows</a:t>
-            </a:r>
-            <a:r>
-              <a:rPr lang="es-MX" sz="5200" b="1" dirty="0">
-                <a:solidFill>
-                  <a:schemeClr val="bg1"/>
-                </a:solidFill>
-                <a:latin typeface="+mj-lt"/>
-              </a:rPr>
-              <a:t> y </a:t>
-            </a:r>
-            <a:r>
-              <a:rPr lang="es-MX" sz="5200" b="1" dirty="0" err="1">
-                <a:solidFill>
-                  <a:schemeClr val="bg1"/>
-                </a:solidFill>
-                <a:latin typeface="+mj-lt"/>
-              </a:rPr>
-              <a:t>cols</a:t>
-            </a:r>
-            <a:r>
-              <a:rPr lang="es-MX" sz="5200" b="1" dirty="0">
-                <a:solidFill>
-                  <a:schemeClr val="bg1"/>
-                </a:solidFill>
-                <a:latin typeface="+mj-lt"/>
-              </a:rPr>
-              <a:t> </a:t>
-            </a:r>
-            <a:r>
-              <a:rPr lang="es-MX" sz="5200" dirty="0">
-                <a:solidFill>
-                  <a:schemeClr val="bg1"/>
-                </a:solidFill>
-                <a:latin typeface="+mj-lt"/>
-              </a:rPr>
-              <a:t>establecen el número de filas y columnas iniciales de la caja, aunque los navegadores permiten modificarlo arrastrando la esquina inferior derecha.</a:t>
-            </a:r>
-          </a:p>
-        </p:txBody>
-      </p:sp>
-      <p:pic>
-        <p:nvPicPr>
-          <p:cNvPr id="5" name="Imagen 4"/>
-          <p:cNvPicPr>
-            <a:picLocks noChangeAspect="1"/>
-          </p:cNvPicPr>
-          <p:nvPr/>
-        </p:nvPicPr>
-        <p:blipFill>
-          <a:blip r:embed="rId3"/>
-          <a:stretch>
-            <a:fillRect/>
-          </a:stretch>
-        </p:blipFill>
-        <p:spPr>
-          <a:xfrm>
-            <a:off x="2754980" y="8320575"/>
-            <a:ext cx="19952621" cy="2552701"/>
-          </a:xfrm>
-          <a:prstGeom prst="rect">
-            <a:avLst/>
-          </a:prstGeom>
-        </p:spPr>
-      </p:pic>
-    </p:spTree>
-    <p:extLst>
-      <p:ext uri="{BB962C8B-B14F-4D97-AF65-F5344CB8AC3E}">
-        <p14:creationId xmlns:p14="http://schemas.microsoft.com/office/powerpoint/2010/main" val="3703155304"/>
-      </p:ext>
-    </p:extLst>
-  </p:cSld>
-  <p:clrMapOvr>
-    <a:masterClrMapping/>
-  </p:clrMapOvr>
-  <mc:AlternateContent xmlns:mc="http://schemas.openxmlformats.org/markup-compatibility/2006" xmlns:p14="http://schemas.microsoft.com/office/powerpoint/2010/main">
-    <mc:Choice Requires="p14">
-      <p:transition spd="med" p14:dur="700">
-        <p:fade/>
-      </p:transition>
-    </mc:Choice>
-    <mc:Fallback xmlns="">
-      <p:transition spd="med">
-        <p:fade/>
-      </p:transition>
-    </mc:Fallback>
-  </mc:AlternateContent>
-  <p:timing>
-    <p:tnLst>
-      <p:par>
-        <p:cTn id="1" dur="indefinite" restart="never" nodeType="tmRoot"/>
-      </p:par>
-    </p:tnLst>
-  </p:timing>
-</p:sld>
-</file>
-
-<file path=ppt/slides/slide43.xml><?xml version="1.0" encoding="utf-8"?>
-<p:sld xmlns:a="http://schemas.openxmlformats.org/drawingml/2006/main" xmlns:r="http://schemas.openxmlformats.org/officeDocument/2006/relationships" xmlns:p="http://schemas.openxmlformats.org/presentationml/2006/main">
-  <p:cSld>
-    <p:spTree>
-      <p:nvGrpSpPr>
-        <p:cNvPr id="1" name="Shape 88"/>
-        <p:cNvGrpSpPr/>
-        <p:nvPr/>
-      </p:nvGrpSpPr>
-      <p:grpSpPr>
-        <a:xfrm>
-          <a:off x="0" y="0"/>
-          <a:ext cx="0" cy="0"/>
-          <a:chOff x="0" y="0"/>
-          <a:chExt cx="0" cy="0"/>
-        </a:xfrm>
-      </p:grpSpPr>
-      <p:sp>
-        <p:nvSpPr>
-          <p:cNvPr id="89" name="Google Shape;89;p3"/>
-          <p:cNvSpPr txBox="1">
-            <a:spLocks noGrp="1"/>
-          </p:cNvSpPr>
-          <p:nvPr>
-            <p:ph type="title"/>
-          </p:nvPr>
-        </p:nvSpPr>
-        <p:spPr>
-          <a:prstGeom prst="rect">
-            <a:avLst/>
-          </a:prstGeom>
-          <a:noFill/>
-          <a:ln>
-            <a:noFill/>
-          </a:ln>
-        </p:spPr>
-        <p:txBody>
-          <a:bodyPr spcFirstLastPara="1" vert="horz" wrap="square" lIns="182851" tIns="91400" rIns="182851" bIns="91400" rtlCol="0" anchor="ctr" anchorCtr="0">
-            <a:noAutofit/>
-          </a:bodyPr>
-          <a:lstStyle/>
-          <a:p>
-            <a:pPr lvl="0">
-              <a:buSzPts val="3200"/>
-            </a:pPr>
-            <a:r>
-              <a:rPr lang="es-PE" dirty="0" smtClean="0">
-                <a:solidFill>
-                  <a:schemeClr val="bg1"/>
-                </a:solidFill>
-              </a:rPr>
-              <a:t>Controles de Selección</a:t>
-            </a:r>
-            <a:endParaRPr dirty="0">
-              <a:solidFill>
-                <a:schemeClr val="bg1"/>
-              </a:solidFill>
-            </a:endParaRPr>
-          </a:p>
-        </p:txBody>
-      </p:sp>
-      <p:sp>
-        <p:nvSpPr>
-          <p:cNvPr id="90" name="Google Shape;90;p3"/>
-          <p:cNvSpPr txBox="1">
-            <a:spLocks noGrp="1"/>
-          </p:cNvSpPr>
-          <p:nvPr>
-            <p:ph type="body" idx="1"/>
-          </p:nvPr>
-        </p:nvSpPr>
-        <p:spPr>
-          <a:xfrm>
-            <a:off x="1206500" y="2862156"/>
-            <a:ext cx="21971000" cy="8256012"/>
-          </a:xfrm>
-          <a:prstGeom prst="rect">
-            <a:avLst/>
-          </a:prstGeom>
-          <a:noFill/>
-          <a:ln>
-            <a:noFill/>
-          </a:ln>
-        </p:spPr>
-        <p:txBody>
-          <a:bodyPr spcFirstLastPara="1" vert="horz" wrap="square" lIns="182851" tIns="91400" rIns="182851" bIns="91400" rtlCol="0" anchor="t" anchorCtr="0">
-            <a:noAutofit/>
-          </a:bodyPr>
-          <a:lstStyle/>
-          <a:p>
-            <a:pPr marL="0" indent="0" algn="just">
-              <a:buNone/>
-            </a:pPr>
-            <a:r>
-              <a:rPr lang="es-PE" sz="5200" b="1" dirty="0">
-                <a:solidFill>
-                  <a:schemeClr val="bg1"/>
-                </a:solidFill>
-                <a:latin typeface="+mj-lt"/>
-              </a:rPr>
-              <a:t>Botón de opción </a:t>
-            </a:r>
-            <a:r>
-              <a:rPr lang="es-MX" sz="5200" b="1" dirty="0">
-                <a:solidFill>
-                  <a:schemeClr val="bg1"/>
-                </a:solidFill>
-                <a:latin typeface="+mj-lt"/>
-              </a:rPr>
-              <a:t>&lt;input </a:t>
-            </a:r>
-            <a:r>
-              <a:rPr lang="es-MX" sz="5200" b="1" dirty="0" err="1">
-                <a:solidFill>
-                  <a:schemeClr val="bg1"/>
-                </a:solidFill>
-                <a:latin typeface="+mj-lt"/>
-              </a:rPr>
-              <a:t>type</a:t>
-            </a:r>
-            <a:r>
-              <a:rPr lang="es-MX" sz="5200" b="1" dirty="0">
-                <a:solidFill>
-                  <a:schemeClr val="bg1"/>
-                </a:solidFill>
-                <a:latin typeface="+mj-lt"/>
-              </a:rPr>
-              <a:t>="radio"&gt;: </a:t>
-            </a:r>
-            <a:r>
-              <a:rPr lang="es-MX" sz="5200" dirty="0">
-                <a:solidFill>
-                  <a:schemeClr val="bg1"/>
-                </a:solidFill>
-                <a:latin typeface="+mj-lt"/>
-              </a:rPr>
-              <a:t>Los botones radio se crean mediante una etiqueta </a:t>
-            </a:r>
-            <a:r>
-              <a:rPr lang="es-MX" sz="5200" b="1" dirty="0">
-                <a:solidFill>
-                  <a:schemeClr val="bg1"/>
-                </a:solidFill>
-                <a:latin typeface="+mj-lt"/>
-              </a:rPr>
-              <a:t>&lt;input&gt; </a:t>
-            </a:r>
-            <a:r>
-              <a:rPr lang="es-MX" sz="5200" dirty="0">
-                <a:solidFill>
-                  <a:schemeClr val="bg1"/>
-                </a:solidFill>
-                <a:latin typeface="+mj-lt"/>
-              </a:rPr>
-              <a:t>cuyo atributo</a:t>
-            </a:r>
-            <a:r>
-              <a:rPr lang="es-MX" sz="5200" b="1" dirty="0">
-                <a:solidFill>
-                  <a:schemeClr val="bg1"/>
-                </a:solidFill>
-                <a:latin typeface="+mj-lt"/>
-              </a:rPr>
-              <a:t> </a:t>
-            </a:r>
-            <a:r>
-              <a:rPr lang="es-MX" sz="5200" b="1" dirty="0" err="1">
-                <a:solidFill>
-                  <a:schemeClr val="bg1"/>
-                </a:solidFill>
-                <a:latin typeface="+mj-lt"/>
-              </a:rPr>
-              <a:t>type</a:t>
-            </a:r>
-            <a:r>
-              <a:rPr lang="es-MX" sz="5200" b="1" dirty="0">
-                <a:solidFill>
-                  <a:schemeClr val="bg1"/>
-                </a:solidFill>
-                <a:latin typeface="+mj-lt"/>
-              </a:rPr>
-              <a:t> </a:t>
-            </a:r>
-            <a:r>
-              <a:rPr lang="es-MX" sz="5200" dirty="0">
-                <a:solidFill>
-                  <a:schemeClr val="bg1"/>
-                </a:solidFill>
-                <a:latin typeface="+mj-lt"/>
-              </a:rPr>
-              <a:t>tiene el valor “</a:t>
-            </a:r>
-            <a:r>
-              <a:rPr lang="es-MX" sz="5200" b="1" dirty="0">
-                <a:solidFill>
-                  <a:schemeClr val="bg1"/>
-                </a:solidFill>
-                <a:latin typeface="+mj-lt"/>
-              </a:rPr>
-              <a:t>radio”.</a:t>
-            </a:r>
-          </a:p>
-        </p:txBody>
-      </p:sp>
-      <p:pic>
-        <p:nvPicPr>
-          <p:cNvPr id="2" name="Imagen 1"/>
-          <p:cNvPicPr>
-            <a:picLocks noChangeAspect="1"/>
-          </p:cNvPicPr>
-          <p:nvPr/>
-        </p:nvPicPr>
-        <p:blipFill>
-          <a:blip r:embed="rId3"/>
-          <a:stretch>
-            <a:fillRect/>
-          </a:stretch>
-        </p:blipFill>
-        <p:spPr>
-          <a:xfrm>
-            <a:off x="2735932" y="7709059"/>
-            <a:ext cx="19971672" cy="1504949"/>
-          </a:xfrm>
-          <a:prstGeom prst="rect">
-            <a:avLst/>
-          </a:prstGeom>
-        </p:spPr>
-      </p:pic>
-    </p:spTree>
-    <p:extLst>
-      <p:ext uri="{BB962C8B-B14F-4D97-AF65-F5344CB8AC3E}">
-        <p14:creationId xmlns:p14="http://schemas.microsoft.com/office/powerpoint/2010/main" val="1849400229"/>
-      </p:ext>
-    </p:extLst>
-  </p:cSld>
-  <p:clrMapOvr>
-    <a:masterClrMapping/>
-  </p:clrMapOvr>
-  <mc:AlternateContent xmlns:mc="http://schemas.openxmlformats.org/markup-compatibility/2006" xmlns:p14="http://schemas.microsoft.com/office/powerpoint/2010/main">
-    <mc:Choice Requires="p14">
-      <p:transition spd="med" p14:dur="700">
-        <p:fade/>
-      </p:transition>
-    </mc:Choice>
-    <mc:Fallback xmlns="">
-      <p:transition spd="med">
-        <p:fade/>
-      </p:transition>
-    </mc:Fallback>
-  </mc:AlternateContent>
-  <p:timing>
-    <p:tnLst>
-      <p:par>
-        <p:cTn id="1" dur="indefinite" restart="never" nodeType="tmRoot"/>
-      </p:par>
-    </p:tnLst>
-  </p:timing>
-</p:sld>
-</file>
-
-<file path=ppt/slides/slide44.xml><?xml version="1.0" encoding="utf-8"?>
-<p:sld xmlns:a="http://schemas.openxmlformats.org/drawingml/2006/main" xmlns:r="http://schemas.openxmlformats.org/officeDocument/2006/relationships" xmlns:p="http://schemas.openxmlformats.org/presentationml/2006/main">
-  <p:cSld>
-    <p:spTree>
-      <p:nvGrpSpPr>
-        <p:cNvPr id="1" name="Shape 88"/>
-        <p:cNvGrpSpPr/>
-        <p:nvPr/>
-      </p:nvGrpSpPr>
-      <p:grpSpPr>
-        <a:xfrm>
-          <a:off x="0" y="0"/>
-          <a:ext cx="0" cy="0"/>
-          <a:chOff x="0" y="0"/>
-          <a:chExt cx="0" cy="0"/>
-        </a:xfrm>
-      </p:grpSpPr>
-      <p:sp>
-        <p:nvSpPr>
-          <p:cNvPr id="89" name="Google Shape;89;p3"/>
-          <p:cNvSpPr txBox="1">
-            <a:spLocks noGrp="1"/>
-          </p:cNvSpPr>
-          <p:nvPr>
-            <p:ph type="title"/>
-          </p:nvPr>
-        </p:nvSpPr>
-        <p:spPr>
-          <a:prstGeom prst="rect">
-            <a:avLst/>
-          </a:prstGeom>
-          <a:noFill/>
-          <a:ln>
-            <a:noFill/>
-          </a:ln>
-        </p:spPr>
-        <p:txBody>
-          <a:bodyPr spcFirstLastPara="1" vert="horz" wrap="square" lIns="182851" tIns="91400" rIns="182851" bIns="91400" rtlCol="0" anchor="ctr" anchorCtr="0">
-            <a:noAutofit/>
-          </a:bodyPr>
-          <a:lstStyle/>
-          <a:p>
-            <a:pPr lvl="0">
-              <a:buSzPts val="3200"/>
-            </a:pPr>
-            <a:r>
-              <a:rPr lang="es-PE" dirty="0" smtClean="0">
-                <a:solidFill>
-                  <a:schemeClr val="bg1"/>
-                </a:solidFill>
-              </a:rPr>
-              <a:t>Controles de Selección</a:t>
-            </a:r>
-            <a:endParaRPr dirty="0">
-              <a:solidFill>
-                <a:schemeClr val="bg1"/>
-              </a:solidFill>
-            </a:endParaRPr>
-          </a:p>
-        </p:txBody>
-      </p:sp>
-      <p:sp>
-        <p:nvSpPr>
-          <p:cNvPr id="90" name="Google Shape;90;p3"/>
-          <p:cNvSpPr txBox="1">
-            <a:spLocks noGrp="1"/>
-          </p:cNvSpPr>
-          <p:nvPr>
-            <p:ph type="body" idx="1"/>
-          </p:nvPr>
-        </p:nvSpPr>
-        <p:spPr>
-          <a:xfrm>
-            <a:off x="1206500" y="3157123"/>
-            <a:ext cx="21971000" cy="8256012"/>
-          </a:xfrm>
-          <a:prstGeom prst="rect">
-            <a:avLst/>
-          </a:prstGeom>
-          <a:noFill/>
-          <a:ln>
-            <a:noFill/>
-          </a:ln>
-        </p:spPr>
-        <p:txBody>
-          <a:bodyPr spcFirstLastPara="1" vert="horz" wrap="square" lIns="182851" tIns="91400" rIns="182851" bIns="91400" rtlCol="0" anchor="t" anchorCtr="0">
-            <a:noAutofit/>
-          </a:bodyPr>
-          <a:lstStyle/>
-          <a:p>
-            <a:pPr marL="0" indent="0" algn="just">
-              <a:buNone/>
-            </a:pPr>
-            <a:r>
-              <a:rPr lang="es-MX" sz="5200" dirty="0">
-                <a:solidFill>
-                  <a:schemeClr val="bg1"/>
-                </a:solidFill>
-                <a:latin typeface="+mj-lt"/>
-              </a:rPr>
-              <a:t>Los </a:t>
-            </a:r>
-            <a:r>
-              <a:rPr lang="es-MX" sz="5200" b="1" dirty="0">
-                <a:solidFill>
-                  <a:schemeClr val="bg1"/>
-                </a:solidFill>
-                <a:latin typeface="+mj-lt"/>
-              </a:rPr>
-              <a:t>botones de radio </a:t>
-            </a:r>
-            <a:r>
-              <a:rPr lang="es-MX" sz="5200" dirty="0">
-                <a:solidFill>
-                  <a:schemeClr val="bg1"/>
-                </a:solidFill>
-                <a:latin typeface="+mj-lt"/>
-              </a:rPr>
-              <a:t>que tienen el mismo atributo </a:t>
-            </a:r>
-            <a:r>
-              <a:rPr lang="es-MX" sz="5200" b="1" dirty="0" err="1">
-                <a:solidFill>
-                  <a:schemeClr val="bg1"/>
-                </a:solidFill>
-                <a:latin typeface="+mj-lt"/>
-              </a:rPr>
-              <a:t>name</a:t>
-            </a:r>
-            <a:r>
-              <a:rPr lang="es-MX" sz="5200" dirty="0">
-                <a:solidFill>
-                  <a:schemeClr val="bg1"/>
-                </a:solidFill>
-                <a:latin typeface="+mj-lt"/>
-              </a:rPr>
-              <a:t> forman un </a:t>
-            </a:r>
-            <a:r>
-              <a:rPr lang="es-MX" sz="5200" b="1" dirty="0">
-                <a:solidFill>
-                  <a:schemeClr val="bg1"/>
-                </a:solidFill>
-                <a:latin typeface="+mj-lt"/>
-              </a:rPr>
-              <a:t>grupo</a:t>
-            </a:r>
-            <a:r>
-              <a:rPr lang="es-MX" sz="5200" dirty="0">
-                <a:solidFill>
-                  <a:schemeClr val="bg1"/>
-                </a:solidFill>
-                <a:latin typeface="+mj-lt"/>
-              </a:rPr>
-              <a:t>, es decir, que si se marca uno de ellos se desmarca automáticamente el resto.</a:t>
-            </a:r>
-            <a:endParaRPr lang="es-MX" sz="5200" b="1" dirty="0">
-              <a:solidFill>
-                <a:schemeClr val="bg1"/>
-              </a:solidFill>
-              <a:latin typeface="+mj-lt"/>
-            </a:endParaRPr>
-          </a:p>
-        </p:txBody>
-      </p:sp>
-      <p:pic>
-        <p:nvPicPr>
-          <p:cNvPr id="3" name="Imagen 2"/>
-          <p:cNvPicPr>
-            <a:picLocks noChangeAspect="1"/>
-          </p:cNvPicPr>
-          <p:nvPr/>
-        </p:nvPicPr>
-        <p:blipFill>
-          <a:blip r:embed="rId3"/>
-          <a:stretch>
-            <a:fillRect/>
-          </a:stretch>
-        </p:blipFill>
-        <p:spPr>
-          <a:xfrm>
-            <a:off x="2014869" y="6473958"/>
-            <a:ext cx="19914523" cy="2171701"/>
-          </a:xfrm>
-          <a:prstGeom prst="rect">
-            <a:avLst/>
-          </a:prstGeom>
-        </p:spPr>
-      </p:pic>
-    </p:spTree>
-    <p:extLst>
-      <p:ext uri="{BB962C8B-B14F-4D97-AF65-F5344CB8AC3E}">
-        <p14:creationId xmlns:p14="http://schemas.microsoft.com/office/powerpoint/2010/main" val="753007284"/>
-      </p:ext>
-    </p:extLst>
-  </p:cSld>
-  <p:clrMapOvr>
-    <a:masterClrMapping/>
-  </p:clrMapOvr>
-  <mc:AlternateContent xmlns:mc="http://schemas.openxmlformats.org/markup-compatibility/2006" xmlns:p14="http://schemas.microsoft.com/office/powerpoint/2010/main">
-    <mc:Choice Requires="p14">
-      <p:transition spd="med" p14:dur="700">
-        <p:fade/>
-      </p:transition>
-    </mc:Choice>
-    <mc:Fallback xmlns="">
-      <p:transition spd="med">
-        <p:fade/>
-      </p:transition>
-    </mc:Fallback>
-  </mc:AlternateContent>
-  <p:timing>
-    <p:tnLst>
-      <p:par>
-        <p:cTn id="1" dur="indefinite" restart="never" nodeType="tmRoot"/>
-      </p:par>
-    </p:tnLst>
-  </p:timing>
-</p:sld>
-</file>
-
-<file path=ppt/slides/slide45.xml><?xml version="1.0" encoding="utf-8"?>
-<p:sld xmlns:a="http://schemas.openxmlformats.org/drawingml/2006/main" xmlns:r="http://schemas.openxmlformats.org/officeDocument/2006/relationships" xmlns:p="http://schemas.openxmlformats.org/presentationml/2006/main">
-  <p:cSld>
-    <p:spTree>
-      <p:nvGrpSpPr>
-        <p:cNvPr id="1" name="Shape 88"/>
-        <p:cNvGrpSpPr/>
-        <p:nvPr/>
-      </p:nvGrpSpPr>
-      <p:grpSpPr>
-        <a:xfrm>
-          <a:off x="0" y="0"/>
-          <a:ext cx="0" cy="0"/>
-          <a:chOff x="0" y="0"/>
-          <a:chExt cx="0" cy="0"/>
-        </a:xfrm>
-      </p:grpSpPr>
-      <p:sp>
-        <p:nvSpPr>
-          <p:cNvPr id="89" name="Google Shape;89;p3"/>
-          <p:cNvSpPr txBox="1">
-            <a:spLocks noGrp="1"/>
-          </p:cNvSpPr>
-          <p:nvPr>
-            <p:ph type="title"/>
-          </p:nvPr>
-        </p:nvSpPr>
-        <p:spPr>
-          <a:prstGeom prst="rect">
-            <a:avLst/>
-          </a:prstGeom>
-          <a:noFill/>
-          <a:ln>
-            <a:noFill/>
-          </a:ln>
-        </p:spPr>
-        <p:txBody>
-          <a:bodyPr spcFirstLastPara="1" vert="horz" wrap="square" lIns="182851" tIns="91400" rIns="182851" bIns="91400" rtlCol="0" anchor="ctr" anchorCtr="0">
-            <a:noAutofit/>
-          </a:bodyPr>
-          <a:lstStyle/>
-          <a:p>
-            <a:pPr lvl="0">
-              <a:buSzPts val="3200"/>
-            </a:pPr>
-            <a:r>
-              <a:rPr lang="es-PE" dirty="0" smtClean="0">
-                <a:solidFill>
-                  <a:schemeClr val="bg1"/>
-                </a:solidFill>
-              </a:rPr>
-              <a:t>Controles de Selección</a:t>
-            </a:r>
-            <a:endParaRPr dirty="0">
-              <a:solidFill>
-                <a:schemeClr val="bg1"/>
-              </a:solidFill>
-            </a:endParaRPr>
-          </a:p>
-        </p:txBody>
-      </p:sp>
-      <p:sp>
-        <p:nvSpPr>
-          <p:cNvPr id="90" name="Google Shape;90;p3"/>
-          <p:cNvSpPr txBox="1">
-            <a:spLocks noGrp="1"/>
-          </p:cNvSpPr>
-          <p:nvPr>
-            <p:ph type="body" idx="1"/>
-          </p:nvPr>
-        </p:nvSpPr>
-        <p:spPr>
-          <a:xfrm>
-            <a:off x="1099799" y="2512663"/>
-            <a:ext cx="21971000" cy="8256012"/>
-          </a:xfrm>
-          <a:prstGeom prst="rect">
-            <a:avLst/>
-          </a:prstGeom>
-          <a:noFill/>
-          <a:ln>
-            <a:noFill/>
-          </a:ln>
-        </p:spPr>
-        <p:txBody>
-          <a:bodyPr spcFirstLastPara="1" vert="horz" wrap="square" lIns="182851" tIns="91400" rIns="182851" bIns="91400" rtlCol="0" anchor="t" anchorCtr="0">
-            <a:noAutofit/>
-          </a:bodyPr>
-          <a:lstStyle/>
-          <a:p>
-            <a:pPr marL="0" indent="0" algn="just">
-              <a:buNone/>
-            </a:pPr>
-            <a:r>
-              <a:rPr lang="es-PE" sz="5200" b="1" dirty="0">
-                <a:solidFill>
-                  <a:schemeClr val="bg1"/>
-                </a:solidFill>
-                <a:latin typeface="+mj-lt"/>
-              </a:rPr>
-              <a:t>Casilla de Verificación </a:t>
-            </a:r>
-            <a:r>
-              <a:rPr lang="es-MX" sz="5200" b="1" dirty="0">
-                <a:solidFill>
-                  <a:schemeClr val="bg1"/>
-                </a:solidFill>
-                <a:latin typeface="+mj-lt"/>
-              </a:rPr>
-              <a:t>&lt;input </a:t>
-            </a:r>
-            <a:r>
-              <a:rPr lang="es-MX" sz="5200" b="1" dirty="0" err="1">
-                <a:solidFill>
-                  <a:schemeClr val="bg1"/>
-                </a:solidFill>
-                <a:latin typeface="+mj-lt"/>
-              </a:rPr>
-              <a:t>type</a:t>
-            </a:r>
-            <a:r>
-              <a:rPr lang="es-MX" sz="5200" b="1" dirty="0">
-                <a:solidFill>
-                  <a:schemeClr val="bg1"/>
-                </a:solidFill>
-                <a:latin typeface="+mj-lt"/>
-              </a:rPr>
-              <a:t>=“</a:t>
-            </a:r>
-            <a:r>
-              <a:rPr lang="es-MX" sz="5200" b="1" dirty="0" err="1">
-                <a:solidFill>
-                  <a:schemeClr val="bg1"/>
-                </a:solidFill>
-                <a:latin typeface="+mj-lt"/>
-              </a:rPr>
-              <a:t>checkbox</a:t>
-            </a:r>
-            <a:r>
-              <a:rPr lang="es-MX" sz="5200" b="1" dirty="0">
-                <a:solidFill>
-                  <a:schemeClr val="bg1"/>
-                </a:solidFill>
-                <a:latin typeface="+mj-lt"/>
-              </a:rPr>
-              <a:t>"&gt;: </a:t>
-            </a:r>
-            <a:r>
-              <a:rPr lang="es-MX" sz="5200" dirty="0">
-                <a:solidFill>
-                  <a:schemeClr val="bg1"/>
-                </a:solidFill>
-                <a:latin typeface="+mj-lt"/>
-              </a:rPr>
-              <a:t>Las casillas de verificación se crean mediante una etiqueta </a:t>
-            </a:r>
-            <a:r>
-              <a:rPr lang="es-MX" sz="5200" b="1" dirty="0">
-                <a:solidFill>
-                  <a:schemeClr val="bg1"/>
-                </a:solidFill>
-                <a:latin typeface="+mj-lt"/>
-              </a:rPr>
-              <a:t>&lt;input&gt;</a:t>
-            </a:r>
-            <a:r>
-              <a:rPr lang="es-MX" sz="5200" dirty="0">
-                <a:solidFill>
-                  <a:schemeClr val="bg1"/>
-                </a:solidFill>
-                <a:latin typeface="+mj-lt"/>
-              </a:rPr>
-              <a:t> cuyo atributo </a:t>
-            </a:r>
-            <a:r>
-              <a:rPr lang="es-MX" sz="5200" b="1" dirty="0" err="1">
-                <a:solidFill>
-                  <a:schemeClr val="bg1"/>
-                </a:solidFill>
-                <a:latin typeface="+mj-lt"/>
-              </a:rPr>
-              <a:t>type</a:t>
-            </a:r>
-            <a:r>
-              <a:rPr lang="es-MX" sz="5200" dirty="0">
-                <a:solidFill>
-                  <a:schemeClr val="bg1"/>
-                </a:solidFill>
-                <a:latin typeface="+mj-lt"/>
-              </a:rPr>
-              <a:t> tiene el valor </a:t>
-            </a:r>
-            <a:r>
-              <a:rPr lang="es-MX" sz="5200" b="1" dirty="0">
-                <a:solidFill>
-                  <a:schemeClr val="bg1"/>
-                </a:solidFill>
-                <a:latin typeface="+mj-lt"/>
-              </a:rPr>
-              <a:t>“</a:t>
-            </a:r>
-            <a:r>
-              <a:rPr lang="es-MX" sz="5200" b="1" dirty="0" err="1">
-                <a:solidFill>
-                  <a:schemeClr val="bg1"/>
-                </a:solidFill>
-                <a:latin typeface="+mj-lt"/>
-              </a:rPr>
-              <a:t>checkbox</a:t>
-            </a:r>
-            <a:r>
-              <a:rPr lang="es-MX" sz="5200" b="1" dirty="0">
-                <a:solidFill>
-                  <a:schemeClr val="bg1"/>
-                </a:solidFill>
-                <a:latin typeface="+mj-lt"/>
-              </a:rPr>
-              <a:t>”.</a:t>
-            </a:r>
-          </a:p>
-        </p:txBody>
-      </p:sp>
-      <p:pic>
-        <p:nvPicPr>
-          <p:cNvPr id="3" name="Imagen 2"/>
-          <p:cNvPicPr>
-            <a:picLocks noChangeAspect="1"/>
-          </p:cNvPicPr>
-          <p:nvPr/>
-        </p:nvPicPr>
-        <p:blipFill>
-          <a:blip r:embed="rId3"/>
-          <a:stretch>
-            <a:fillRect/>
-          </a:stretch>
-        </p:blipFill>
-        <p:spPr>
-          <a:xfrm>
-            <a:off x="2276655" y="7626086"/>
-            <a:ext cx="19617288" cy="1504949"/>
-          </a:xfrm>
-          <a:prstGeom prst="rect">
-            <a:avLst/>
-          </a:prstGeom>
-        </p:spPr>
-      </p:pic>
-    </p:spTree>
-    <p:extLst>
-      <p:ext uri="{BB962C8B-B14F-4D97-AF65-F5344CB8AC3E}">
-        <p14:creationId xmlns:p14="http://schemas.microsoft.com/office/powerpoint/2010/main" val="1202667141"/>
-      </p:ext>
-    </p:extLst>
-  </p:cSld>
-  <p:clrMapOvr>
-    <a:masterClrMapping/>
-  </p:clrMapOvr>
-  <mc:AlternateContent xmlns:mc="http://schemas.openxmlformats.org/markup-compatibility/2006" xmlns:p14="http://schemas.microsoft.com/office/powerpoint/2010/main">
-    <mc:Choice Requires="p14">
-      <p:transition spd="med" p14:dur="700">
-        <p:fade/>
-      </p:transition>
-    </mc:Choice>
-    <mc:Fallback xmlns="">
-      <p:transition spd="med">
-        <p:fade/>
-      </p:transition>
-    </mc:Fallback>
-  </mc:AlternateContent>
-  <p:timing>
-    <p:tnLst>
-      <p:par>
-        <p:cTn id="1" dur="indefinite" restart="never" nodeType="tmRoot"/>
-      </p:par>
-    </p:tnLst>
-  </p:timing>
-</p:sld>
-</file>
-
-<file path=ppt/slides/slide46.xml><?xml version="1.0" encoding="utf-8"?>
-<p:sld xmlns:a="http://schemas.openxmlformats.org/drawingml/2006/main" xmlns:r="http://schemas.openxmlformats.org/officeDocument/2006/relationships" xmlns:p="http://schemas.openxmlformats.org/presentationml/2006/main">
-  <p:cSld>
-    <p:spTree>
-      <p:nvGrpSpPr>
-        <p:cNvPr id="1" name="Shape 88"/>
-        <p:cNvGrpSpPr/>
-        <p:nvPr/>
-      </p:nvGrpSpPr>
-      <p:grpSpPr>
-        <a:xfrm>
-          <a:off x="0" y="0"/>
-          <a:ext cx="0" cy="0"/>
-          <a:chOff x="0" y="0"/>
-          <a:chExt cx="0" cy="0"/>
-        </a:xfrm>
-      </p:grpSpPr>
-      <p:sp>
-        <p:nvSpPr>
-          <p:cNvPr id="89" name="Google Shape;89;p3"/>
-          <p:cNvSpPr txBox="1">
-            <a:spLocks noGrp="1"/>
-          </p:cNvSpPr>
-          <p:nvPr>
-            <p:ph type="title"/>
-          </p:nvPr>
-        </p:nvSpPr>
-        <p:spPr>
-          <a:prstGeom prst="rect">
-            <a:avLst/>
-          </a:prstGeom>
-          <a:noFill/>
-          <a:ln>
-            <a:noFill/>
-          </a:ln>
-        </p:spPr>
-        <p:txBody>
-          <a:bodyPr spcFirstLastPara="1" vert="horz" wrap="square" lIns="182851" tIns="91400" rIns="182851" bIns="91400" rtlCol="0" anchor="ctr" anchorCtr="0">
-            <a:noAutofit/>
-          </a:bodyPr>
-          <a:lstStyle/>
-          <a:p>
-            <a:pPr lvl="0">
-              <a:buSzPts val="3200"/>
-            </a:pPr>
-            <a:r>
-              <a:rPr lang="es-PE" dirty="0" smtClean="0">
-                <a:solidFill>
-                  <a:schemeClr val="bg1"/>
-                </a:solidFill>
-              </a:rPr>
-              <a:t>Controles de Selección</a:t>
-            </a:r>
-            <a:endParaRPr dirty="0">
-              <a:solidFill>
-                <a:schemeClr val="bg1"/>
-              </a:solidFill>
-            </a:endParaRPr>
-          </a:p>
-        </p:txBody>
-      </p:sp>
-      <p:sp>
-        <p:nvSpPr>
-          <p:cNvPr id="90" name="Google Shape;90;p3"/>
-          <p:cNvSpPr txBox="1">
-            <a:spLocks noGrp="1"/>
-          </p:cNvSpPr>
-          <p:nvPr>
-            <p:ph type="body" idx="1"/>
-          </p:nvPr>
-        </p:nvSpPr>
-        <p:spPr>
-          <a:xfrm>
-            <a:off x="1206500" y="2515952"/>
-            <a:ext cx="21971000" cy="8256012"/>
-          </a:xfrm>
-          <a:prstGeom prst="rect">
-            <a:avLst/>
-          </a:prstGeom>
-          <a:noFill/>
-          <a:ln>
-            <a:noFill/>
-          </a:ln>
-        </p:spPr>
-        <p:txBody>
-          <a:bodyPr spcFirstLastPara="1" vert="horz" wrap="square" lIns="182851" tIns="91400" rIns="182851" bIns="91400" rtlCol="0" anchor="t" anchorCtr="0">
-            <a:noAutofit/>
-          </a:bodyPr>
-          <a:lstStyle/>
-          <a:p>
-            <a:pPr marL="0" indent="0" algn="just">
-              <a:buNone/>
-            </a:pPr>
-            <a:r>
-              <a:rPr lang="es-PE" sz="5200" b="1" dirty="0">
-                <a:solidFill>
-                  <a:schemeClr val="bg1"/>
-                </a:solidFill>
-                <a:latin typeface="+mj-lt"/>
-              </a:rPr>
-              <a:t>Cuadro combinado </a:t>
-            </a:r>
-            <a:r>
-              <a:rPr lang="es-MX" sz="5200" b="1" dirty="0">
-                <a:solidFill>
-                  <a:schemeClr val="bg1"/>
-                </a:solidFill>
-                <a:latin typeface="+mj-lt"/>
-              </a:rPr>
-              <a:t>&lt;</a:t>
-            </a:r>
-            <a:r>
-              <a:rPr lang="es-MX" sz="5200" b="1" dirty="0" err="1">
-                <a:solidFill>
-                  <a:schemeClr val="bg1"/>
-                </a:solidFill>
-                <a:latin typeface="+mj-lt"/>
-              </a:rPr>
-              <a:t>select</a:t>
-            </a:r>
-            <a:r>
-              <a:rPr lang="es-MX" sz="5200" b="1" dirty="0">
-                <a:solidFill>
-                  <a:schemeClr val="bg1"/>
-                </a:solidFill>
-                <a:latin typeface="+mj-lt"/>
-              </a:rPr>
-              <a:t>&gt;: </a:t>
-            </a:r>
-            <a:r>
-              <a:rPr lang="es-MX" sz="5200" dirty="0">
-                <a:solidFill>
-                  <a:schemeClr val="bg1"/>
-                </a:solidFill>
-                <a:latin typeface="+mj-lt"/>
-              </a:rPr>
-              <a:t>Los cuadros combinados se crean mediante la etiqueta </a:t>
-            </a:r>
-            <a:r>
-              <a:rPr lang="es-MX" sz="5200" b="1" dirty="0">
-                <a:solidFill>
-                  <a:schemeClr val="bg1"/>
-                </a:solidFill>
-                <a:latin typeface="+mj-lt"/>
-              </a:rPr>
-              <a:t>&lt;</a:t>
-            </a:r>
-            <a:r>
-              <a:rPr lang="es-MX" sz="5200" b="1" dirty="0" err="1">
-                <a:solidFill>
-                  <a:schemeClr val="bg1"/>
-                </a:solidFill>
-                <a:latin typeface="+mj-lt"/>
-              </a:rPr>
-              <a:t>select</a:t>
-            </a:r>
-            <a:r>
-              <a:rPr lang="es-MX" sz="5200" b="1" dirty="0">
-                <a:solidFill>
-                  <a:schemeClr val="bg1"/>
-                </a:solidFill>
-                <a:latin typeface="+mj-lt"/>
-              </a:rPr>
-              <a:t>&gt;. </a:t>
-            </a:r>
-            <a:r>
-              <a:rPr lang="es-MX" sz="5200" dirty="0">
-                <a:solidFill>
-                  <a:schemeClr val="bg1"/>
-                </a:solidFill>
-                <a:latin typeface="+mj-lt"/>
-              </a:rPr>
-              <a:t>Cada opción se define mediante la etiqueta </a:t>
-            </a:r>
-            <a:r>
-              <a:rPr lang="es-MX" sz="5200" b="1" dirty="0">
-                <a:solidFill>
-                  <a:schemeClr val="bg1"/>
-                </a:solidFill>
-                <a:latin typeface="+mj-lt"/>
-              </a:rPr>
-              <a:t>&lt;</a:t>
-            </a:r>
-            <a:r>
-              <a:rPr lang="es-MX" sz="5200" b="1" dirty="0" err="1">
-                <a:solidFill>
-                  <a:schemeClr val="bg1"/>
-                </a:solidFill>
-                <a:latin typeface="+mj-lt"/>
-              </a:rPr>
-              <a:t>option</a:t>
-            </a:r>
-            <a:r>
-              <a:rPr lang="es-MX" sz="5200" b="1" dirty="0">
-                <a:solidFill>
-                  <a:schemeClr val="bg1"/>
-                </a:solidFill>
-                <a:latin typeface="+mj-lt"/>
-              </a:rPr>
-              <a:t>&gt;. </a:t>
-            </a:r>
-            <a:r>
-              <a:rPr lang="es-MX" sz="5200" dirty="0">
-                <a:solidFill>
-                  <a:schemeClr val="bg1"/>
-                </a:solidFill>
-                <a:latin typeface="+mj-lt"/>
-              </a:rPr>
-              <a:t>El valor que se envía es el texto que aparece en la lista desplegable o </a:t>
-            </a:r>
-            <a:r>
-              <a:rPr lang="es-MX" sz="5200" dirty="0" err="1">
-                <a:solidFill>
-                  <a:schemeClr val="bg1"/>
-                </a:solidFill>
-                <a:latin typeface="+mj-lt"/>
-              </a:rPr>
-              <a:t>menu</a:t>
-            </a:r>
-            <a:r>
-              <a:rPr lang="es-MX" sz="5200" dirty="0">
-                <a:solidFill>
-                  <a:schemeClr val="bg1"/>
-                </a:solidFill>
-                <a:latin typeface="+mj-lt"/>
-              </a:rPr>
-              <a:t>, salvo si el elemento &lt;</a:t>
-            </a:r>
-            <a:r>
-              <a:rPr lang="es-MX" sz="5200" dirty="0" err="1">
-                <a:solidFill>
-                  <a:schemeClr val="bg1"/>
-                </a:solidFill>
-                <a:latin typeface="+mj-lt"/>
-              </a:rPr>
-              <a:t>option</a:t>
-            </a:r>
-            <a:r>
-              <a:rPr lang="es-MX" sz="5200" dirty="0">
-                <a:solidFill>
-                  <a:schemeClr val="bg1"/>
-                </a:solidFill>
-                <a:latin typeface="+mj-lt"/>
-              </a:rPr>
-              <a:t>&gt; contiene el atributo </a:t>
-            </a:r>
-            <a:r>
-              <a:rPr lang="es-MX" sz="5200" b="1" dirty="0" err="1">
-                <a:solidFill>
-                  <a:schemeClr val="bg1"/>
-                </a:solidFill>
-                <a:latin typeface="+mj-lt"/>
-              </a:rPr>
-              <a:t>value</a:t>
-            </a:r>
-            <a:r>
-              <a:rPr lang="es-MX" sz="5200" b="1" dirty="0">
-                <a:solidFill>
-                  <a:schemeClr val="bg1"/>
-                </a:solidFill>
-                <a:latin typeface="+mj-lt"/>
-              </a:rPr>
-              <a:t>.</a:t>
-            </a:r>
-          </a:p>
-        </p:txBody>
-      </p:sp>
-      <p:pic>
-        <p:nvPicPr>
-          <p:cNvPr id="2" name="Imagen 1"/>
-          <p:cNvPicPr>
-            <a:picLocks noChangeAspect="1"/>
-          </p:cNvPicPr>
-          <p:nvPr/>
-        </p:nvPicPr>
-        <p:blipFill>
-          <a:blip r:embed="rId3"/>
-          <a:stretch>
-            <a:fillRect/>
-          </a:stretch>
-        </p:blipFill>
-        <p:spPr>
-          <a:xfrm>
-            <a:off x="2716881" y="8238313"/>
-            <a:ext cx="19990723" cy="2533651"/>
-          </a:xfrm>
-          <a:prstGeom prst="rect">
-            <a:avLst/>
-          </a:prstGeom>
-        </p:spPr>
-      </p:pic>
-    </p:spTree>
-    <p:extLst>
-      <p:ext uri="{BB962C8B-B14F-4D97-AF65-F5344CB8AC3E}">
-        <p14:creationId xmlns:p14="http://schemas.microsoft.com/office/powerpoint/2010/main" val="156076860"/>
-      </p:ext>
-    </p:extLst>
-  </p:cSld>
-  <p:clrMapOvr>
-    <a:masterClrMapping/>
-  </p:clrMapOvr>
-  <mc:AlternateContent xmlns:mc="http://schemas.openxmlformats.org/markup-compatibility/2006" xmlns:p14="http://schemas.microsoft.com/office/powerpoint/2010/main">
-    <mc:Choice Requires="p14">
-      <p:transition spd="med" p14:dur="700">
-        <p:fade/>
-      </p:transition>
-    </mc:Choice>
-    <mc:Fallback xmlns="">
-      <p:transition spd="med">
-        <p:fade/>
-      </p:transition>
-    </mc:Fallback>
-  </mc:AlternateContent>
-  <p:timing>
-    <p:tnLst>
-      <p:par>
-        <p:cTn id="1" dur="indefinite" restart="never" nodeType="tmRoot"/>
-      </p:par>
-    </p:tnLst>
-  </p:timing>
-</p:sld>
-</file>
-
-<file path=ppt/slides/slide47.xml><?xml version="1.0" encoding="utf-8"?>
-<p:sld xmlns:a="http://schemas.openxmlformats.org/drawingml/2006/main" xmlns:r="http://schemas.openxmlformats.org/officeDocument/2006/relationships" xmlns:p="http://schemas.openxmlformats.org/presentationml/2006/main">
-  <p:cSld>
-    <p:spTree>
-      <p:nvGrpSpPr>
-        <p:cNvPr id="1" name="Shape 88"/>
-        <p:cNvGrpSpPr/>
-        <p:nvPr/>
-      </p:nvGrpSpPr>
-      <p:grpSpPr>
-        <a:xfrm>
-          <a:off x="0" y="0"/>
-          <a:ext cx="0" cy="0"/>
-          <a:chOff x="0" y="0"/>
-          <a:chExt cx="0" cy="0"/>
-        </a:xfrm>
-      </p:grpSpPr>
-      <p:sp>
-        <p:nvSpPr>
-          <p:cNvPr id="89" name="Google Shape;89;p3"/>
-          <p:cNvSpPr txBox="1">
-            <a:spLocks noGrp="1"/>
-          </p:cNvSpPr>
-          <p:nvPr>
-            <p:ph type="title"/>
-          </p:nvPr>
-        </p:nvSpPr>
-        <p:spPr>
-          <a:prstGeom prst="rect">
-            <a:avLst/>
-          </a:prstGeom>
-          <a:noFill/>
-          <a:ln>
-            <a:noFill/>
-          </a:ln>
-        </p:spPr>
-        <p:txBody>
-          <a:bodyPr spcFirstLastPara="1" vert="horz" wrap="square" lIns="182851" tIns="91400" rIns="182851" bIns="91400" rtlCol="0" anchor="ctr" anchorCtr="0">
-            <a:noAutofit/>
-          </a:bodyPr>
-          <a:lstStyle/>
-          <a:p>
-            <a:pPr lvl="0">
-              <a:buSzPts val="3200"/>
-            </a:pPr>
-            <a:r>
-              <a:rPr lang="es-PE" dirty="0" smtClean="0">
-                <a:solidFill>
-                  <a:schemeClr val="bg1"/>
-                </a:solidFill>
-              </a:rPr>
-              <a:t>Controles de Selección</a:t>
-            </a:r>
-            <a:endParaRPr dirty="0">
-              <a:solidFill>
-                <a:schemeClr val="bg1"/>
-              </a:solidFill>
-            </a:endParaRPr>
-          </a:p>
-        </p:txBody>
-      </p:sp>
-      <p:sp>
-        <p:nvSpPr>
-          <p:cNvPr id="90" name="Google Shape;90;p3"/>
-          <p:cNvSpPr txBox="1">
-            <a:spLocks noGrp="1"/>
-          </p:cNvSpPr>
-          <p:nvPr>
-            <p:ph type="body" idx="1"/>
-          </p:nvPr>
-        </p:nvSpPr>
-        <p:spPr>
-          <a:prstGeom prst="rect">
-            <a:avLst/>
-          </a:prstGeom>
-          <a:noFill/>
-          <a:ln>
-            <a:noFill/>
-          </a:ln>
-        </p:spPr>
-        <p:txBody>
-          <a:bodyPr spcFirstLastPara="1" vert="horz" wrap="square" lIns="182851" tIns="91400" rIns="182851" bIns="91400" rtlCol="0" anchor="t" anchorCtr="0">
-            <a:noAutofit/>
-          </a:bodyPr>
-          <a:lstStyle/>
-          <a:p>
-            <a:pPr marL="0" indent="0" algn="just">
-              <a:buNone/>
-            </a:pPr>
-            <a:r>
-              <a:rPr lang="es-PE" dirty="0">
-                <a:solidFill>
-                  <a:schemeClr val="bg1"/>
-                </a:solidFill>
-              </a:rPr>
-              <a:t>El </a:t>
-            </a:r>
-            <a:r>
-              <a:rPr lang="es-PE" b="1" dirty="0">
-                <a:solidFill>
-                  <a:schemeClr val="bg1"/>
-                </a:solidFill>
-              </a:rPr>
-              <a:t>atributo </a:t>
-            </a:r>
-            <a:r>
-              <a:rPr lang="es-PE" b="1" dirty="0" err="1">
-                <a:solidFill>
-                  <a:schemeClr val="bg1"/>
-                </a:solidFill>
-              </a:rPr>
-              <a:t>size</a:t>
-            </a:r>
-            <a:r>
-              <a:rPr lang="es-PE" b="1" dirty="0">
-                <a:solidFill>
-                  <a:schemeClr val="bg1"/>
-                </a:solidFill>
-              </a:rPr>
-              <a:t> </a:t>
-            </a:r>
-            <a:r>
-              <a:rPr lang="es-PE" dirty="0">
-                <a:solidFill>
-                  <a:schemeClr val="bg1"/>
-                </a:solidFill>
-              </a:rPr>
-              <a:t>permite definir la altura del control.</a:t>
-            </a:r>
-            <a:endParaRPr lang="es-MX" sz="5200" b="1" dirty="0">
-              <a:solidFill>
-                <a:schemeClr val="bg1"/>
-              </a:solidFill>
-              <a:latin typeface="+mj-lt"/>
-            </a:endParaRPr>
-          </a:p>
-        </p:txBody>
-      </p:sp>
-      <p:pic>
-        <p:nvPicPr>
-          <p:cNvPr id="3" name="Imagen 2"/>
-          <p:cNvPicPr>
-            <a:picLocks noChangeAspect="1"/>
-          </p:cNvPicPr>
-          <p:nvPr/>
-        </p:nvPicPr>
-        <p:blipFill>
-          <a:blip r:embed="rId3"/>
-          <a:stretch>
-            <a:fillRect/>
-          </a:stretch>
-        </p:blipFill>
-        <p:spPr>
-          <a:xfrm>
-            <a:off x="2782956" y="6575128"/>
-            <a:ext cx="19797453" cy="3352800"/>
-          </a:xfrm>
-          <a:prstGeom prst="rect">
-            <a:avLst/>
-          </a:prstGeom>
-        </p:spPr>
-      </p:pic>
-    </p:spTree>
-    <p:extLst>
-      <p:ext uri="{BB962C8B-B14F-4D97-AF65-F5344CB8AC3E}">
-        <p14:creationId xmlns:p14="http://schemas.microsoft.com/office/powerpoint/2010/main" val="3612453135"/>
-      </p:ext>
-    </p:extLst>
-  </p:cSld>
-  <p:clrMapOvr>
-    <a:masterClrMapping/>
-  </p:clrMapOvr>
-  <mc:AlternateContent xmlns:mc="http://schemas.openxmlformats.org/markup-compatibility/2006" xmlns:p14="http://schemas.microsoft.com/office/powerpoint/2010/main">
-    <mc:Choice Requires="p14">
-      <p:transition spd="med" p14:dur="700">
-        <p:fade/>
-      </p:transition>
-    </mc:Choice>
-    <mc:Fallback xmlns="">
-      <p:transition spd="med">
-        <p:fade/>
-      </p:transition>
-    </mc:Fallback>
-  </mc:AlternateContent>
-  <p:timing>
-    <p:tnLst>
-      <p:par>
-        <p:cTn id="1" dur="indefinite" restart="never" nodeType="tmRoot"/>
-      </p:par>
-    </p:tnLst>
-  </p:timing>
-</p:sld>
-</file>
-
-<file path=ppt/slides/slide48.xml><?xml version="1.0" encoding="utf-8"?>
-<p:sld xmlns:a="http://schemas.openxmlformats.org/drawingml/2006/main" xmlns:r="http://schemas.openxmlformats.org/officeDocument/2006/relationships" xmlns:p="http://schemas.openxmlformats.org/presentationml/2006/main">
-  <p:cSld>
     <p:bg>
       <p:bgPr>
         <a:solidFill>
@@ -24581,7 +16587,7 @@
           </a:ln>
           <a:extLst>
             <a:ext uri="{C572A759-6A51-4108-AA02-DFA0A04FC94B}">
-              <ma14:wrappingTextBoxFlag xmlns="" xmlns:m="http://schemas.openxmlformats.org/officeDocument/2006/math" xmlns:a14="http://schemas.microsoft.com/office/drawing/2010/main" xmlns:ma14="http://schemas.microsoft.com/office/mac/drawingml/2011/main" val="1"/>
+              <ma14:wrappingTextBoxFlag xmlns:ma14="http://schemas.microsoft.com/office/mac/drawingml/2011/main" xmlns:a14="http://schemas.microsoft.com/office/drawing/2010/main" xmlns:m="http://schemas.openxmlformats.org/officeDocument/2006/math" xmlns="" val="1"/>
             </a:ext>
           </a:extLst>
         </p:spPr>
@@ -24666,7 +16672,7 @@
           <a:p>
             <a:fld id="{86CB4B4D-7CA3-9044-876B-883B54F8677D}" type="slidenum">
               <a:rPr lang="es-PE" smtClean="0"/>
-              <a:t>48</a:t>
+              <a:t>29</a:t>
             </a:fld>
             <a:endParaRPr lang="es-PE"/>
           </a:p>
@@ -24689,6 +16695,488 @@
       </p:transition>
     </mc:Fallback>
   </mc:AlternateContent>
+</p:sld>
+</file>
+
+<file path=ppt/slides/slide3.xml><?xml version="1.0" encoding="utf-8"?>
+<p:sld xmlns:a="http://schemas.openxmlformats.org/drawingml/2006/main" xmlns:r="http://schemas.openxmlformats.org/officeDocument/2006/relationships" xmlns:p="http://schemas.openxmlformats.org/presentationml/2006/main">
+  <p:cSld>
+    <p:spTree>
+      <p:nvGrpSpPr>
+        <p:cNvPr id="1" name="Shape 88"/>
+        <p:cNvGrpSpPr/>
+        <p:nvPr/>
+      </p:nvGrpSpPr>
+      <p:grpSpPr>
+        <a:xfrm>
+          <a:off x="0" y="0"/>
+          <a:ext cx="0" cy="0"/>
+          <a:chOff x="0" y="0"/>
+          <a:chExt cx="0" cy="0"/>
+        </a:xfrm>
+      </p:grpSpPr>
+      <p:sp>
+        <p:nvSpPr>
+          <p:cNvPr id="89" name="Google Shape;89;p3"/>
+          <p:cNvSpPr txBox="1">
+            <a:spLocks noGrp="1"/>
+          </p:cNvSpPr>
+          <p:nvPr>
+            <p:ph type="title"/>
+          </p:nvPr>
+        </p:nvSpPr>
+        <p:spPr>
+          <a:prstGeom prst="rect">
+            <a:avLst/>
+          </a:prstGeom>
+          <a:noFill/>
+          <a:ln>
+            <a:noFill/>
+          </a:ln>
+        </p:spPr>
+        <p:txBody>
+          <a:bodyPr spcFirstLastPara="1" vert="horz" wrap="square" lIns="182851" tIns="91400" rIns="182851" bIns="91400" rtlCol="0" anchor="ctr" anchorCtr="0">
+            <a:noAutofit/>
+          </a:bodyPr>
+          <a:lstStyle/>
+          <a:p>
+            <a:pPr>
+              <a:lnSpc>
+                <a:spcPct val="90000"/>
+              </a:lnSpc>
+              <a:buClr>
+                <a:schemeClr val="lt1"/>
+              </a:buClr>
+              <a:buSzPts val="3200"/>
+            </a:pPr>
+            <a:r>
+              <a:rPr lang="es-PE" dirty="0" smtClean="0">
+                <a:solidFill>
+                  <a:schemeClr val="bg1"/>
+                </a:solidFill>
+              </a:rPr>
+              <a:t>Funciones de usuario en JavaScript</a:t>
+            </a:r>
+            <a:endParaRPr dirty="0">
+              <a:solidFill>
+                <a:schemeClr val="bg1"/>
+              </a:solidFill>
+            </a:endParaRPr>
+          </a:p>
+        </p:txBody>
+      </p:sp>
+      <p:sp>
+        <p:nvSpPr>
+          <p:cNvPr id="90" name="Google Shape;90;p3"/>
+          <p:cNvSpPr txBox="1">
+            <a:spLocks noGrp="1"/>
+          </p:cNvSpPr>
+          <p:nvPr>
+            <p:ph type="body" idx="1"/>
+          </p:nvPr>
+        </p:nvSpPr>
+        <p:spPr>
+          <a:xfrm>
+            <a:off x="918467" y="2512663"/>
+            <a:ext cx="22590461" cy="6542847"/>
+          </a:xfrm>
+          <a:prstGeom prst="rect">
+            <a:avLst/>
+          </a:prstGeom>
+          <a:noFill/>
+          <a:ln>
+            <a:noFill/>
+          </a:ln>
+        </p:spPr>
+        <p:txBody>
+          <a:bodyPr spcFirstLastPara="1" vert="horz" wrap="square" lIns="182851" tIns="91400" rIns="182851" bIns="91400" rtlCol="0" anchor="t" anchorCtr="0">
+            <a:normAutofit/>
+          </a:bodyPr>
+          <a:lstStyle/>
+          <a:p>
+            <a:pPr lvl="0" algn="just"/>
+            <a:r>
+              <a:rPr lang="es-MX" sz="5200" dirty="0">
+                <a:solidFill>
+                  <a:schemeClr val="bg1"/>
+                </a:solidFill>
+                <a:latin typeface="+mj-lt"/>
+              </a:rPr>
+              <a:t>Cuando se desarrolla una aplicación compleja, es muy habitual utilizar una y otra vez las </a:t>
+            </a:r>
+            <a:r>
+              <a:rPr lang="es-MX" sz="5200" b="1" dirty="0">
+                <a:solidFill>
+                  <a:schemeClr val="bg1"/>
+                </a:solidFill>
+                <a:latin typeface="+mj-lt"/>
+              </a:rPr>
+              <a:t>mismas instrucciones. </a:t>
+            </a:r>
+          </a:p>
+          <a:p>
+            <a:pPr lvl="0" algn="just"/>
+            <a:r>
+              <a:rPr lang="es-MX" sz="5200" dirty="0">
+                <a:solidFill>
+                  <a:schemeClr val="bg1"/>
+                </a:solidFill>
+                <a:latin typeface="+mj-lt"/>
+              </a:rPr>
+              <a:t>Las funciones son la </a:t>
+            </a:r>
+            <a:r>
+              <a:rPr lang="es-MX" sz="5200" b="1" dirty="0">
+                <a:solidFill>
+                  <a:schemeClr val="bg1"/>
+                </a:solidFill>
+                <a:latin typeface="+mj-lt"/>
+              </a:rPr>
+              <a:t>solución</a:t>
+            </a:r>
+            <a:r>
+              <a:rPr lang="es-MX" sz="5200" dirty="0">
+                <a:solidFill>
+                  <a:schemeClr val="bg1"/>
+                </a:solidFill>
+                <a:latin typeface="+mj-lt"/>
+              </a:rPr>
+              <a:t> a todos estos problemas, tanto en JavaScript como en el resto de lenguajes de programación. Una función es un conjunto de instrucciones que se </a:t>
+            </a:r>
+            <a:r>
+              <a:rPr lang="es-MX" sz="5200" b="1" dirty="0">
+                <a:solidFill>
+                  <a:schemeClr val="bg1"/>
+                </a:solidFill>
+                <a:latin typeface="+mj-lt"/>
+              </a:rPr>
+              <a:t>agrupan</a:t>
+            </a:r>
+            <a:r>
+              <a:rPr lang="es-MX" sz="5200" dirty="0">
+                <a:solidFill>
+                  <a:schemeClr val="bg1"/>
+                </a:solidFill>
+                <a:latin typeface="+mj-lt"/>
+              </a:rPr>
+              <a:t> para realizar una tarea concreta y que se pueden </a:t>
+            </a:r>
+            <a:r>
+              <a:rPr lang="es-MX" sz="5200" b="1" dirty="0">
+                <a:solidFill>
+                  <a:schemeClr val="bg1"/>
+                </a:solidFill>
+                <a:latin typeface="+mj-lt"/>
+              </a:rPr>
+              <a:t>reutilizar fácilmente.</a:t>
+            </a:r>
+            <a:endParaRPr sz="5200" b="1" dirty="0">
+              <a:solidFill>
+                <a:schemeClr val="bg1"/>
+              </a:solidFill>
+              <a:latin typeface="+mj-lt"/>
+            </a:endParaRPr>
+          </a:p>
+        </p:txBody>
+      </p:sp>
+      <p:pic>
+        <p:nvPicPr>
+          <p:cNvPr id="8" name="Imagen 7"/>
+          <p:cNvPicPr>
+            <a:picLocks noChangeAspect="1"/>
+          </p:cNvPicPr>
+          <p:nvPr/>
+        </p:nvPicPr>
+        <p:blipFill>
+          <a:blip r:embed="rId3"/>
+          <a:stretch>
+            <a:fillRect/>
+          </a:stretch>
+        </p:blipFill>
+        <p:spPr>
+          <a:xfrm>
+            <a:off x="19476480" y="8121802"/>
+            <a:ext cx="4032448" cy="4733741"/>
+          </a:xfrm>
+          <a:prstGeom prst="rect">
+            <a:avLst/>
+          </a:prstGeom>
+        </p:spPr>
+      </p:pic>
+    </p:spTree>
+    <p:extLst>
+      <p:ext uri="{BB962C8B-B14F-4D97-AF65-F5344CB8AC3E}">
+        <p14:creationId xmlns:p14="http://schemas.microsoft.com/office/powerpoint/2010/main" val="1902940464"/>
+      </p:ext>
+    </p:extLst>
+  </p:cSld>
+  <p:clrMapOvr>
+    <a:masterClrMapping/>
+  </p:clrMapOvr>
+  <mc:AlternateContent xmlns:mc="http://schemas.openxmlformats.org/markup-compatibility/2006" xmlns:p14="http://schemas.microsoft.com/office/powerpoint/2010/main">
+    <mc:Choice Requires="p14">
+      <p:transition spd="med" p14:dur="700">
+        <p:fade/>
+      </p:transition>
+    </mc:Choice>
+    <mc:Fallback xmlns="">
+      <p:transition spd="med">
+        <p:fade/>
+      </p:transition>
+    </mc:Fallback>
+  </mc:AlternateContent>
+  <p:timing>
+    <p:tnLst>
+      <p:par>
+        <p:cTn id="1" dur="indefinite" restart="never" nodeType="tmRoot"/>
+      </p:par>
+    </p:tnLst>
+  </p:timing>
+</p:sld>
+</file>
+
+<file path=ppt/slides/slide4.xml><?xml version="1.0" encoding="utf-8"?>
+<p:sld xmlns:a="http://schemas.openxmlformats.org/drawingml/2006/main" xmlns:r="http://schemas.openxmlformats.org/officeDocument/2006/relationships" xmlns:p="http://schemas.openxmlformats.org/presentationml/2006/main">
+  <p:cSld>
+    <p:spTree>
+      <p:nvGrpSpPr>
+        <p:cNvPr id="1" name="Shape 88"/>
+        <p:cNvGrpSpPr/>
+        <p:nvPr/>
+      </p:nvGrpSpPr>
+      <p:grpSpPr>
+        <a:xfrm>
+          <a:off x="0" y="0"/>
+          <a:ext cx="0" cy="0"/>
+          <a:chOff x="0" y="0"/>
+          <a:chExt cx="0" cy="0"/>
+        </a:xfrm>
+      </p:grpSpPr>
+      <p:sp>
+        <p:nvSpPr>
+          <p:cNvPr id="89" name="Google Shape;89;p3"/>
+          <p:cNvSpPr txBox="1">
+            <a:spLocks noGrp="1"/>
+          </p:cNvSpPr>
+          <p:nvPr>
+            <p:ph type="title"/>
+          </p:nvPr>
+        </p:nvSpPr>
+        <p:spPr>
+          <a:prstGeom prst="rect">
+            <a:avLst/>
+          </a:prstGeom>
+          <a:noFill/>
+          <a:ln>
+            <a:noFill/>
+          </a:ln>
+        </p:spPr>
+        <p:txBody>
+          <a:bodyPr spcFirstLastPara="1" vert="horz" wrap="square" lIns="182851" tIns="91400" rIns="182851" bIns="91400" rtlCol="0" anchor="ctr" anchorCtr="0">
+            <a:noAutofit/>
+          </a:bodyPr>
+          <a:lstStyle/>
+          <a:p>
+            <a:pPr>
+              <a:lnSpc>
+                <a:spcPct val="90000"/>
+              </a:lnSpc>
+              <a:buClr>
+                <a:schemeClr val="lt1"/>
+              </a:buClr>
+              <a:buSzPts val="3200"/>
+            </a:pPr>
+            <a:r>
+              <a:rPr lang="es-PE" dirty="0" smtClean="0">
+                <a:solidFill>
+                  <a:schemeClr val="bg1"/>
+                </a:solidFill>
+              </a:rPr>
+              <a:t>Funciones de usuario en JavaScript</a:t>
+            </a:r>
+            <a:endParaRPr dirty="0">
+              <a:solidFill>
+                <a:schemeClr val="bg1"/>
+              </a:solidFill>
+            </a:endParaRPr>
+          </a:p>
+        </p:txBody>
+      </p:sp>
+      <p:sp>
+        <p:nvSpPr>
+          <p:cNvPr id="90" name="Google Shape;90;p3"/>
+          <p:cNvSpPr txBox="1">
+            <a:spLocks noGrp="1"/>
+          </p:cNvSpPr>
+          <p:nvPr>
+            <p:ph type="body" idx="1"/>
+          </p:nvPr>
+        </p:nvSpPr>
+        <p:spPr>
+          <a:xfrm>
+            <a:off x="911532" y="2512663"/>
+            <a:ext cx="21971000" cy="6203591"/>
+          </a:xfrm>
+          <a:prstGeom prst="rect">
+            <a:avLst/>
+          </a:prstGeom>
+          <a:noFill/>
+          <a:ln>
+            <a:noFill/>
+          </a:ln>
+        </p:spPr>
+        <p:txBody>
+          <a:bodyPr spcFirstLastPara="1" vert="horz" wrap="square" lIns="182851" tIns="91400" rIns="182851" bIns="91400" rtlCol="0" anchor="t" anchorCtr="0">
+            <a:normAutofit/>
+          </a:bodyPr>
+          <a:lstStyle/>
+          <a:p>
+            <a:pPr marL="0" indent="0">
+              <a:buNone/>
+            </a:pPr>
+            <a:r>
+              <a:rPr lang="es-MX" sz="5200" dirty="0">
+                <a:solidFill>
+                  <a:schemeClr val="bg1"/>
+                </a:solidFill>
+                <a:latin typeface="+mj-lt"/>
+              </a:rPr>
+              <a:t>Las funciones son uno de los </a:t>
+            </a:r>
+            <a:r>
+              <a:rPr lang="es-MX" sz="5200" b="1" dirty="0">
+                <a:solidFill>
+                  <a:schemeClr val="bg1"/>
+                </a:solidFill>
+                <a:latin typeface="+mj-lt"/>
+              </a:rPr>
+              <a:t>bloques de construcción </a:t>
+            </a:r>
+            <a:r>
+              <a:rPr lang="es-MX" sz="5200" dirty="0">
+                <a:solidFill>
+                  <a:schemeClr val="bg1"/>
+                </a:solidFill>
+                <a:latin typeface="+mj-lt"/>
+              </a:rPr>
+              <a:t>fundamentales en JavaScript. Una función en JavaScript es similar a un </a:t>
+            </a:r>
+            <a:r>
+              <a:rPr lang="es-MX" sz="5200" b="1" dirty="0">
+                <a:solidFill>
+                  <a:schemeClr val="bg1"/>
+                </a:solidFill>
+                <a:latin typeface="+mj-lt"/>
+              </a:rPr>
+              <a:t>procedimiento</a:t>
+            </a:r>
+            <a:r>
+              <a:rPr lang="es-MX" sz="5200" dirty="0">
+                <a:solidFill>
+                  <a:schemeClr val="bg1"/>
+                </a:solidFill>
+                <a:latin typeface="+mj-lt"/>
+              </a:rPr>
+              <a:t> — un conjunto de instrucciones que realiza una tarea o calcula un valor, pero para que un procedimiento califique como función, debe tomar alguna </a:t>
+            </a:r>
+            <a:r>
+              <a:rPr lang="es-MX" sz="5200" b="1" dirty="0">
+                <a:solidFill>
+                  <a:schemeClr val="bg1"/>
+                </a:solidFill>
+                <a:latin typeface="+mj-lt"/>
+              </a:rPr>
+              <a:t>entrada </a:t>
+            </a:r>
+            <a:r>
+              <a:rPr lang="es-MX" sz="5200" dirty="0">
+                <a:solidFill>
+                  <a:schemeClr val="bg1"/>
+                </a:solidFill>
+                <a:latin typeface="+mj-lt"/>
+              </a:rPr>
+              <a:t>y devolver una </a:t>
+            </a:r>
+            <a:r>
+              <a:rPr lang="es-MX" sz="5200" b="1" dirty="0">
+                <a:solidFill>
+                  <a:schemeClr val="bg1"/>
+                </a:solidFill>
+                <a:latin typeface="+mj-lt"/>
+              </a:rPr>
+              <a:t>salida</a:t>
+            </a:r>
+            <a:r>
+              <a:rPr lang="es-MX" sz="5200" dirty="0">
+                <a:solidFill>
+                  <a:schemeClr val="bg1"/>
+                </a:solidFill>
+                <a:latin typeface="+mj-lt"/>
+              </a:rPr>
+              <a:t> donde hay alguna relación obvia entre la entrada y la salida. Para usar una función, debes definirla en algún lugar del ámbito desde el que deseas llamarla.</a:t>
+            </a:r>
+            <a:endParaRPr sz="5200" dirty="0">
+              <a:solidFill>
+                <a:schemeClr val="bg1"/>
+              </a:solidFill>
+              <a:latin typeface="+mj-lt"/>
+            </a:endParaRPr>
+          </a:p>
+        </p:txBody>
+      </p:sp>
+      <p:pic>
+        <p:nvPicPr>
+          <p:cNvPr id="3" name="Imagen 2"/>
+          <p:cNvPicPr>
+            <a:picLocks noChangeAspect="1"/>
+          </p:cNvPicPr>
+          <p:nvPr/>
+        </p:nvPicPr>
+        <p:blipFill>
+          <a:blip r:embed="rId3"/>
+          <a:stretch>
+            <a:fillRect/>
+          </a:stretch>
+        </p:blipFill>
+        <p:spPr>
+          <a:xfrm>
+            <a:off x="19647135" y="8037828"/>
+            <a:ext cx="3530366" cy="4144340"/>
+          </a:xfrm>
+          <a:prstGeom prst="rect">
+            <a:avLst/>
+          </a:prstGeom>
+        </p:spPr>
+      </p:pic>
+    </p:spTree>
+    <p:extLst>
+      <p:ext uri="{BB962C8B-B14F-4D97-AF65-F5344CB8AC3E}">
+        <p14:creationId xmlns:p14="http://schemas.microsoft.com/office/powerpoint/2010/main" val="386276473"/>
+      </p:ext>
+    </p:extLst>
+  </p:cSld>
+  <p:clrMapOvr>
+    <a:masterClrMapping/>
+  </p:clrMapOvr>
+  <mc:AlternateContent xmlns:mc="http://schemas.openxmlformats.org/markup-compatibility/2006" xmlns:p14="http://schemas.microsoft.com/office/powerpoint/2010/main">
+    <mc:Choice Requires="p14">
+      <p:transition spd="med" p14:dur="700">
+        <p:fade/>
+      </p:transition>
+    </mc:Choice>
+    <mc:Fallback xmlns="">
+      <p:transition spd="med">
+        <p:fade/>
+      </p:transition>
+    </mc:Fallback>
+  </mc:AlternateContent>
+  <p:timing>
+    <p:tnLst>
+      <p:par>
+        <p:cTn id="1" dur="indefinite" restart="never" nodeType="tmRoot"/>
+      </p:par>
+    </p:tnLst>
+  </p:timing>
 </p:sld>
 </file>
 
